--- a/Presentación - Intoxicaciones.pptx
+++ b/Presentación - Intoxicaciones.pptx
@@ -10,15 +10,16 @@
     <p:sldId id="257" r:id="rId4"/>
     <p:sldId id="258" r:id="rId5"/>
     <p:sldId id="259" r:id="rId6"/>
-    <p:sldId id="260" r:id="rId7"/>
-    <p:sldId id="270" r:id="rId8"/>
-    <p:sldId id="271" r:id="rId9"/>
-    <p:sldId id="272" r:id="rId10"/>
-    <p:sldId id="261" r:id="rId11"/>
-    <p:sldId id="273" r:id="rId12"/>
-    <p:sldId id="263" r:id="rId13"/>
+    <p:sldId id="275" r:id="rId7"/>
+    <p:sldId id="274" r:id="rId8"/>
+    <p:sldId id="276" r:id="rId9"/>
+    <p:sldId id="277" r:id="rId10"/>
+    <p:sldId id="278" r:id="rId11"/>
+    <p:sldId id="279" r:id="rId12"/>
+    <p:sldId id="280" r:id="rId13"/>
     <p:sldId id="267" r:id="rId14"/>
-    <p:sldId id="268" r:id="rId15"/>
+    <p:sldId id="281" r:id="rId15"/>
+    <p:sldId id="268" r:id="rId16"/>
   </p:sldIdLst>
   <p:sldSz cx="12192000" cy="6858000"/>
   <p:notesSz cx="6858000" cy="9144000"/>
@@ -726,7 +727,7 @@
           </a:lstStyle>
           <a:p>
             <a:r>
-              <a:rPr lang="es-ES" smtClean="0"/>
+              <a:rPr lang="es-ES"/>
               <a:t>Haga clic para modificar el estilo de título del patrón</a:t>
             </a:r>
             <a:endParaRPr lang="en-US" dirty="0"/>
@@ -846,7 +847,7 @@
           </a:lstStyle>
           <a:p>
             <a:r>
-              <a:rPr lang="es-ES" smtClean="0"/>
+              <a:rPr lang="es-ES"/>
               <a:t>Haga clic para editar el estilo de subtítulo del patrón</a:t>
             </a:r>
             <a:endParaRPr lang="en-US" dirty="0"/>
@@ -972,7 +973,7 @@
           </a:lstStyle>
           <a:p>
             <a:r>
-              <a:rPr lang="es-ES" smtClean="0"/>
+              <a:rPr lang="es-ES"/>
               <a:t>Haga clic para modificar el estilo de título del patrón</a:t>
             </a:r>
             <a:endParaRPr lang="en-US" dirty="0"/>
@@ -1095,7 +1096,7 @@
           <a:p>
             <a:pPr lvl="0"/>
             <a:r>
-              <a:rPr lang="es-ES" smtClean="0"/>
+              <a:rPr lang="es-ES"/>
               <a:t>Editar el estilo de texto del patrón</a:t>
             </a:r>
           </a:p>
@@ -1220,7 +1221,7 @@
           </a:lstStyle>
           <a:p>
             <a:r>
-              <a:rPr lang="es-ES" smtClean="0"/>
+              <a:rPr lang="es-ES"/>
               <a:t>Haga clic para modificar el estilo de título del patrón</a:t>
             </a:r>
             <a:endParaRPr lang="en-US" dirty="0"/>
@@ -1284,7 +1285,7 @@
           <a:p>
             <a:pPr lvl="0"/>
             <a:r>
-              <a:rPr lang="es-ES" smtClean="0"/>
+              <a:rPr lang="es-ES"/>
               <a:t>Editar el estilo de texto del patrón</a:t>
             </a:r>
           </a:p>
@@ -1406,7 +1407,7 @@
           <a:p>
             <a:pPr lvl="0"/>
             <a:r>
-              <a:rPr lang="es-ES" smtClean="0"/>
+              <a:rPr lang="es-ES"/>
               <a:t>Editar el estilo de texto del patrón</a:t>
             </a:r>
           </a:p>
@@ -1613,7 +1614,7 @@
           </a:lstStyle>
           <a:p>
             <a:r>
-              <a:rPr lang="es-ES" smtClean="0"/>
+              <a:rPr lang="es-ES"/>
               <a:t>Haga clic para modificar el estilo de título del patrón</a:t>
             </a:r>
             <a:endParaRPr lang="en-US" dirty="0"/>
@@ -1736,7 +1737,7 @@
           <a:p>
             <a:pPr lvl="0"/>
             <a:r>
-              <a:rPr lang="es-ES" smtClean="0"/>
+              <a:rPr lang="es-ES"/>
               <a:t>Editar el estilo de texto del patrón</a:t>
             </a:r>
           </a:p>
@@ -1861,7 +1862,7 @@
           </a:lstStyle>
           <a:p>
             <a:r>
-              <a:rPr lang="es-ES" smtClean="0"/>
+              <a:rPr lang="es-ES"/>
               <a:t>Haga clic para modificar el estilo de título del patrón</a:t>
             </a:r>
             <a:endParaRPr lang="en-US" dirty="0"/>
@@ -1925,7 +1926,7 @@
           <a:p>
             <a:pPr lvl="0"/>
             <a:r>
-              <a:rPr lang="es-ES" smtClean="0"/>
+              <a:rPr lang="es-ES"/>
               <a:t>Editar el estilo de texto del patrón</a:t>
             </a:r>
           </a:p>
@@ -2047,7 +2048,7 @@
           <a:p>
             <a:pPr lvl="0"/>
             <a:r>
-              <a:rPr lang="es-ES" smtClean="0"/>
+              <a:rPr lang="es-ES"/>
               <a:t>Editar el estilo de texto del patrón</a:t>
             </a:r>
           </a:p>
@@ -2254,7 +2255,7 @@
           </a:lstStyle>
           <a:p>
             <a:r>
-              <a:rPr lang="es-ES" smtClean="0"/>
+              <a:rPr lang="es-ES"/>
               <a:t>Haga clic para modificar el estilo de título del patrón</a:t>
             </a:r>
             <a:endParaRPr lang="en-US" dirty="0"/>
@@ -2315,7 +2316,7 @@
           <a:p>
             <a:pPr lvl="0"/>
             <a:r>
-              <a:rPr lang="es-ES" smtClean="0"/>
+              <a:rPr lang="es-ES"/>
               <a:t>Editar el estilo de texto del patrón</a:t>
             </a:r>
           </a:p>
@@ -2437,7 +2438,7 @@
           <a:p>
             <a:pPr lvl="0"/>
             <a:r>
-              <a:rPr lang="es-ES" smtClean="0"/>
+              <a:rPr lang="es-ES"/>
               <a:t>Editar el estilo de texto del patrón</a:t>
             </a:r>
           </a:p>
@@ -2551,7 +2552,7 @@
           <a:lstStyle/>
           <a:p>
             <a:r>
-              <a:rPr lang="es-ES" smtClean="0"/>
+              <a:rPr lang="es-ES"/>
               <a:t>Haga clic para modificar el estilo de título del patrón</a:t>
             </a:r>
             <a:endParaRPr lang="en-US" dirty="0"/>
@@ -2575,35 +2576,35 @@
           <a:p>
             <a:pPr lvl="0"/>
             <a:r>
-              <a:rPr lang="es-ES" smtClean="0"/>
+              <a:rPr lang="es-ES"/>
               <a:t>Editar el estilo de texto del patrón</a:t>
             </a:r>
           </a:p>
           <a:p>
             <a:pPr lvl="1"/>
             <a:r>
-              <a:rPr lang="es-ES" smtClean="0"/>
+              <a:rPr lang="es-ES"/>
               <a:t>Segundo nivel</a:t>
             </a:r>
           </a:p>
           <a:p>
             <a:pPr lvl="2"/>
             <a:r>
-              <a:rPr lang="es-ES" smtClean="0"/>
+              <a:rPr lang="es-ES"/>
               <a:t>Tercer nivel</a:t>
             </a:r>
           </a:p>
           <a:p>
             <a:pPr lvl="3"/>
             <a:r>
-              <a:rPr lang="es-ES" smtClean="0"/>
+              <a:rPr lang="es-ES"/>
               <a:t>Cuarto nivel</a:t>
             </a:r>
           </a:p>
           <a:p>
             <a:pPr lvl="4"/>
             <a:r>
-              <a:rPr lang="es-ES" smtClean="0"/>
+              <a:rPr lang="es-ES"/>
               <a:t>Quinto nivel</a:t>
             </a:r>
             <a:endParaRPr lang="en-US" dirty="0"/>
@@ -2721,7 +2722,7 @@
           <a:lstStyle/>
           <a:p>
             <a:r>
-              <a:rPr lang="es-ES" smtClean="0"/>
+              <a:rPr lang="es-ES"/>
               <a:t>Haga clic para modificar el estilo de título del patrón</a:t>
             </a:r>
             <a:endParaRPr lang="en-US" dirty="0"/>
@@ -2750,35 +2751,35 @@
           <a:p>
             <a:pPr lvl="0"/>
             <a:r>
-              <a:rPr lang="es-ES" smtClean="0"/>
+              <a:rPr lang="es-ES"/>
               <a:t>Editar el estilo de texto del patrón</a:t>
             </a:r>
           </a:p>
           <a:p>
             <a:pPr lvl="1"/>
             <a:r>
-              <a:rPr lang="es-ES" smtClean="0"/>
+              <a:rPr lang="es-ES"/>
               <a:t>Segundo nivel</a:t>
             </a:r>
           </a:p>
           <a:p>
             <a:pPr lvl="2"/>
             <a:r>
-              <a:rPr lang="es-ES" smtClean="0"/>
+              <a:rPr lang="es-ES"/>
               <a:t>Tercer nivel</a:t>
             </a:r>
           </a:p>
           <a:p>
             <a:pPr lvl="3"/>
             <a:r>
-              <a:rPr lang="es-ES" smtClean="0"/>
+              <a:rPr lang="es-ES"/>
               <a:t>Cuarto nivel</a:t>
             </a:r>
           </a:p>
           <a:p>
             <a:pPr lvl="4"/>
             <a:r>
-              <a:rPr lang="es-ES" smtClean="0"/>
+              <a:rPr lang="es-ES"/>
               <a:t>Quinto nivel</a:t>
             </a:r>
             <a:endParaRPr lang="en-US" dirty="0"/>
@@ -2893,7 +2894,7 @@
           <a:lstStyle/>
           <a:p>
             <a:r>
-              <a:rPr lang="es-ES" smtClean="0"/>
+              <a:rPr lang="es-ES"/>
               <a:t>Haga clic para modificar el estilo de título del patrón</a:t>
             </a:r>
             <a:endParaRPr lang="en-US" dirty="0"/>
@@ -2917,35 +2918,35 @@
           <a:p>
             <a:pPr lvl="0"/>
             <a:r>
-              <a:rPr lang="es-ES" smtClean="0"/>
+              <a:rPr lang="es-ES"/>
               <a:t>Editar el estilo de texto del patrón</a:t>
             </a:r>
           </a:p>
           <a:p>
             <a:pPr lvl="1"/>
             <a:r>
-              <a:rPr lang="es-ES" smtClean="0"/>
+              <a:rPr lang="es-ES"/>
               <a:t>Segundo nivel</a:t>
             </a:r>
           </a:p>
           <a:p>
             <a:pPr lvl="2"/>
             <a:r>
-              <a:rPr lang="es-ES" smtClean="0"/>
+              <a:rPr lang="es-ES"/>
               <a:t>Tercer nivel</a:t>
             </a:r>
           </a:p>
           <a:p>
             <a:pPr lvl="3"/>
             <a:r>
-              <a:rPr lang="es-ES" smtClean="0"/>
+              <a:rPr lang="es-ES"/>
               <a:t>Cuarto nivel</a:t>
             </a:r>
           </a:p>
           <a:p>
             <a:pPr lvl="4"/>
             <a:r>
-              <a:rPr lang="es-ES" smtClean="0"/>
+              <a:rPr lang="es-ES"/>
               <a:t>Quinto nivel</a:t>
             </a:r>
             <a:endParaRPr lang="en-US" dirty="0"/>
@@ -3067,7 +3068,7 @@
           </a:lstStyle>
           <a:p>
             <a:r>
-              <a:rPr lang="es-ES" smtClean="0"/>
+              <a:rPr lang="es-ES"/>
               <a:t>Haga clic para modificar el estilo de título del patrón</a:t>
             </a:r>
             <a:endParaRPr lang="en-US" dirty="0"/>
@@ -3188,7 +3189,7 @@
           <a:p>
             <a:pPr lvl="0"/>
             <a:r>
-              <a:rPr lang="es-ES" smtClean="0"/>
+              <a:rPr lang="es-ES"/>
               <a:t>Editar el estilo de texto del patrón</a:t>
             </a:r>
           </a:p>
@@ -3302,7 +3303,7 @@
           <a:lstStyle/>
           <a:p>
             <a:r>
-              <a:rPr lang="es-ES" smtClean="0"/>
+              <a:rPr lang="es-ES"/>
               <a:t>Haga clic para modificar el estilo de título del patrón</a:t>
             </a:r>
             <a:endParaRPr lang="en-US" dirty="0"/>
@@ -3331,35 +3332,35 @@
           <a:p>
             <a:pPr lvl="0"/>
             <a:r>
-              <a:rPr lang="es-ES" smtClean="0"/>
+              <a:rPr lang="es-ES"/>
               <a:t>Editar el estilo de texto del patrón</a:t>
             </a:r>
           </a:p>
           <a:p>
             <a:pPr lvl="1"/>
             <a:r>
-              <a:rPr lang="es-ES" smtClean="0"/>
+              <a:rPr lang="es-ES"/>
               <a:t>Segundo nivel</a:t>
             </a:r>
           </a:p>
           <a:p>
             <a:pPr lvl="2"/>
             <a:r>
-              <a:rPr lang="es-ES" smtClean="0"/>
+              <a:rPr lang="es-ES"/>
               <a:t>Tercer nivel</a:t>
             </a:r>
           </a:p>
           <a:p>
             <a:pPr lvl="3"/>
             <a:r>
-              <a:rPr lang="es-ES" smtClean="0"/>
+              <a:rPr lang="es-ES"/>
               <a:t>Cuarto nivel</a:t>
             </a:r>
           </a:p>
           <a:p>
             <a:pPr lvl="4"/>
             <a:r>
-              <a:rPr lang="es-ES" smtClean="0"/>
+              <a:rPr lang="es-ES"/>
               <a:t>Quinto nivel</a:t>
             </a:r>
             <a:endParaRPr lang="en-US" dirty="0"/>
@@ -3388,35 +3389,35 @@
           <a:p>
             <a:pPr lvl="0"/>
             <a:r>
-              <a:rPr lang="es-ES" smtClean="0"/>
+              <a:rPr lang="es-ES"/>
               <a:t>Editar el estilo de texto del patrón</a:t>
             </a:r>
           </a:p>
           <a:p>
             <a:pPr lvl="1"/>
             <a:r>
-              <a:rPr lang="es-ES" smtClean="0"/>
+              <a:rPr lang="es-ES"/>
               <a:t>Segundo nivel</a:t>
             </a:r>
           </a:p>
           <a:p>
             <a:pPr lvl="2"/>
             <a:r>
-              <a:rPr lang="es-ES" smtClean="0"/>
+              <a:rPr lang="es-ES"/>
               <a:t>Tercer nivel</a:t>
             </a:r>
           </a:p>
           <a:p>
             <a:pPr lvl="3"/>
             <a:r>
-              <a:rPr lang="es-ES" smtClean="0"/>
+              <a:rPr lang="es-ES"/>
               <a:t>Cuarto nivel</a:t>
             </a:r>
           </a:p>
           <a:p>
             <a:pPr lvl="4"/>
             <a:r>
-              <a:rPr lang="es-ES" smtClean="0"/>
+              <a:rPr lang="es-ES"/>
               <a:t>Quinto nivel</a:t>
             </a:r>
             <a:endParaRPr lang="en-US" dirty="0"/>
@@ -3533,7 +3534,7 @@
           </a:lstStyle>
           <a:p>
             <a:r>
-              <a:rPr lang="es-ES" smtClean="0"/>
+              <a:rPr lang="es-ES"/>
               <a:t>Haga clic para modificar el estilo de título del patrón</a:t>
             </a:r>
             <a:endParaRPr lang="en-US" dirty="0"/>
@@ -3601,7 +3602,7 @@
           <a:p>
             <a:pPr lvl="0"/>
             <a:r>
-              <a:rPr lang="es-ES" smtClean="0"/>
+              <a:rPr lang="es-ES"/>
               <a:t>Editar el estilo de texto del patrón</a:t>
             </a:r>
           </a:p>
@@ -3631,35 +3632,35 @@
           <a:p>
             <a:pPr lvl="0"/>
             <a:r>
-              <a:rPr lang="es-ES" smtClean="0"/>
+              <a:rPr lang="es-ES"/>
               <a:t>Editar el estilo de texto del patrón</a:t>
             </a:r>
           </a:p>
           <a:p>
             <a:pPr lvl="1"/>
             <a:r>
-              <a:rPr lang="es-ES" smtClean="0"/>
+              <a:rPr lang="es-ES"/>
               <a:t>Segundo nivel</a:t>
             </a:r>
           </a:p>
           <a:p>
             <a:pPr lvl="2"/>
             <a:r>
-              <a:rPr lang="es-ES" smtClean="0"/>
+              <a:rPr lang="es-ES"/>
               <a:t>Tercer nivel</a:t>
             </a:r>
           </a:p>
           <a:p>
             <a:pPr lvl="3"/>
             <a:r>
-              <a:rPr lang="es-ES" smtClean="0"/>
+              <a:rPr lang="es-ES"/>
               <a:t>Cuarto nivel</a:t>
             </a:r>
           </a:p>
           <a:p>
             <a:pPr lvl="4"/>
             <a:r>
-              <a:rPr lang="es-ES" smtClean="0"/>
+              <a:rPr lang="es-ES"/>
               <a:t>Quinto nivel</a:t>
             </a:r>
             <a:endParaRPr lang="en-US" dirty="0"/>
@@ -3727,7 +3728,7 @@
           <a:p>
             <a:pPr lvl="0"/>
             <a:r>
-              <a:rPr lang="es-ES" smtClean="0"/>
+              <a:rPr lang="es-ES"/>
               <a:t>Editar el estilo de texto del patrón</a:t>
             </a:r>
           </a:p>
@@ -3757,35 +3758,35 @@
           <a:p>
             <a:pPr lvl="0"/>
             <a:r>
-              <a:rPr lang="es-ES" smtClean="0"/>
+              <a:rPr lang="es-ES"/>
               <a:t>Editar el estilo de texto del patrón</a:t>
             </a:r>
           </a:p>
           <a:p>
             <a:pPr lvl="1"/>
             <a:r>
-              <a:rPr lang="es-ES" smtClean="0"/>
+              <a:rPr lang="es-ES"/>
               <a:t>Segundo nivel</a:t>
             </a:r>
           </a:p>
           <a:p>
             <a:pPr lvl="2"/>
             <a:r>
-              <a:rPr lang="es-ES" smtClean="0"/>
+              <a:rPr lang="es-ES"/>
               <a:t>Tercer nivel</a:t>
             </a:r>
           </a:p>
           <a:p>
             <a:pPr lvl="3"/>
             <a:r>
-              <a:rPr lang="es-ES" smtClean="0"/>
+              <a:rPr lang="es-ES"/>
               <a:t>Cuarto nivel</a:t>
             </a:r>
           </a:p>
           <a:p>
             <a:pPr lvl="4"/>
             <a:r>
-              <a:rPr lang="es-ES" smtClean="0"/>
+              <a:rPr lang="es-ES"/>
               <a:t>Quinto nivel</a:t>
             </a:r>
             <a:endParaRPr lang="en-US" dirty="0"/>
@@ -3905,7 +3906,7 @@
           <a:lstStyle/>
           <a:p>
             <a:r>
-              <a:rPr lang="es-ES" smtClean="0"/>
+              <a:rPr lang="es-ES"/>
               <a:t>Haga clic para modificar el estilo de título del patrón</a:t>
             </a:r>
             <a:endParaRPr lang="en-US" dirty="0"/>
@@ -4123,7 +4124,7 @@
           </a:lstStyle>
           <a:p>
             <a:r>
-              <a:rPr lang="es-ES" smtClean="0"/>
+              <a:rPr lang="es-ES"/>
               <a:t>Haga clic para modificar el estilo de título del patrón</a:t>
             </a:r>
             <a:endParaRPr lang="en-US" dirty="0"/>
@@ -4154,35 +4155,35 @@
           <a:p>
             <a:pPr lvl="0"/>
             <a:r>
-              <a:rPr lang="es-ES" smtClean="0"/>
+              <a:rPr lang="es-ES"/>
               <a:t>Editar el estilo de texto del patrón</a:t>
             </a:r>
           </a:p>
           <a:p>
             <a:pPr lvl="1"/>
             <a:r>
-              <a:rPr lang="es-ES" smtClean="0"/>
+              <a:rPr lang="es-ES"/>
               <a:t>Segundo nivel</a:t>
             </a:r>
           </a:p>
           <a:p>
             <a:pPr lvl="2"/>
             <a:r>
-              <a:rPr lang="es-ES" smtClean="0"/>
+              <a:rPr lang="es-ES"/>
               <a:t>Tercer nivel</a:t>
             </a:r>
           </a:p>
           <a:p>
             <a:pPr lvl="3"/>
             <a:r>
-              <a:rPr lang="es-ES" smtClean="0"/>
+              <a:rPr lang="es-ES"/>
               <a:t>Cuarto nivel</a:t>
             </a:r>
           </a:p>
           <a:p>
             <a:pPr lvl="4"/>
             <a:r>
-              <a:rPr lang="es-ES" smtClean="0"/>
+              <a:rPr lang="es-ES"/>
               <a:t>Quinto nivel</a:t>
             </a:r>
             <a:endParaRPr lang="en-US" dirty="0"/>
@@ -4250,7 +4251,7 @@
           <a:p>
             <a:pPr lvl="0"/>
             <a:r>
-              <a:rPr lang="es-ES" smtClean="0"/>
+              <a:rPr lang="es-ES"/>
               <a:t>Editar el estilo de texto del patrón</a:t>
             </a:r>
           </a:p>
@@ -4373,7 +4374,7 @@
           </a:lstStyle>
           <a:p>
             <a:r>
-              <a:rPr lang="es-ES" smtClean="0"/>
+              <a:rPr lang="es-ES"/>
               <a:t>Haga clic para modificar el estilo de título del patrón</a:t>
             </a:r>
             <a:endParaRPr lang="en-US" dirty="0"/>
@@ -4440,7 +4441,7 @@
           </a:lstStyle>
           <a:p>
             <a:r>
-              <a:rPr lang="es-ES" smtClean="0"/>
+              <a:rPr lang="es-ES"/>
               <a:t>Haga clic en el icono para agregar una imagen</a:t>
             </a:r>
             <a:endParaRPr lang="en-US" dirty="0"/>
@@ -4508,7 +4509,7 @@
           <a:p>
             <a:pPr lvl="0"/>
             <a:r>
-              <a:rPr lang="es-ES" smtClean="0"/>
+              <a:rPr lang="es-ES"/>
               <a:t>Editar el estilo de texto del patrón</a:t>
             </a:r>
           </a:p>
@@ -5168,7 +5169,7 @@
           <a:lstStyle/>
           <a:p>
             <a:r>
-              <a:rPr lang="es-ES" smtClean="0"/>
+              <a:rPr lang="es-ES"/>
               <a:t>Haga clic para modificar el estilo de título del patrón</a:t>
             </a:r>
             <a:endParaRPr lang="en-US" dirty="0"/>
@@ -5202,35 +5203,35 @@
           <a:p>
             <a:pPr lvl="0"/>
             <a:r>
-              <a:rPr lang="es-ES" smtClean="0"/>
+              <a:rPr lang="es-ES"/>
               <a:t>Editar el estilo de texto del patrón</a:t>
             </a:r>
           </a:p>
           <a:p>
             <a:pPr lvl="1"/>
             <a:r>
-              <a:rPr lang="es-ES" smtClean="0"/>
+              <a:rPr lang="es-ES"/>
               <a:t>Segundo nivel</a:t>
             </a:r>
           </a:p>
           <a:p>
             <a:pPr lvl="2"/>
             <a:r>
-              <a:rPr lang="es-ES" smtClean="0"/>
+              <a:rPr lang="es-ES"/>
               <a:t>Tercer nivel</a:t>
             </a:r>
           </a:p>
           <a:p>
             <a:pPr lvl="3"/>
             <a:r>
-              <a:rPr lang="es-ES" smtClean="0"/>
+              <a:rPr lang="es-ES"/>
               <a:t>Cuarto nivel</a:t>
             </a:r>
           </a:p>
           <a:p>
             <a:pPr lvl="4"/>
             <a:r>
-              <a:rPr lang="es-ES" smtClean="0"/>
+              <a:rPr lang="es-ES"/>
               <a:t>Quinto nivel</a:t>
             </a:r>
             <a:endParaRPr lang="en-US" dirty="0"/>
@@ -5880,30 +5881,30 @@
           <a:p>
             <a:pPr algn="l"/>
             <a:r>
-              <a:rPr lang="en-US" dirty="0" err="1" smtClean="0"/>
+              <a:rPr lang="en-US" dirty="0" err="1"/>
               <a:t>Integrantes</a:t>
             </a:r>
             <a:r>
-              <a:rPr lang="en-US" dirty="0" smtClean="0"/>
+              <a:rPr lang="en-US" dirty="0"/>
               <a:t>:</a:t>
             </a:r>
           </a:p>
           <a:p>
             <a:pPr algn="l"/>
             <a:r>
-              <a:rPr lang="es-CR" dirty="0" smtClean="0"/>
+              <a:rPr lang="es-CR" dirty="0"/>
               <a:t>Andrés Arguedas Leiva</a:t>
             </a:r>
           </a:p>
           <a:p>
             <a:pPr algn="l"/>
             <a:r>
-              <a:rPr lang="es-CR" dirty="0" smtClean="0"/>
+              <a:rPr lang="es-CR" dirty="0"/>
               <a:t>Natalia Díaz Ramírez</a:t>
             </a:r>
           </a:p>
           <a:p>
-            <a:endParaRPr lang="en-US" dirty="0" smtClean="0"/>
+            <a:endParaRPr lang="en-US" dirty="0"/>
           </a:p>
           <a:p>
             <a:endParaRPr lang="en-US" dirty="0"/>
@@ -5920,13 +5921,6 @@
   <p:clrMapOvr>
     <a:masterClrMapping/>
   </p:clrMapOvr>
-  <p:timing>
-    <p:tnLst>
-      <p:par>
-        <p:cTn id="1" dur="indefinite" restart="never" nodeType="tmRoot"/>
-      </p:par>
-    </p:tnLst>
-  </p:timing>
 </p:sld>
 </file>
 
@@ -5949,7 +5943,13 @@
       </p:grpSpPr>
       <p:sp>
         <p:nvSpPr>
-          <p:cNvPr id="2" name="Título 1"/>
+          <p:cNvPr id="4" name="Título 3">
+            <a:extLst>
+              <a:ext uri="{FF2B5EF4-FFF2-40B4-BE49-F238E27FC236}">
+                <a16:creationId xmlns:a16="http://schemas.microsoft.com/office/drawing/2014/main" id="{79662423-7D37-4BC4-96E1-6D6407323695}"/>
+              </a:ext>
+            </a:extLst>
+          </p:cNvPr>
           <p:cNvSpPr>
             <a:spLocks noGrp="1"/>
           </p:cNvSpPr>
@@ -5957,163 +5957,289 @@
             <p:ph type="title"/>
           </p:nvPr>
         </p:nvSpPr>
-        <p:spPr>
-          <a:xfrm>
-            <a:off x="241906" y="182879"/>
-            <a:ext cx="8596668" cy="1320800"/>
-          </a:xfrm>
-        </p:spPr>
+        <p:spPr/>
         <p:txBody>
-          <a:bodyPr>
-            <a:normAutofit fontScale="90000"/>
-          </a:bodyPr>
+          <a:bodyPr/>
           <a:lstStyle/>
           <a:p>
-            <a:pPr algn="r"/>
-            <a:r>
-              <a:rPr lang="es-ES" sz="6700" u="sng" dirty="0"/>
-              <a:t>Pesos</a:t>
-            </a:r>
-            <a:r>
-              <a:rPr lang="es-ES" u="sng" dirty="0"/>
-              <a:t/>
-            </a:r>
-            <a:br>
-              <a:rPr lang="es-ES" u="sng" dirty="0"/>
-            </a:br>
-            <a:endParaRPr lang="en-US" b="1" u="sng" dirty="0"/>
+            <a:r>
+              <a:rPr lang="es-CR" dirty="0"/>
+              <a:t>Prueba I de Moran</a:t>
+            </a:r>
           </a:p>
         </p:txBody>
       </p:sp>
       <p:sp>
         <p:nvSpPr>
-          <p:cNvPr id="5" name="Rectángulo 4"/>
-          <p:cNvSpPr/>
-          <p:nvPr/>
+          <p:cNvPr id="5" name="Marcador de texto 4">
+            <a:extLst>
+              <a:ext uri="{FF2B5EF4-FFF2-40B4-BE49-F238E27FC236}">
+                <a16:creationId xmlns:a16="http://schemas.microsoft.com/office/drawing/2014/main" id="{B7F2C7BA-EB6A-4400-9246-5B41C07DE2E1}"/>
+              </a:ext>
+            </a:extLst>
+          </p:cNvPr>
+          <p:cNvSpPr>
+            <a:spLocks noGrp="1"/>
+          </p:cNvSpPr>
+          <p:nvPr>
+            <p:ph type="body" idx="1"/>
+          </p:nvPr>
         </p:nvSpPr>
-        <p:spPr>
-          <a:xfrm>
-            <a:off x="984069" y="1295289"/>
-            <a:ext cx="6096000" cy="2031325"/>
-          </a:xfrm>
-          <a:prstGeom prst="rect">
-            <a:avLst/>
-          </a:prstGeom>
-        </p:spPr>
+        <p:spPr/>
         <p:txBody>
-          <a:bodyPr>
-            <a:spAutoFit/>
-          </a:bodyPr>
+          <a:bodyPr/>
           <a:lstStyle/>
           <a:p>
-            <a:endParaRPr lang="es-ES" dirty="0"/>
-          </a:p>
-          <a:p>
-            <a:pPr marL="342900" indent="-342900">
-              <a:buAutoNum type="arabicPeriod"/>
-            </a:pPr>
-            <a:r>
-              <a:rPr lang="es-ES" dirty="0" smtClean="0"/>
-              <a:t>Estandarización </a:t>
-            </a:r>
-            <a:r>
-              <a:rPr lang="es-ES" dirty="0"/>
-              <a:t>por </a:t>
-            </a:r>
-            <a:r>
-              <a:rPr lang="es-ES" dirty="0" smtClean="0"/>
-              <a:t>fila</a:t>
-            </a:r>
-          </a:p>
-          <a:p>
-            <a:pPr marL="342900" indent="-342900">
-              <a:buAutoNum type="arabicPeriod"/>
-            </a:pPr>
-            <a:endParaRPr lang="es-ES" dirty="0"/>
-          </a:p>
-          <a:p>
-            <a:pPr marL="342900" indent="-342900">
-              <a:buAutoNum type="arabicPeriod"/>
-            </a:pPr>
-            <a:endParaRPr lang="es-ES" dirty="0" smtClean="0"/>
-          </a:p>
-          <a:p>
-            <a:pPr marL="342900" indent="-342900">
-              <a:buAutoNum type="arabicPeriod"/>
-            </a:pPr>
-            <a:endParaRPr lang="es-ES" dirty="0"/>
-          </a:p>
-          <a:p>
-            <a:pPr marL="342900" indent="-342900">
-              <a:buAutoNum type="arabicPeriod"/>
-            </a:pPr>
-            <a:endParaRPr lang="es-ES" dirty="0" smtClean="0"/>
-          </a:p>
-          <a:p>
-            <a:r>
-              <a:rPr lang="es-ES" dirty="0" smtClean="0"/>
-              <a:t>Reina   torre</a:t>
-            </a:r>
-            <a:endParaRPr lang="en-US" dirty="0"/>
+            <a:r>
+              <a:rPr lang="es-CR" dirty="0"/>
+              <a:t>Intoxicaciones totales</a:t>
+            </a:r>
           </a:p>
         </p:txBody>
       </p:sp>
       <p:sp>
         <p:nvSpPr>
-          <p:cNvPr id="6" name="Rectángulo 5"/>
-          <p:cNvSpPr/>
-          <p:nvPr/>
+          <p:cNvPr id="6" name="Marcador de contenido 5">
+            <a:extLst>
+              <a:ext uri="{FF2B5EF4-FFF2-40B4-BE49-F238E27FC236}">
+                <a16:creationId xmlns:a16="http://schemas.microsoft.com/office/drawing/2014/main" id="{549CE697-7CD7-4F76-A42D-F37B9DFF95D7}"/>
+              </a:ext>
+            </a:extLst>
+          </p:cNvPr>
+          <p:cNvSpPr>
+            <a:spLocks noGrp="1"/>
+          </p:cNvSpPr>
+          <p:nvPr>
+            <p:ph sz="half" idx="2"/>
+          </p:nvPr>
         </p:nvSpPr>
-        <p:spPr>
-          <a:xfrm>
-            <a:off x="1176171" y="3984562"/>
-            <a:ext cx="1183337" cy="369332"/>
-          </a:xfrm>
-          <a:prstGeom prst="rect">
-            <a:avLst/>
-          </a:prstGeom>
-        </p:spPr>
+        <p:spPr/>
         <p:txBody>
-          <a:bodyPr wrap="none">
-            <a:spAutoFit/>
-          </a:bodyPr>
+          <a:bodyPr/>
           <a:lstStyle/>
           <a:p>
             <a:r>
-              <a:rPr lang="en-US" dirty="0"/>
-              <a:t>2. </a:t>
-            </a:r>
-            <a:r>
-              <a:rPr lang="en-US" dirty="0" err="1"/>
-              <a:t>Binario</a:t>
-            </a:r>
-            <a:endParaRPr lang="en-US" dirty="0"/>
+              <a:rPr lang="es-CR" b="1" dirty="0"/>
+              <a:t>Residuos: </a:t>
+            </a:r>
+            <a:r>
+              <a:rPr lang="es-CR" dirty="0"/>
+              <a:t>p-</a:t>
+            </a:r>
+            <a:r>
+              <a:rPr lang="es-CR" dirty="0" err="1"/>
+              <a:t>value</a:t>
+            </a:r>
+            <a:r>
+              <a:rPr lang="es-CR" dirty="0"/>
+              <a:t> 0.71</a:t>
+            </a:r>
+          </a:p>
+          <a:p>
+            <a:r>
+              <a:rPr lang="es-CR" b="1" dirty="0"/>
+              <a:t>Punto de silla: </a:t>
+            </a:r>
+            <a:r>
+              <a:rPr lang="es-CR" dirty="0"/>
+              <a:t>p-</a:t>
+            </a:r>
+            <a:r>
+              <a:rPr lang="es-CR" dirty="0" err="1"/>
+              <a:t>value</a:t>
+            </a:r>
+            <a:r>
+              <a:rPr lang="es-CR" dirty="0"/>
+              <a:t> 0.7</a:t>
+            </a:r>
+          </a:p>
+          <a:p>
+            <a:r>
+              <a:rPr lang="es-CR" b="1" dirty="0"/>
+              <a:t>Exacto:</a:t>
+            </a:r>
+            <a:r>
+              <a:rPr lang="es-CR" dirty="0"/>
+              <a:t> p-</a:t>
+            </a:r>
+            <a:r>
+              <a:rPr lang="es-CR" dirty="0" err="1"/>
+              <a:t>value</a:t>
+            </a:r>
+            <a:r>
+              <a:rPr lang="es-CR" dirty="0"/>
+              <a:t> 0.7</a:t>
+            </a:r>
+          </a:p>
+          <a:p>
+            <a:r>
+              <a:rPr lang="es-CR" b="1" dirty="0"/>
+              <a:t>Permutaciones: </a:t>
+            </a:r>
+            <a:r>
+              <a:rPr lang="es-CR" dirty="0"/>
+              <a:t>p-</a:t>
+            </a:r>
+            <a:r>
+              <a:rPr lang="es-CR" dirty="0" err="1"/>
+              <a:t>value</a:t>
+            </a:r>
+            <a:r>
+              <a:rPr lang="es-CR" dirty="0"/>
+              <a:t> 0.69</a:t>
+            </a:r>
+          </a:p>
+          <a:p>
+            <a:r>
+              <a:rPr lang="es-CR" b="1" dirty="0"/>
+              <a:t>EBI tomando en cuenta la población: </a:t>
+            </a:r>
+            <a:r>
+              <a:rPr lang="es-CR" dirty="0"/>
+              <a:t>p-</a:t>
+            </a:r>
+            <a:r>
+              <a:rPr lang="es-CR" dirty="0" err="1"/>
+              <a:t>value</a:t>
+            </a:r>
+            <a:r>
+              <a:rPr lang="es-CR" dirty="0"/>
+              <a:t> 0.001</a:t>
+            </a:r>
+          </a:p>
+        </p:txBody>
+      </p:sp>
+      <p:sp>
+        <p:nvSpPr>
+          <p:cNvPr id="7" name="Marcador de texto 6">
+            <a:extLst>
+              <a:ext uri="{FF2B5EF4-FFF2-40B4-BE49-F238E27FC236}">
+                <a16:creationId xmlns:a16="http://schemas.microsoft.com/office/drawing/2014/main" id="{59D1D17D-D329-4FB9-8F60-89D0E8573C59}"/>
+              </a:ext>
+            </a:extLst>
+          </p:cNvPr>
+          <p:cNvSpPr>
+            <a:spLocks noGrp="1"/>
+          </p:cNvSpPr>
+          <p:nvPr>
+            <p:ph type="body" sz="quarter" idx="3"/>
+          </p:nvPr>
+        </p:nvSpPr>
+        <p:spPr/>
+        <p:txBody>
+          <a:bodyPr/>
+          <a:lstStyle/>
+          <a:p>
+            <a:r>
+              <a:rPr lang="es-CR" dirty="0"/>
+              <a:t>Intoxicaciones por 10 mil habitantes</a:t>
+            </a:r>
+          </a:p>
+        </p:txBody>
+      </p:sp>
+      <p:sp>
+        <p:nvSpPr>
+          <p:cNvPr id="8" name="Marcador de contenido 7">
+            <a:extLst>
+              <a:ext uri="{FF2B5EF4-FFF2-40B4-BE49-F238E27FC236}">
+                <a16:creationId xmlns:a16="http://schemas.microsoft.com/office/drawing/2014/main" id="{37200A68-AC0B-475A-A921-E28E118B8DEA}"/>
+              </a:ext>
+            </a:extLst>
+          </p:cNvPr>
+          <p:cNvSpPr>
+            <a:spLocks noGrp="1"/>
+          </p:cNvSpPr>
+          <p:nvPr>
+            <p:ph sz="quarter" idx="4"/>
+          </p:nvPr>
+        </p:nvSpPr>
+        <p:spPr/>
+        <p:txBody>
+          <a:bodyPr/>
+          <a:lstStyle/>
+          <a:p>
+            <a:r>
+              <a:rPr lang="es-CR" b="1" dirty="0"/>
+              <a:t>Residuos: </a:t>
+            </a:r>
+            <a:r>
+              <a:rPr lang="es-CR" dirty="0"/>
+              <a:t>p-</a:t>
+            </a:r>
+            <a:r>
+              <a:rPr lang="es-CR" dirty="0" err="1"/>
+              <a:t>value</a:t>
+            </a:r>
+            <a:r>
+              <a:rPr lang="es-CR" dirty="0"/>
+              <a:t> 7*e-8</a:t>
+            </a:r>
+          </a:p>
+          <a:p>
+            <a:r>
+              <a:rPr lang="es-CR" b="1" dirty="0"/>
+              <a:t>Punto de silla: </a:t>
+            </a:r>
+            <a:r>
+              <a:rPr lang="es-CR" dirty="0"/>
+              <a:t>p-</a:t>
+            </a:r>
+            <a:r>
+              <a:rPr lang="es-CR" dirty="0" err="1"/>
+              <a:t>value</a:t>
+            </a:r>
+            <a:r>
+              <a:rPr lang="es-CR" dirty="0"/>
+              <a:t>  2*e-6</a:t>
+            </a:r>
+          </a:p>
+          <a:p>
+            <a:r>
+              <a:rPr lang="es-CR" b="1" dirty="0"/>
+              <a:t>Exacto:</a:t>
+            </a:r>
+            <a:r>
+              <a:rPr lang="es-CR" dirty="0"/>
+              <a:t> p-</a:t>
+            </a:r>
+            <a:r>
+              <a:rPr lang="es-CR" dirty="0" err="1"/>
+              <a:t>value</a:t>
+            </a:r>
+            <a:r>
+              <a:rPr lang="es-CR" dirty="0"/>
+              <a:t> 2*e-6</a:t>
+            </a:r>
+          </a:p>
+          <a:p>
+            <a:endParaRPr lang="es-CR" dirty="0"/>
           </a:p>
         </p:txBody>
       </p:sp>
     </p:spTree>
     <p:extLst>
       <p:ext uri="{BB962C8B-B14F-4D97-AF65-F5344CB8AC3E}">
-        <p14:creationId xmlns:p14="http://schemas.microsoft.com/office/powerpoint/2010/main" val="3239217735"/>
+        <p14:creationId xmlns:p14="http://schemas.microsoft.com/office/powerpoint/2010/main" val="1615922844"/>
       </p:ext>
     </p:extLst>
   </p:cSld>
   <p:clrMapOvr>
     <a:masterClrMapping/>
   </p:clrMapOvr>
-  <p:timing>
-    <p:tnLst>
-      <p:par>
-        <p:cTn id="1" dur="indefinite" restart="never" nodeType="tmRoot"/>
-      </p:par>
-    </p:tnLst>
-  </p:timing>
 </p:sld>
 </file>
 
 <file path=ppt/slides/slide11.xml><?xml version="1.0" encoding="utf-8"?>
 <p:sld xmlns:a="http://schemas.openxmlformats.org/drawingml/2006/main" xmlns:r="http://schemas.openxmlformats.org/officeDocument/2006/relationships" xmlns:p="http://schemas.openxmlformats.org/presentationml/2006/main">
   <p:cSld>
+    <p:bg>
+      <p:bgPr>
+        <a:solidFill>
+          <a:schemeClr val="bg2"/>
+        </a:solidFill>
+        <a:effectLst/>
+      </p:bgPr>
+    </p:bg>
     <p:spTree>
       <p:nvGrpSpPr>
         <p:cNvPr id="1" name=""/>
@@ -6128,9 +6254,735 @@
           <a:chExt cx="0" cy="0"/>
         </a:xfrm>
       </p:grpSpPr>
+      <p:grpSp>
+        <p:nvGrpSpPr>
+          <p:cNvPr id="16" name="Group 15">
+            <a:extLst>
+              <a:ext uri="{FF2B5EF4-FFF2-40B4-BE49-F238E27FC236}">
+                <a16:creationId xmlns:a16="http://schemas.microsoft.com/office/drawing/2014/main" id="{3DFBBA17-68C1-41F9-89F3-78F3F2DB97BC}"/>
+              </a:ext>
+              <a:ext uri="{C183D7F6-B498-43B3-948B-1728B52AA6E4}">
+                <adec:decorative xmlns:adec="http://schemas.microsoft.com/office/drawing/2017/decorative" val="1"/>
+              </a:ext>
+            </a:extLst>
+          </p:cNvPr>
+          <p:cNvGrpSpPr>
+            <a:grpSpLocks noGrp="1" noUngrp="1" noRot="1" noChangeAspect="1" noMove="1" noResize="1"/>
+          </p:cNvGrpSpPr>
+          <p:nvPr>
+            <p:extLst>
+              <p:ext uri="{386F3935-93C4-4BCD-93E2-E3B085C9AB24}">
+                <p16:designElem xmlns:p16="http://schemas.microsoft.com/office/powerpoint/2015/main" val="1"/>
+              </p:ext>
+            </p:extLst>
+          </p:nvPr>
+        </p:nvGrpSpPr>
+        <p:grpSpPr>
+          <a:xfrm>
+            <a:off x="0" y="-8467"/>
+            <a:ext cx="12192000" cy="6866467"/>
+            <a:chOff x="0" y="-8467"/>
+            <a:chExt cx="12192000" cy="6866467"/>
+          </a:xfrm>
+        </p:grpSpPr>
+        <p:sp>
+          <p:nvSpPr>
+            <p:cNvPr id="17" name="Freeform 14">
+              <a:extLst>
+                <a:ext uri="{FF2B5EF4-FFF2-40B4-BE49-F238E27FC236}">
+                  <a16:creationId xmlns:a16="http://schemas.microsoft.com/office/drawing/2014/main" id="{3054DDBF-C387-4540-A45A-F9BEB040C28F}"/>
+                </a:ext>
+                <a:ext uri="{C183D7F6-B498-43B3-948B-1728B52AA6E4}">
+                  <adec:decorative xmlns:adec="http://schemas.microsoft.com/office/drawing/2017/decorative" val="1"/>
+                </a:ext>
+              </a:extLst>
+            </p:cNvPr>
+            <p:cNvSpPr/>
+            <p:nvPr>
+              <p:extLst>
+                <p:ext uri="{386F3935-93C4-4BCD-93E2-E3B085C9AB24}">
+                  <p16:designElem xmlns:p16="http://schemas.microsoft.com/office/powerpoint/2015/main" val="1"/>
+                </p:ext>
+              </p:extLst>
+            </p:nvPr>
+          </p:nvSpPr>
+          <p:spPr>
+            <a:xfrm>
+              <a:off x="0" y="-7862"/>
+              <a:ext cx="863600" cy="5698067"/>
+            </a:xfrm>
+            <a:custGeom>
+              <a:avLst/>
+              <a:gdLst/>
+              <a:ahLst/>
+              <a:cxnLst/>
+              <a:rect l="l" t="t" r="r" b="b"/>
+              <a:pathLst>
+                <a:path w="863600" h="5698067">
+                  <a:moveTo>
+                    <a:pt x="0" y="8467"/>
+                  </a:moveTo>
+                  <a:lnTo>
+                    <a:pt x="863600" y="0"/>
+                  </a:lnTo>
+                  <a:lnTo>
+                    <a:pt x="863600" y="16934"/>
+                  </a:lnTo>
+                  <a:lnTo>
+                    <a:pt x="0" y="5698067"/>
+                  </a:lnTo>
+                  <a:lnTo>
+                    <a:pt x="0" y="8467"/>
+                  </a:lnTo>
+                  <a:close/>
+                </a:path>
+              </a:pathLst>
+            </a:custGeom>
+            <a:solidFill>
+              <a:schemeClr val="accent1">
+                <a:alpha val="70000"/>
+              </a:schemeClr>
+            </a:solidFill>
+            <a:ln>
+              <a:noFill/>
+            </a:ln>
+            <a:effectLst/>
+          </p:spPr>
+          <p:style>
+            <a:lnRef idx="1">
+              <a:schemeClr val="accent1"/>
+            </a:lnRef>
+            <a:fillRef idx="3">
+              <a:schemeClr val="accent1"/>
+            </a:fillRef>
+            <a:effectRef idx="2">
+              <a:schemeClr val="accent1"/>
+            </a:effectRef>
+            <a:fontRef idx="minor">
+              <a:schemeClr val="lt1"/>
+            </a:fontRef>
+          </p:style>
+        </p:sp>
+        <p:cxnSp>
+          <p:nvCxnSpPr>
+            <p:cNvPr id="18" name="Straight Connector 17">
+              <a:extLst>
+                <a:ext uri="{FF2B5EF4-FFF2-40B4-BE49-F238E27FC236}">
+                  <a16:creationId xmlns:a16="http://schemas.microsoft.com/office/drawing/2014/main" id="{7BD859CE-CE14-4780-AE18-EAE4B3284BA1}"/>
+                </a:ext>
+                <a:ext uri="{C183D7F6-B498-43B3-948B-1728B52AA6E4}">
+                  <adec:decorative xmlns:adec="http://schemas.microsoft.com/office/drawing/2017/decorative" val="1"/>
+                </a:ext>
+              </a:extLst>
+            </p:cNvPr>
+            <p:cNvCxnSpPr/>
+            <p:nvPr>
+              <p:extLst>
+                <p:ext uri="{386F3935-93C4-4BCD-93E2-E3B085C9AB24}">
+                  <p16:designElem xmlns:p16="http://schemas.microsoft.com/office/powerpoint/2015/main" val="1"/>
+                </p:ext>
+              </p:extLst>
+            </p:nvPr>
+          </p:nvCxnSpPr>
+          <p:spPr>
+            <a:xfrm>
+              <a:off x="9371012" y="0"/>
+              <a:ext cx="1219200" cy="6858000"/>
+            </a:xfrm>
+            <a:prstGeom prst="line">
+              <a:avLst/>
+            </a:prstGeom>
+            <a:ln w="9525">
+              <a:solidFill>
+                <a:schemeClr val="accent1">
+                  <a:alpha val="70000"/>
+                </a:schemeClr>
+              </a:solidFill>
+            </a:ln>
+          </p:spPr>
+          <p:style>
+            <a:lnRef idx="2">
+              <a:schemeClr val="accent1"/>
+            </a:lnRef>
+            <a:fillRef idx="0">
+              <a:schemeClr val="accent1"/>
+            </a:fillRef>
+            <a:effectRef idx="1">
+              <a:schemeClr val="accent1"/>
+            </a:effectRef>
+            <a:fontRef idx="minor">
+              <a:schemeClr val="tx1"/>
+            </a:fontRef>
+          </p:style>
+        </p:cxnSp>
+        <p:cxnSp>
+          <p:nvCxnSpPr>
+            <p:cNvPr id="19" name="Straight Connector 18">
+              <a:extLst>
+                <a:ext uri="{FF2B5EF4-FFF2-40B4-BE49-F238E27FC236}">
+                  <a16:creationId xmlns:a16="http://schemas.microsoft.com/office/drawing/2014/main" id="{F0B8A132-768E-483C-A30F-37EB64E0411F}"/>
+                </a:ext>
+                <a:ext uri="{C183D7F6-B498-43B3-948B-1728B52AA6E4}">
+                  <adec:decorative xmlns:adec="http://schemas.microsoft.com/office/drawing/2017/decorative" val="1"/>
+                </a:ext>
+              </a:extLst>
+            </p:cNvPr>
+            <p:cNvCxnSpPr/>
+            <p:nvPr>
+              <p:extLst>
+                <p:ext uri="{386F3935-93C4-4BCD-93E2-E3B085C9AB24}">
+                  <p16:designElem xmlns:p16="http://schemas.microsoft.com/office/powerpoint/2015/main" val="1"/>
+                </p:ext>
+              </p:extLst>
+            </p:nvPr>
+          </p:nvCxnSpPr>
+          <p:spPr>
+            <a:xfrm flipH="1">
+              <a:off x="7425267" y="3681413"/>
+              <a:ext cx="4763558" cy="3176587"/>
+            </a:xfrm>
+            <a:prstGeom prst="line">
+              <a:avLst/>
+            </a:prstGeom>
+            <a:ln w="9525">
+              <a:solidFill>
+                <a:schemeClr val="accent1">
+                  <a:alpha val="70000"/>
+                </a:schemeClr>
+              </a:solidFill>
+            </a:ln>
+          </p:spPr>
+          <p:style>
+            <a:lnRef idx="2">
+              <a:schemeClr val="accent1"/>
+            </a:lnRef>
+            <a:fillRef idx="0">
+              <a:schemeClr val="accent1"/>
+            </a:fillRef>
+            <a:effectRef idx="1">
+              <a:schemeClr val="accent1"/>
+            </a:effectRef>
+            <a:fontRef idx="minor">
+              <a:schemeClr val="tx1"/>
+            </a:fontRef>
+          </p:style>
+        </p:cxnSp>
+        <p:sp>
+          <p:nvSpPr>
+            <p:cNvPr id="20" name="Rectangle 23">
+              <a:extLst>
+                <a:ext uri="{FF2B5EF4-FFF2-40B4-BE49-F238E27FC236}">
+                  <a16:creationId xmlns:a16="http://schemas.microsoft.com/office/drawing/2014/main" id="{F81F31DC-17B7-43F3-B8DB-CA79E1A1EFE5}"/>
+                </a:ext>
+                <a:ext uri="{C183D7F6-B498-43B3-948B-1728B52AA6E4}">
+                  <adec:decorative xmlns:adec="http://schemas.microsoft.com/office/drawing/2017/decorative" val="1"/>
+                </a:ext>
+              </a:extLst>
+            </p:cNvPr>
+            <p:cNvSpPr/>
+            <p:nvPr>
+              <p:extLst>
+                <p:ext uri="{386F3935-93C4-4BCD-93E2-E3B085C9AB24}">
+                  <p16:designElem xmlns:p16="http://schemas.microsoft.com/office/powerpoint/2015/main" val="1"/>
+                </p:ext>
+              </p:extLst>
+            </p:nvPr>
+          </p:nvSpPr>
+          <p:spPr>
+            <a:xfrm>
+              <a:off x="9181476" y="-8467"/>
+              <a:ext cx="3007349" cy="6866467"/>
+            </a:xfrm>
+            <a:custGeom>
+              <a:avLst/>
+              <a:gdLst/>
+              <a:ahLst/>
+              <a:cxnLst/>
+              <a:rect l="l" t="t" r="r" b="b"/>
+              <a:pathLst>
+                <a:path w="3007349" h="6866467">
+                  <a:moveTo>
+                    <a:pt x="2045532" y="0"/>
+                  </a:moveTo>
+                  <a:lnTo>
+                    <a:pt x="3007349" y="0"/>
+                  </a:lnTo>
+                  <a:lnTo>
+                    <a:pt x="3007349" y="6866467"/>
+                  </a:lnTo>
+                  <a:lnTo>
+                    <a:pt x="0" y="6866467"/>
+                  </a:lnTo>
+                  <a:lnTo>
+                    <a:pt x="2045532" y="0"/>
+                  </a:lnTo>
+                  <a:close/>
+                </a:path>
+              </a:pathLst>
+            </a:custGeom>
+            <a:solidFill>
+              <a:schemeClr val="accent1">
+                <a:alpha val="36000"/>
+              </a:schemeClr>
+            </a:solidFill>
+            <a:ln>
+              <a:noFill/>
+            </a:ln>
+            <a:effectLst/>
+          </p:spPr>
+          <p:style>
+            <a:lnRef idx="1">
+              <a:schemeClr val="accent1"/>
+            </a:lnRef>
+            <a:fillRef idx="3">
+              <a:schemeClr val="accent1"/>
+            </a:fillRef>
+            <a:effectRef idx="2">
+              <a:schemeClr val="accent1"/>
+            </a:effectRef>
+            <a:fontRef idx="minor">
+              <a:schemeClr val="lt1"/>
+            </a:fontRef>
+          </p:style>
+        </p:sp>
+        <p:sp>
+          <p:nvSpPr>
+            <p:cNvPr id="21" name="Rectangle 25">
+              <a:extLst>
+                <a:ext uri="{FF2B5EF4-FFF2-40B4-BE49-F238E27FC236}">
+                  <a16:creationId xmlns:a16="http://schemas.microsoft.com/office/drawing/2014/main" id="{66612D03-B350-4569-BA9B-D1E1F914A547}"/>
+                </a:ext>
+                <a:ext uri="{C183D7F6-B498-43B3-948B-1728B52AA6E4}">
+                  <adec:decorative xmlns:adec="http://schemas.microsoft.com/office/drawing/2017/decorative" val="1"/>
+                </a:ext>
+              </a:extLst>
+            </p:cNvPr>
+            <p:cNvSpPr/>
+            <p:nvPr>
+              <p:extLst>
+                <p:ext uri="{386F3935-93C4-4BCD-93E2-E3B085C9AB24}">
+                  <p16:designElem xmlns:p16="http://schemas.microsoft.com/office/powerpoint/2015/main" val="1"/>
+                </p:ext>
+              </p:extLst>
+            </p:nvPr>
+          </p:nvSpPr>
+          <p:spPr>
+            <a:xfrm>
+              <a:off x="9603442" y="-8467"/>
+              <a:ext cx="2588558" cy="6866467"/>
+            </a:xfrm>
+            <a:custGeom>
+              <a:avLst/>
+              <a:gdLst/>
+              <a:ahLst/>
+              <a:cxnLst/>
+              <a:rect l="l" t="t" r="r" b="b"/>
+              <a:pathLst>
+                <a:path w="2573311" h="6866467">
+                  <a:moveTo>
+                    <a:pt x="0" y="0"/>
+                  </a:moveTo>
+                  <a:lnTo>
+                    <a:pt x="2573311" y="0"/>
+                  </a:lnTo>
+                  <a:lnTo>
+                    <a:pt x="2573311" y="6866467"/>
+                  </a:lnTo>
+                  <a:lnTo>
+                    <a:pt x="1202336" y="6866467"/>
+                  </a:lnTo>
+                  <a:lnTo>
+                    <a:pt x="0" y="0"/>
+                  </a:lnTo>
+                  <a:close/>
+                </a:path>
+              </a:pathLst>
+            </a:custGeom>
+            <a:solidFill>
+              <a:schemeClr val="accent1">
+                <a:alpha val="20000"/>
+              </a:schemeClr>
+            </a:solidFill>
+            <a:ln>
+              <a:noFill/>
+            </a:ln>
+            <a:effectLst/>
+          </p:spPr>
+          <p:style>
+            <a:lnRef idx="1">
+              <a:schemeClr val="accent1"/>
+            </a:lnRef>
+            <a:fillRef idx="3">
+              <a:schemeClr val="accent1"/>
+            </a:fillRef>
+            <a:effectRef idx="2">
+              <a:schemeClr val="accent1"/>
+            </a:effectRef>
+            <a:fontRef idx="minor">
+              <a:schemeClr val="lt1"/>
+            </a:fontRef>
+          </p:style>
+        </p:sp>
+        <p:sp>
+          <p:nvSpPr>
+            <p:cNvPr id="22" name="Isosceles Triangle 21">
+              <a:extLst>
+                <a:ext uri="{FF2B5EF4-FFF2-40B4-BE49-F238E27FC236}">
+                  <a16:creationId xmlns:a16="http://schemas.microsoft.com/office/drawing/2014/main" id="{C382562E-51EA-49FC-9CA9-9E3E9FCFAE67}"/>
+                </a:ext>
+                <a:ext uri="{C183D7F6-B498-43B3-948B-1728B52AA6E4}">
+                  <adec:decorative xmlns:adec="http://schemas.microsoft.com/office/drawing/2017/decorative" val="1"/>
+                </a:ext>
+              </a:extLst>
+            </p:cNvPr>
+            <p:cNvSpPr/>
+            <p:nvPr>
+              <p:extLst>
+                <p:ext uri="{386F3935-93C4-4BCD-93E2-E3B085C9AB24}">
+                  <p16:designElem xmlns:p16="http://schemas.microsoft.com/office/powerpoint/2015/main" val="1"/>
+                </p:ext>
+              </p:extLst>
+            </p:nvPr>
+          </p:nvSpPr>
+          <p:spPr>
+            <a:xfrm>
+              <a:off x="8932333" y="3048000"/>
+              <a:ext cx="3259667" cy="3810000"/>
+            </a:xfrm>
+            <a:prstGeom prst="triangle">
+              <a:avLst>
+                <a:gd name="adj" fmla="val 100000"/>
+              </a:avLst>
+            </a:prstGeom>
+            <a:solidFill>
+              <a:schemeClr val="accent1">
+                <a:lumMod val="75000"/>
+                <a:alpha val="66000"/>
+              </a:schemeClr>
+            </a:solidFill>
+            <a:ln>
+              <a:noFill/>
+            </a:ln>
+            <a:effectLst/>
+          </p:spPr>
+          <p:style>
+            <a:lnRef idx="1">
+              <a:schemeClr val="accent1"/>
+            </a:lnRef>
+            <a:fillRef idx="3">
+              <a:schemeClr val="accent1"/>
+            </a:fillRef>
+            <a:effectRef idx="2">
+              <a:schemeClr val="accent1"/>
+            </a:effectRef>
+            <a:fontRef idx="minor">
+              <a:schemeClr val="lt1"/>
+            </a:fontRef>
+          </p:style>
+        </p:sp>
+        <p:sp>
+          <p:nvSpPr>
+            <p:cNvPr id="23" name="Rectangle 27">
+              <a:extLst>
+                <a:ext uri="{FF2B5EF4-FFF2-40B4-BE49-F238E27FC236}">
+                  <a16:creationId xmlns:a16="http://schemas.microsoft.com/office/drawing/2014/main" id="{F202B3CB-9607-4519-9EB5-286A461D8DBF}"/>
+                </a:ext>
+                <a:ext uri="{C183D7F6-B498-43B3-948B-1728B52AA6E4}">
+                  <adec:decorative xmlns:adec="http://schemas.microsoft.com/office/drawing/2017/decorative" val="1"/>
+                </a:ext>
+              </a:extLst>
+            </p:cNvPr>
+            <p:cNvSpPr/>
+            <p:nvPr>
+              <p:extLst>
+                <p:ext uri="{386F3935-93C4-4BCD-93E2-E3B085C9AB24}">
+                  <p16:designElem xmlns:p16="http://schemas.microsoft.com/office/powerpoint/2015/main" val="1"/>
+                </p:ext>
+              </p:extLst>
+            </p:nvPr>
+          </p:nvSpPr>
+          <p:spPr>
+            <a:xfrm>
+              <a:off x="9334500" y="-8467"/>
+              <a:ext cx="2854326" cy="6866467"/>
+            </a:xfrm>
+            <a:custGeom>
+              <a:avLst/>
+              <a:gdLst/>
+              <a:ahLst/>
+              <a:cxnLst/>
+              <a:rect l="l" t="t" r="r" b="b"/>
+              <a:pathLst>
+                <a:path w="2858013" h="6866467">
+                  <a:moveTo>
+                    <a:pt x="0" y="0"/>
+                  </a:moveTo>
+                  <a:lnTo>
+                    <a:pt x="2858013" y="0"/>
+                  </a:lnTo>
+                  <a:lnTo>
+                    <a:pt x="2858013" y="6866467"/>
+                  </a:lnTo>
+                  <a:lnTo>
+                    <a:pt x="2473942" y="6866467"/>
+                  </a:lnTo>
+                  <a:lnTo>
+                    <a:pt x="0" y="0"/>
+                  </a:lnTo>
+                  <a:close/>
+                </a:path>
+              </a:pathLst>
+            </a:custGeom>
+            <a:solidFill>
+              <a:schemeClr val="accent1">
+                <a:lumMod val="75000"/>
+                <a:alpha val="50000"/>
+              </a:schemeClr>
+            </a:solidFill>
+            <a:ln>
+              <a:noFill/>
+            </a:ln>
+            <a:effectLst/>
+          </p:spPr>
+          <p:style>
+            <a:lnRef idx="1">
+              <a:schemeClr val="accent1"/>
+            </a:lnRef>
+            <a:fillRef idx="3">
+              <a:schemeClr val="accent1"/>
+            </a:fillRef>
+            <a:effectRef idx="2">
+              <a:schemeClr val="accent1"/>
+            </a:effectRef>
+            <a:fontRef idx="minor">
+              <a:schemeClr val="lt1"/>
+            </a:fontRef>
+          </p:style>
+        </p:sp>
+        <p:sp>
+          <p:nvSpPr>
+            <p:cNvPr id="24" name="Rectangle 28">
+              <a:extLst>
+                <a:ext uri="{FF2B5EF4-FFF2-40B4-BE49-F238E27FC236}">
+                  <a16:creationId xmlns:a16="http://schemas.microsoft.com/office/drawing/2014/main" id="{8635CEA0-18EC-41D7-BFAE-B45A7669CD35}"/>
+                </a:ext>
+                <a:ext uri="{C183D7F6-B498-43B3-948B-1728B52AA6E4}">
+                  <adec:decorative xmlns:adec="http://schemas.microsoft.com/office/drawing/2017/decorative" val="1"/>
+                </a:ext>
+              </a:extLst>
+            </p:cNvPr>
+            <p:cNvSpPr/>
+            <p:nvPr>
+              <p:extLst>
+                <p:ext uri="{386F3935-93C4-4BCD-93E2-E3B085C9AB24}">
+                  <p16:designElem xmlns:p16="http://schemas.microsoft.com/office/powerpoint/2015/main" val="1"/>
+                </p:ext>
+              </p:extLst>
+            </p:nvPr>
+          </p:nvSpPr>
+          <p:spPr>
+            <a:xfrm>
+              <a:off x="10898730" y="-8467"/>
+              <a:ext cx="1290094" cy="6866467"/>
+            </a:xfrm>
+            <a:custGeom>
+              <a:avLst/>
+              <a:gdLst/>
+              <a:ahLst/>
+              <a:cxnLst/>
+              <a:rect l="l" t="t" r="r" b="b"/>
+              <a:pathLst>
+                <a:path w="1290094" h="6858000">
+                  <a:moveTo>
+                    <a:pt x="1019735" y="0"/>
+                  </a:moveTo>
+                  <a:lnTo>
+                    <a:pt x="1290094" y="0"/>
+                  </a:lnTo>
+                  <a:lnTo>
+                    <a:pt x="1290094" y="6858000"/>
+                  </a:lnTo>
+                  <a:lnTo>
+                    <a:pt x="0" y="6858000"/>
+                  </a:lnTo>
+                  <a:lnTo>
+                    <a:pt x="1019735" y="0"/>
+                  </a:lnTo>
+                  <a:close/>
+                </a:path>
+              </a:pathLst>
+            </a:custGeom>
+            <a:solidFill>
+              <a:schemeClr val="accent2">
+                <a:alpha val="70000"/>
+              </a:schemeClr>
+            </a:solidFill>
+            <a:ln>
+              <a:noFill/>
+            </a:ln>
+            <a:effectLst/>
+          </p:spPr>
+          <p:style>
+            <a:lnRef idx="1">
+              <a:schemeClr val="accent1"/>
+            </a:lnRef>
+            <a:fillRef idx="3">
+              <a:schemeClr val="accent1"/>
+            </a:fillRef>
+            <a:effectRef idx="2">
+              <a:schemeClr val="accent1"/>
+            </a:effectRef>
+            <a:fontRef idx="minor">
+              <a:schemeClr val="lt1"/>
+            </a:fontRef>
+          </p:style>
+        </p:sp>
+        <p:sp>
+          <p:nvSpPr>
+            <p:cNvPr id="25" name="Rectangle 29">
+              <a:extLst>
+                <a:ext uri="{FF2B5EF4-FFF2-40B4-BE49-F238E27FC236}">
+                  <a16:creationId xmlns:a16="http://schemas.microsoft.com/office/drawing/2014/main" id="{FC79C36B-0CF0-4AA7-A3BF-42D6B93173D1}"/>
+                </a:ext>
+                <a:ext uri="{C183D7F6-B498-43B3-948B-1728B52AA6E4}">
+                  <adec:decorative xmlns:adec="http://schemas.microsoft.com/office/drawing/2017/decorative" val="1"/>
+                </a:ext>
+              </a:extLst>
+            </p:cNvPr>
+            <p:cNvSpPr/>
+            <p:nvPr>
+              <p:extLst>
+                <p:ext uri="{386F3935-93C4-4BCD-93E2-E3B085C9AB24}">
+                  <p16:designElem xmlns:p16="http://schemas.microsoft.com/office/powerpoint/2015/main" val="1"/>
+                </p:ext>
+              </p:extLst>
+            </p:nvPr>
+          </p:nvSpPr>
+          <p:spPr>
+            <a:xfrm>
+              <a:off x="10938999" y="-8467"/>
+              <a:ext cx="1249825" cy="6866467"/>
+            </a:xfrm>
+            <a:custGeom>
+              <a:avLst/>
+              <a:gdLst/>
+              <a:ahLst/>
+              <a:cxnLst/>
+              <a:rect l="l" t="t" r="r" b="b"/>
+              <a:pathLst>
+                <a:path w="1249825" h="6858000">
+                  <a:moveTo>
+                    <a:pt x="0" y="0"/>
+                  </a:moveTo>
+                  <a:lnTo>
+                    <a:pt x="1249825" y="0"/>
+                  </a:lnTo>
+                  <a:lnTo>
+                    <a:pt x="1249825" y="6858000"/>
+                  </a:lnTo>
+                  <a:lnTo>
+                    <a:pt x="1109382" y="6858000"/>
+                  </a:lnTo>
+                  <a:lnTo>
+                    <a:pt x="0" y="0"/>
+                  </a:lnTo>
+                  <a:close/>
+                </a:path>
+              </a:pathLst>
+            </a:custGeom>
+            <a:solidFill>
+              <a:schemeClr val="accent2">
+                <a:lumMod val="75000"/>
+                <a:alpha val="80000"/>
+              </a:schemeClr>
+            </a:solidFill>
+            <a:ln>
+              <a:noFill/>
+            </a:ln>
+            <a:effectLst/>
+          </p:spPr>
+          <p:style>
+            <a:lnRef idx="1">
+              <a:schemeClr val="accent1"/>
+            </a:lnRef>
+            <a:fillRef idx="3">
+              <a:schemeClr val="accent1"/>
+            </a:fillRef>
+            <a:effectRef idx="2">
+              <a:schemeClr val="accent1"/>
+            </a:effectRef>
+            <a:fontRef idx="minor">
+              <a:schemeClr val="lt1"/>
+            </a:fontRef>
+          </p:style>
+        </p:sp>
+        <p:sp>
+          <p:nvSpPr>
+            <p:cNvPr id="26" name="Isosceles Triangle 25">
+              <a:extLst>
+                <a:ext uri="{FF2B5EF4-FFF2-40B4-BE49-F238E27FC236}">
+                  <a16:creationId xmlns:a16="http://schemas.microsoft.com/office/drawing/2014/main" id="{1D6C24F4-F8D2-44C2-8CFA-D14C5561D7DB}"/>
+                </a:ext>
+                <a:ext uri="{C183D7F6-B498-43B3-948B-1728B52AA6E4}">
+                  <adec:decorative xmlns:adec="http://schemas.microsoft.com/office/drawing/2017/decorative" val="1"/>
+                </a:ext>
+              </a:extLst>
+            </p:cNvPr>
+            <p:cNvSpPr/>
+            <p:nvPr>
+              <p:extLst>
+                <p:ext uri="{386F3935-93C4-4BCD-93E2-E3B085C9AB24}">
+                  <p16:designElem xmlns:p16="http://schemas.microsoft.com/office/powerpoint/2015/main" val="1"/>
+                </p:ext>
+              </p:extLst>
+            </p:nvPr>
+          </p:nvSpPr>
+          <p:spPr>
+            <a:xfrm>
+              <a:off x="10371666" y="3589867"/>
+              <a:ext cx="1817159" cy="3268133"/>
+            </a:xfrm>
+            <a:prstGeom prst="triangle">
+              <a:avLst>
+                <a:gd name="adj" fmla="val 100000"/>
+              </a:avLst>
+            </a:prstGeom>
+            <a:solidFill>
+              <a:schemeClr val="accent1">
+                <a:lumMod val="75000"/>
+                <a:alpha val="66000"/>
+              </a:schemeClr>
+            </a:solidFill>
+            <a:ln>
+              <a:noFill/>
+            </a:ln>
+            <a:effectLst/>
+          </p:spPr>
+          <p:style>
+            <a:lnRef idx="1">
+              <a:schemeClr val="accent1"/>
+            </a:lnRef>
+            <a:fillRef idx="3">
+              <a:schemeClr val="accent1"/>
+            </a:fillRef>
+            <a:effectRef idx="2">
+              <a:schemeClr val="accent1"/>
+            </a:effectRef>
+            <a:fontRef idx="minor">
+              <a:schemeClr val="lt1"/>
+            </a:fontRef>
+          </p:style>
+        </p:sp>
+      </p:grpSp>
       <p:sp>
         <p:nvSpPr>
-          <p:cNvPr id="2" name="Título 1"/>
+          <p:cNvPr id="7" name="Título 6">
+            <a:extLst>
+              <a:ext uri="{FF2B5EF4-FFF2-40B4-BE49-F238E27FC236}">
+                <a16:creationId xmlns:a16="http://schemas.microsoft.com/office/drawing/2014/main" id="{18311A63-9FE6-4A3B-AB69-CC016A5FA3BA}"/>
+              </a:ext>
+            </a:extLst>
+          </p:cNvPr>
           <p:cNvSpPr>
             <a:spLocks noGrp="1"/>
           </p:cNvSpPr>
@@ -6140,55 +6992,226 @@
         </p:nvSpPr>
         <p:spPr>
           <a:xfrm>
-            <a:off x="241906" y="182879"/>
-            <a:ext cx="8596668" cy="1320800"/>
+            <a:off x="609601" y="4385066"/>
+            <a:ext cx="10923638" cy="1317643"/>
           </a:xfrm>
         </p:spPr>
         <p:txBody>
-          <a:bodyPr>
-            <a:normAutofit fontScale="90000"/>
+          <a:bodyPr vert="horz" lIns="91440" tIns="45720" rIns="91440" bIns="45720" rtlCol="0" anchor="b">
+            <a:normAutofit/>
           </a:bodyPr>
           <a:lstStyle/>
           <a:p>
-            <a:pPr algn="r"/>
-            <a:r>
-              <a:rPr lang="es-ES" sz="6700" u="sng" dirty="0" smtClean="0"/>
-              <a:t>Distancias</a:t>
-            </a:r>
-            <a:r>
-              <a:rPr lang="es-ES" u="sng" dirty="0"/>
-              <a:t/>
-            </a:r>
-            <a:br>
-              <a:rPr lang="es-ES" u="sng" dirty="0"/>
-            </a:br>
-            <a:endParaRPr lang="en-US" b="1" u="sng" dirty="0"/>
+            <a:r>
+              <a:rPr lang="en-US" sz="5400" dirty="0" err="1"/>
+              <a:t>Aglomeraciones</a:t>
+            </a:r>
+            <a:r>
+              <a:rPr lang="en-US" sz="5400" dirty="0"/>
+              <a:t> </a:t>
+            </a:r>
+            <a:r>
+              <a:rPr lang="en-US" sz="5400" dirty="0" err="1"/>
+              <a:t>en</a:t>
+            </a:r>
+            <a:r>
+              <a:rPr lang="en-US" sz="5400" dirty="0"/>
+              <a:t> </a:t>
+            </a:r>
+            <a:r>
+              <a:rPr lang="en-US" sz="5400" dirty="0" err="1"/>
+              <a:t>casos</a:t>
+            </a:r>
+            <a:r>
+              <a:rPr lang="en-US" sz="5400" dirty="0"/>
+              <a:t> </a:t>
+            </a:r>
+            <a:r>
+              <a:rPr lang="en-US" sz="5400" dirty="0" err="1"/>
+              <a:t>totales</a:t>
+            </a:r>
+            <a:endParaRPr lang="en-US" sz="5400" dirty="0"/>
           </a:p>
         </p:txBody>
       </p:sp>
+      <p:sp>
+        <p:nvSpPr>
+          <p:cNvPr id="28" name="Rectangle 27">
+            <a:extLst>
+              <a:ext uri="{FF2B5EF4-FFF2-40B4-BE49-F238E27FC236}">
+                <a16:creationId xmlns:a16="http://schemas.microsoft.com/office/drawing/2014/main" id="{4F71A406-3CB7-4E4D-B434-24E6AA4F3997}"/>
+              </a:ext>
+              <a:ext uri="{C183D7F6-B498-43B3-948B-1728B52AA6E4}">
+                <adec:decorative xmlns:adec="http://schemas.microsoft.com/office/drawing/2017/decorative" val="1"/>
+              </a:ext>
+            </a:extLst>
+          </p:cNvPr>
+          <p:cNvSpPr>
+            <a:spLocks noGrp="1" noRot="1" noChangeAspect="1" noMove="1" noResize="1" noEditPoints="1" noAdjustHandles="1" noChangeArrowheads="1" noChangeShapeType="1" noTextEdit="1"/>
+          </p:cNvSpPr>
+          <p:nvPr>
+            <p:extLst>
+              <p:ext uri="{386F3935-93C4-4BCD-93E2-E3B085C9AB24}">
+                <p16:designElem xmlns:p16="http://schemas.microsoft.com/office/powerpoint/2015/main" val="1"/>
+              </p:ext>
+            </p:extLst>
+          </p:nvPr>
+        </p:nvSpPr>
+        <p:spPr>
+          <a:xfrm>
+            <a:off x="0" y="0"/>
+            <a:ext cx="12192000" cy="4177238"/>
+          </a:xfrm>
+          <a:prstGeom prst="rect">
+            <a:avLst/>
+          </a:prstGeom>
+          <a:solidFill>
+            <a:srgbClr val="FFFFFF"/>
+          </a:solidFill>
+          <a:ln>
+            <a:noFill/>
+          </a:ln>
+        </p:spPr>
+        <p:style>
+          <a:lnRef idx="2">
+            <a:schemeClr val="accent1">
+              <a:shade val="50000"/>
+            </a:schemeClr>
+          </a:lnRef>
+          <a:fillRef idx="1">
+            <a:schemeClr val="accent1"/>
+          </a:fillRef>
+          <a:effectRef idx="0">
+            <a:schemeClr val="accent1"/>
+          </a:effectRef>
+          <a:fontRef idx="minor">
+            <a:schemeClr val="lt1"/>
+          </a:fontRef>
+        </p:style>
+        <p:txBody>
+          <a:bodyPr rtlCol="0" anchor="ctr"/>
+          <a:lstStyle/>
+          <a:p>
+            <a:pPr marL="0" marR="0" lvl="0" indent="0" algn="ctr" defTabSz="914400" rtl="0" eaLnBrk="1" fontAlgn="auto" latinLnBrk="0" hangingPunct="1">
+              <a:lnSpc>
+                <a:spcPct val="100000"/>
+              </a:lnSpc>
+              <a:spcBef>
+                <a:spcPts val="0"/>
+              </a:spcBef>
+              <a:spcAft>
+                <a:spcPts val="0"/>
+              </a:spcAft>
+              <a:buClrTx/>
+              <a:buSzTx/>
+              <a:buFontTx/>
+              <a:buNone/>
+              <a:tabLst/>
+              <a:defRPr/>
+            </a:pPr>
+            <a:endParaRPr kumimoji="0" lang="en-US" sz="1800" b="0" i="0" u="none" strike="noStrike" kern="1200" cap="none" spc="0" normalizeH="0" baseline="0" noProof="0">
+              <a:ln>
+                <a:noFill/>
+              </a:ln>
+              <a:solidFill>
+                <a:prstClr val="white"/>
+              </a:solidFill>
+              <a:effectLst/>
+              <a:uLnTx/>
+              <a:uFillTx/>
+              <a:latin typeface="Trebuchet MS" panose="020B0603020202020204"/>
+              <a:ea typeface="+mn-ea"/>
+              <a:cs typeface="+mn-cs"/>
+            </a:endParaRPr>
+          </a:p>
+        </p:txBody>
+      </p:sp>
+      <p:pic>
+        <p:nvPicPr>
+          <p:cNvPr id="11" name="Marcador de contenido 10">
+            <a:extLst>
+              <a:ext uri="{FF2B5EF4-FFF2-40B4-BE49-F238E27FC236}">
+                <a16:creationId xmlns:a16="http://schemas.microsoft.com/office/drawing/2014/main" id="{8E5746AE-FF5E-4CE7-9184-16316FE11A4B}"/>
+              </a:ext>
+            </a:extLst>
+          </p:cNvPr>
+          <p:cNvPicPr>
+            <a:picLocks noGrp="1" noChangeAspect="1"/>
+          </p:cNvPicPr>
+          <p:nvPr>
+            <p:ph sz="half" idx="2"/>
+          </p:nvPr>
+        </p:nvPicPr>
+        <p:blipFill rotWithShape="1">
+          <a:blip r:embed="rId2"/>
+          <a:srcRect l="3194" r="5546" b="-5"/>
+          <a:stretch/>
+        </p:blipFill>
+        <p:spPr>
+          <a:xfrm>
+            <a:off x="20" y="3"/>
+            <a:ext cx="6050260" cy="4091667"/>
+          </a:xfrm>
+          <a:prstGeom prst="rect">
+            <a:avLst/>
+          </a:prstGeom>
+        </p:spPr>
+      </p:pic>
+      <p:pic>
+        <p:nvPicPr>
+          <p:cNvPr id="10" name="Marcador de contenido 9">
+            <a:extLst>
+              <a:ext uri="{FF2B5EF4-FFF2-40B4-BE49-F238E27FC236}">
+                <a16:creationId xmlns:a16="http://schemas.microsoft.com/office/drawing/2014/main" id="{D02F2292-C2D3-4133-BB12-EEC8FE6DB559}"/>
+              </a:ext>
+            </a:extLst>
+          </p:cNvPr>
+          <p:cNvPicPr>
+            <a:picLocks noGrp="1" noChangeAspect="1"/>
+          </p:cNvPicPr>
+          <p:nvPr>
+            <p:ph sz="half" idx="1"/>
+          </p:nvPr>
+        </p:nvPicPr>
+        <p:blipFill rotWithShape="1">
+          <a:blip r:embed="rId3"/>
+          <a:srcRect l="8759"/>
+          <a:stretch/>
+        </p:blipFill>
+        <p:spPr>
+          <a:xfrm>
+            <a:off x="6141719" y="-683"/>
+            <a:ext cx="6050280" cy="4092348"/>
+          </a:xfrm>
+          <a:prstGeom prst="rect">
+            <a:avLst/>
+          </a:prstGeom>
+        </p:spPr>
+      </p:pic>
     </p:spTree>
     <p:extLst>
       <p:ext uri="{BB962C8B-B14F-4D97-AF65-F5344CB8AC3E}">
-        <p14:creationId xmlns:p14="http://schemas.microsoft.com/office/powerpoint/2010/main" val="807841007"/>
+        <p14:creationId xmlns:p14="http://schemas.microsoft.com/office/powerpoint/2010/main" val="1261178813"/>
       </p:ext>
     </p:extLst>
   </p:cSld>
   <p:clrMapOvr>
-    <a:masterClrMapping/>
+    <a:overrideClrMapping bg1="dk1" tx1="lt1" bg2="dk2" tx2="lt2" accent1="accent1" accent2="accent2" accent3="accent3" accent4="accent4" accent5="accent5" accent6="accent6" hlink="hlink" folHlink="folHlink"/>
   </p:clrMapOvr>
-  <p:timing>
-    <p:tnLst>
-      <p:par>
-        <p:cTn id="1" dur="indefinite" restart="never" nodeType="tmRoot"/>
-      </p:par>
-    </p:tnLst>
-  </p:timing>
 </p:sld>
 </file>
 
 <file path=ppt/slides/slide12.xml><?xml version="1.0" encoding="utf-8"?>
 <p:sld xmlns:a="http://schemas.openxmlformats.org/drawingml/2006/main" xmlns:r="http://schemas.openxmlformats.org/officeDocument/2006/relationships" xmlns:p="http://schemas.openxmlformats.org/presentationml/2006/main">
   <p:cSld>
+    <p:bg>
+      <p:bgPr>
+        <a:solidFill>
+          <a:schemeClr val="bg2"/>
+        </a:solidFill>
+        <a:effectLst/>
+      </p:bgPr>
+    </p:bg>
     <p:spTree>
       <p:nvGrpSpPr>
         <p:cNvPr id="1" name=""/>
@@ -6203,9 +7226,735 @@
           <a:chExt cx="0" cy="0"/>
         </a:xfrm>
       </p:grpSpPr>
+      <p:grpSp>
+        <p:nvGrpSpPr>
+          <p:cNvPr id="11" name="Group 10">
+            <a:extLst>
+              <a:ext uri="{FF2B5EF4-FFF2-40B4-BE49-F238E27FC236}">
+                <a16:creationId xmlns:a16="http://schemas.microsoft.com/office/drawing/2014/main" id="{3DFBBA17-68C1-41F9-89F3-78F3F2DB97BC}"/>
+              </a:ext>
+              <a:ext uri="{C183D7F6-B498-43B3-948B-1728B52AA6E4}">
+                <adec:decorative xmlns:adec="http://schemas.microsoft.com/office/drawing/2017/decorative" val="1"/>
+              </a:ext>
+            </a:extLst>
+          </p:cNvPr>
+          <p:cNvGrpSpPr>
+            <a:grpSpLocks noGrp="1" noUngrp="1" noRot="1" noChangeAspect="1" noMove="1" noResize="1"/>
+          </p:cNvGrpSpPr>
+          <p:nvPr>
+            <p:extLst>
+              <p:ext uri="{386F3935-93C4-4BCD-93E2-E3B085C9AB24}">
+                <p16:designElem xmlns:p16="http://schemas.microsoft.com/office/powerpoint/2015/main" val="1"/>
+              </p:ext>
+            </p:extLst>
+          </p:nvPr>
+        </p:nvGrpSpPr>
+        <p:grpSpPr>
+          <a:xfrm>
+            <a:off x="0" y="-8467"/>
+            <a:ext cx="12192000" cy="6866467"/>
+            <a:chOff x="0" y="-8467"/>
+            <a:chExt cx="12192000" cy="6866467"/>
+          </a:xfrm>
+        </p:grpSpPr>
+        <p:sp>
+          <p:nvSpPr>
+            <p:cNvPr id="12" name="Freeform 14">
+              <a:extLst>
+                <a:ext uri="{FF2B5EF4-FFF2-40B4-BE49-F238E27FC236}">
+                  <a16:creationId xmlns:a16="http://schemas.microsoft.com/office/drawing/2014/main" id="{3054DDBF-C387-4540-A45A-F9BEB040C28F}"/>
+                </a:ext>
+                <a:ext uri="{C183D7F6-B498-43B3-948B-1728B52AA6E4}">
+                  <adec:decorative xmlns:adec="http://schemas.microsoft.com/office/drawing/2017/decorative" val="1"/>
+                </a:ext>
+              </a:extLst>
+            </p:cNvPr>
+            <p:cNvSpPr/>
+            <p:nvPr>
+              <p:extLst>
+                <p:ext uri="{386F3935-93C4-4BCD-93E2-E3B085C9AB24}">
+                  <p16:designElem xmlns:p16="http://schemas.microsoft.com/office/powerpoint/2015/main" val="1"/>
+                </p:ext>
+              </p:extLst>
+            </p:nvPr>
+          </p:nvSpPr>
+          <p:spPr>
+            <a:xfrm>
+              <a:off x="0" y="-7862"/>
+              <a:ext cx="863600" cy="5698067"/>
+            </a:xfrm>
+            <a:custGeom>
+              <a:avLst/>
+              <a:gdLst/>
+              <a:ahLst/>
+              <a:cxnLst/>
+              <a:rect l="l" t="t" r="r" b="b"/>
+              <a:pathLst>
+                <a:path w="863600" h="5698067">
+                  <a:moveTo>
+                    <a:pt x="0" y="8467"/>
+                  </a:moveTo>
+                  <a:lnTo>
+                    <a:pt x="863600" y="0"/>
+                  </a:lnTo>
+                  <a:lnTo>
+                    <a:pt x="863600" y="16934"/>
+                  </a:lnTo>
+                  <a:lnTo>
+                    <a:pt x="0" y="5698067"/>
+                  </a:lnTo>
+                  <a:lnTo>
+                    <a:pt x="0" y="8467"/>
+                  </a:lnTo>
+                  <a:close/>
+                </a:path>
+              </a:pathLst>
+            </a:custGeom>
+            <a:solidFill>
+              <a:schemeClr val="accent1">
+                <a:alpha val="70000"/>
+              </a:schemeClr>
+            </a:solidFill>
+            <a:ln>
+              <a:noFill/>
+            </a:ln>
+            <a:effectLst/>
+          </p:spPr>
+          <p:style>
+            <a:lnRef idx="1">
+              <a:schemeClr val="accent1"/>
+            </a:lnRef>
+            <a:fillRef idx="3">
+              <a:schemeClr val="accent1"/>
+            </a:fillRef>
+            <a:effectRef idx="2">
+              <a:schemeClr val="accent1"/>
+            </a:effectRef>
+            <a:fontRef idx="minor">
+              <a:schemeClr val="lt1"/>
+            </a:fontRef>
+          </p:style>
+        </p:sp>
+        <p:cxnSp>
+          <p:nvCxnSpPr>
+            <p:cNvPr id="13" name="Straight Connector 12">
+              <a:extLst>
+                <a:ext uri="{FF2B5EF4-FFF2-40B4-BE49-F238E27FC236}">
+                  <a16:creationId xmlns:a16="http://schemas.microsoft.com/office/drawing/2014/main" id="{7BD859CE-CE14-4780-AE18-EAE4B3284BA1}"/>
+                </a:ext>
+                <a:ext uri="{C183D7F6-B498-43B3-948B-1728B52AA6E4}">
+                  <adec:decorative xmlns:adec="http://schemas.microsoft.com/office/drawing/2017/decorative" val="1"/>
+                </a:ext>
+              </a:extLst>
+            </p:cNvPr>
+            <p:cNvCxnSpPr/>
+            <p:nvPr>
+              <p:extLst>
+                <p:ext uri="{386F3935-93C4-4BCD-93E2-E3B085C9AB24}">
+                  <p16:designElem xmlns:p16="http://schemas.microsoft.com/office/powerpoint/2015/main" val="1"/>
+                </p:ext>
+              </p:extLst>
+            </p:nvPr>
+          </p:nvCxnSpPr>
+          <p:spPr>
+            <a:xfrm>
+              <a:off x="9371012" y="0"/>
+              <a:ext cx="1219200" cy="6858000"/>
+            </a:xfrm>
+            <a:prstGeom prst="line">
+              <a:avLst/>
+            </a:prstGeom>
+            <a:ln w="9525">
+              <a:solidFill>
+                <a:schemeClr val="accent1">
+                  <a:alpha val="70000"/>
+                </a:schemeClr>
+              </a:solidFill>
+            </a:ln>
+          </p:spPr>
+          <p:style>
+            <a:lnRef idx="2">
+              <a:schemeClr val="accent1"/>
+            </a:lnRef>
+            <a:fillRef idx="0">
+              <a:schemeClr val="accent1"/>
+            </a:fillRef>
+            <a:effectRef idx="1">
+              <a:schemeClr val="accent1"/>
+            </a:effectRef>
+            <a:fontRef idx="minor">
+              <a:schemeClr val="tx1"/>
+            </a:fontRef>
+          </p:style>
+        </p:cxnSp>
+        <p:cxnSp>
+          <p:nvCxnSpPr>
+            <p:cNvPr id="14" name="Straight Connector 13">
+              <a:extLst>
+                <a:ext uri="{FF2B5EF4-FFF2-40B4-BE49-F238E27FC236}">
+                  <a16:creationId xmlns:a16="http://schemas.microsoft.com/office/drawing/2014/main" id="{F0B8A132-768E-483C-A30F-37EB64E0411F}"/>
+                </a:ext>
+                <a:ext uri="{C183D7F6-B498-43B3-948B-1728B52AA6E4}">
+                  <adec:decorative xmlns:adec="http://schemas.microsoft.com/office/drawing/2017/decorative" val="1"/>
+                </a:ext>
+              </a:extLst>
+            </p:cNvPr>
+            <p:cNvCxnSpPr/>
+            <p:nvPr>
+              <p:extLst>
+                <p:ext uri="{386F3935-93C4-4BCD-93E2-E3B085C9AB24}">
+                  <p16:designElem xmlns:p16="http://schemas.microsoft.com/office/powerpoint/2015/main" val="1"/>
+                </p:ext>
+              </p:extLst>
+            </p:nvPr>
+          </p:nvCxnSpPr>
+          <p:spPr>
+            <a:xfrm flipH="1">
+              <a:off x="7425267" y="3681413"/>
+              <a:ext cx="4763558" cy="3176587"/>
+            </a:xfrm>
+            <a:prstGeom prst="line">
+              <a:avLst/>
+            </a:prstGeom>
+            <a:ln w="9525">
+              <a:solidFill>
+                <a:schemeClr val="accent1">
+                  <a:alpha val="70000"/>
+                </a:schemeClr>
+              </a:solidFill>
+            </a:ln>
+          </p:spPr>
+          <p:style>
+            <a:lnRef idx="2">
+              <a:schemeClr val="accent1"/>
+            </a:lnRef>
+            <a:fillRef idx="0">
+              <a:schemeClr val="accent1"/>
+            </a:fillRef>
+            <a:effectRef idx="1">
+              <a:schemeClr val="accent1"/>
+            </a:effectRef>
+            <a:fontRef idx="minor">
+              <a:schemeClr val="tx1"/>
+            </a:fontRef>
+          </p:style>
+        </p:cxnSp>
+        <p:sp>
+          <p:nvSpPr>
+            <p:cNvPr id="15" name="Rectangle 23">
+              <a:extLst>
+                <a:ext uri="{FF2B5EF4-FFF2-40B4-BE49-F238E27FC236}">
+                  <a16:creationId xmlns:a16="http://schemas.microsoft.com/office/drawing/2014/main" id="{F81F31DC-17B7-43F3-B8DB-CA79E1A1EFE5}"/>
+                </a:ext>
+                <a:ext uri="{C183D7F6-B498-43B3-948B-1728B52AA6E4}">
+                  <adec:decorative xmlns:adec="http://schemas.microsoft.com/office/drawing/2017/decorative" val="1"/>
+                </a:ext>
+              </a:extLst>
+            </p:cNvPr>
+            <p:cNvSpPr/>
+            <p:nvPr>
+              <p:extLst>
+                <p:ext uri="{386F3935-93C4-4BCD-93E2-E3B085C9AB24}">
+                  <p16:designElem xmlns:p16="http://schemas.microsoft.com/office/powerpoint/2015/main" val="1"/>
+                </p:ext>
+              </p:extLst>
+            </p:nvPr>
+          </p:nvSpPr>
+          <p:spPr>
+            <a:xfrm>
+              <a:off x="9181476" y="-8467"/>
+              <a:ext cx="3007349" cy="6866467"/>
+            </a:xfrm>
+            <a:custGeom>
+              <a:avLst/>
+              <a:gdLst/>
+              <a:ahLst/>
+              <a:cxnLst/>
+              <a:rect l="l" t="t" r="r" b="b"/>
+              <a:pathLst>
+                <a:path w="3007349" h="6866467">
+                  <a:moveTo>
+                    <a:pt x="2045532" y="0"/>
+                  </a:moveTo>
+                  <a:lnTo>
+                    <a:pt x="3007349" y="0"/>
+                  </a:lnTo>
+                  <a:lnTo>
+                    <a:pt x="3007349" y="6866467"/>
+                  </a:lnTo>
+                  <a:lnTo>
+                    <a:pt x="0" y="6866467"/>
+                  </a:lnTo>
+                  <a:lnTo>
+                    <a:pt x="2045532" y="0"/>
+                  </a:lnTo>
+                  <a:close/>
+                </a:path>
+              </a:pathLst>
+            </a:custGeom>
+            <a:solidFill>
+              <a:schemeClr val="accent1">
+                <a:alpha val="36000"/>
+              </a:schemeClr>
+            </a:solidFill>
+            <a:ln>
+              <a:noFill/>
+            </a:ln>
+            <a:effectLst/>
+          </p:spPr>
+          <p:style>
+            <a:lnRef idx="1">
+              <a:schemeClr val="accent1"/>
+            </a:lnRef>
+            <a:fillRef idx="3">
+              <a:schemeClr val="accent1"/>
+            </a:fillRef>
+            <a:effectRef idx="2">
+              <a:schemeClr val="accent1"/>
+            </a:effectRef>
+            <a:fontRef idx="minor">
+              <a:schemeClr val="lt1"/>
+            </a:fontRef>
+          </p:style>
+        </p:sp>
+        <p:sp>
+          <p:nvSpPr>
+            <p:cNvPr id="16" name="Rectangle 25">
+              <a:extLst>
+                <a:ext uri="{FF2B5EF4-FFF2-40B4-BE49-F238E27FC236}">
+                  <a16:creationId xmlns:a16="http://schemas.microsoft.com/office/drawing/2014/main" id="{66612D03-B350-4569-BA9B-D1E1F914A547}"/>
+                </a:ext>
+                <a:ext uri="{C183D7F6-B498-43B3-948B-1728B52AA6E4}">
+                  <adec:decorative xmlns:adec="http://schemas.microsoft.com/office/drawing/2017/decorative" val="1"/>
+                </a:ext>
+              </a:extLst>
+            </p:cNvPr>
+            <p:cNvSpPr/>
+            <p:nvPr>
+              <p:extLst>
+                <p:ext uri="{386F3935-93C4-4BCD-93E2-E3B085C9AB24}">
+                  <p16:designElem xmlns:p16="http://schemas.microsoft.com/office/powerpoint/2015/main" val="1"/>
+                </p:ext>
+              </p:extLst>
+            </p:nvPr>
+          </p:nvSpPr>
+          <p:spPr>
+            <a:xfrm>
+              <a:off x="9603442" y="-8467"/>
+              <a:ext cx="2588558" cy="6866467"/>
+            </a:xfrm>
+            <a:custGeom>
+              <a:avLst/>
+              <a:gdLst/>
+              <a:ahLst/>
+              <a:cxnLst/>
+              <a:rect l="l" t="t" r="r" b="b"/>
+              <a:pathLst>
+                <a:path w="2573311" h="6866467">
+                  <a:moveTo>
+                    <a:pt x="0" y="0"/>
+                  </a:moveTo>
+                  <a:lnTo>
+                    <a:pt x="2573311" y="0"/>
+                  </a:lnTo>
+                  <a:lnTo>
+                    <a:pt x="2573311" y="6866467"/>
+                  </a:lnTo>
+                  <a:lnTo>
+                    <a:pt x="1202336" y="6866467"/>
+                  </a:lnTo>
+                  <a:lnTo>
+                    <a:pt x="0" y="0"/>
+                  </a:lnTo>
+                  <a:close/>
+                </a:path>
+              </a:pathLst>
+            </a:custGeom>
+            <a:solidFill>
+              <a:schemeClr val="accent1">
+                <a:alpha val="20000"/>
+              </a:schemeClr>
+            </a:solidFill>
+            <a:ln>
+              <a:noFill/>
+            </a:ln>
+            <a:effectLst/>
+          </p:spPr>
+          <p:style>
+            <a:lnRef idx="1">
+              <a:schemeClr val="accent1"/>
+            </a:lnRef>
+            <a:fillRef idx="3">
+              <a:schemeClr val="accent1"/>
+            </a:fillRef>
+            <a:effectRef idx="2">
+              <a:schemeClr val="accent1"/>
+            </a:effectRef>
+            <a:fontRef idx="minor">
+              <a:schemeClr val="lt1"/>
+            </a:fontRef>
+          </p:style>
+        </p:sp>
+        <p:sp>
+          <p:nvSpPr>
+            <p:cNvPr id="17" name="Isosceles Triangle 16">
+              <a:extLst>
+                <a:ext uri="{FF2B5EF4-FFF2-40B4-BE49-F238E27FC236}">
+                  <a16:creationId xmlns:a16="http://schemas.microsoft.com/office/drawing/2014/main" id="{C382562E-51EA-49FC-9CA9-9E3E9FCFAE67}"/>
+                </a:ext>
+                <a:ext uri="{C183D7F6-B498-43B3-948B-1728B52AA6E4}">
+                  <adec:decorative xmlns:adec="http://schemas.microsoft.com/office/drawing/2017/decorative" val="1"/>
+                </a:ext>
+              </a:extLst>
+            </p:cNvPr>
+            <p:cNvSpPr/>
+            <p:nvPr>
+              <p:extLst>
+                <p:ext uri="{386F3935-93C4-4BCD-93E2-E3B085C9AB24}">
+                  <p16:designElem xmlns:p16="http://schemas.microsoft.com/office/powerpoint/2015/main" val="1"/>
+                </p:ext>
+              </p:extLst>
+            </p:nvPr>
+          </p:nvSpPr>
+          <p:spPr>
+            <a:xfrm>
+              <a:off x="8932333" y="3048000"/>
+              <a:ext cx="3259667" cy="3810000"/>
+            </a:xfrm>
+            <a:prstGeom prst="triangle">
+              <a:avLst>
+                <a:gd name="adj" fmla="val 100000"/>
+              </a:avLst>
+            </a:prstGeom>
+            <a:solidFill>
+              <a:schemeClr val="accent1">
+                <a:lumMod val="75000"/>
+                <a:alpha val="66000"/>
+              </a:schemeClr>
+            </a:solidFill>
+            <a:ln>
+              <a:noFill/>
+            </a:ln>
+            <a:effectLst/>
+          </p:spPr>
+          <p:style>
+            <a:lnRef idx="1">
+              <a:schemeClr val="accent1"/>
+            </a:lnRef>
+            <a:fillRef idx="3">
+              <a:schemeClr val="accent1"/>
+            </a:fillRef>
+            <a:effectRef idx="2">
+              <a:schemeClr val="accent1"/>
+            </a:effectRef>
+            <a:fontRef idx="minor">
+              <a:schemeClr val="lt1"/>
+            </a:fontRef>
+          </p:style>
+        </p:sp>
+        <p:sp>
+          <p:nvSpPr>
+            <p:cNvPr id="18" name="Rectangle 27">
+              <a:extLst>
+                <a:ext uri="{FF2B5EF4-FFF2-40B4-BE49-F238E27FC236}">
+                  <a16:creationId xmlns:a16="http://schemas.microsoft.com/office/drawing/2014/main" id="{F202B3CB-9607-4519-9EB5-286A461D8DBF}"/>
+                </a:ext>
+                <a:ext uri="{C183D7F6-B498-43B3-948B-1728B52AA6E4}">
+                  <adec:decorative xmlns:adec="http://schemas.microsoft.com/office/drawing/2017/decorative" val="1"/>
+                </a:ext>
+              </a:extLst>
+            </p:cNvPr>
+            <p:cNvSpPr/>
+            <p:nvPr>
+              <p:extLst>
+                <p:ext uri="{386F3935-93C4-4BCD-93E2-E3B085C9AB24}">
+                  <p16:designElem xmlns:p16="http://schemas.microsoft.com/office/powerpoint/2015/main" val="1"/>
+                </p:ext>
+              </p:extLst>
+            </p:nvPr>
+          </p:nvSpPr>
+          <p:spPr>
+            <a:xfrm>
+              <a:off x="9334500" y="-8467"/>
+              <a:ext cx="2854326" cy="6866467"/>
+            </a:xfrm>
+            <a:custGeom>
+              <a:avLst/>
+              <a:gdLst/>
+              <a:ahLst/>
+              <a:cxnLst/>
+              <a:rect l="l" t="t" r="r" b="b"/>
+              <a:pathLst>
+                <a:path w="2858013" h="6866467">
+                  <a:moveTo>
+                    <a:pt x="0" y="0"/>
+                  </a:moveTo>
+                  <a:lnTo>
+                    <a:pt x="2858013" y="0"/>
+                  </a:lnTo>
+                  <a:lnTo>
+                    <a:pt x="2858013" y="6866467"/>
+                  </a:lnTo>
+                  <a:lnTo>
+                    <a:pt x="2473942" y="6866467"/>
+                  </a:lnTo>
+                  <a:lnTo>
+                    <a:pt x="0" y="0"/>
+                  </a:lnTo>
+                  <a:close/>
+                </a:path>
+              </a:pathLst>
+            </a:custGeom>
+            <a:solidFill>
+              <a:schemeClr val="accent1">
+                <a:lumMod val="75000"/>
+                <a:alpha val="50000"/>
+              </a:schemeClr>
+            </a:solidFill>
+            <a:ln>
+              <a:noFill/>
+            </a:ln>
+            <a:effectLst/>
+          </p:spPr>
+          <p:style>
+            <a:lnRef idx="1">
+              <a:schemeClr val="accent1"/>
+            </a:lnRef>
+            <a:fillRef idx="3">
+              <a:schemeClr val="accent1"/>
+            </a:fillRef>
+            <a:effectRef idx="2">
+              <a:schemeClr val="accent1"/>
+            </a:effectRef>
+            <a:fontRef idx="minor">
+              <a:schemeClr val="lt1"/>
+            </a:fontRef>
+          </p:style>
+        </p:sp>
+        <p:sp>
+          <p:nvSpPr>
+            <p:cNvPr id="19" name="Rectangle 28">
+              <a:extLst>
+                <a:ext uri="{FF2B5EF4-FFF2-40B4-BE49-F238E27FC236}">
+                  <a16:creationId xmlns:a16="http://schemas.microsoft.com/office/drawing/2014/main" id="{8635CEA0-18EC-41D7-BFAE-B45A7669CD35}"/>
+                </a:ext>
+                <a:ext uri="{C183D7F6-B498-43B3-948B-1728B52AA6E4}">
+                  <adec:decorative xmlns:adec="http://schemas.microsoft.com/office/drawing/2017/decorative" val="1"/>
+                </a:ext>
+              </a:extLst>
+            </p:cNvPr>
+            <p:cNvSpPr/>
+            <p:nvPr>
+              <p:extLst>
+                <p:ext uri="{386F3935-93C4-4BCD-93E2-E3B085C9AB24}">
+                  <p16:designElem xmlns:p16="http://schemas.microsoft.com/office/powerpoint/2015/main" val="1"/>
+                </p:ext>
+              </p:extLst>
+            </p:nvPr>
+          </p:nvSpPr>
+          <p:spPr>
+            <a:xfrm>
+              <a:off x="10898730" y="-8467"/>
+              <a:ext cx="1290094" cy="6866467"/>
+            </a:xfrm>
+            <a:custGeom>
+              <a:avLst/>
+              <a:gdLst/>
+              <a:ahLst/>
+              <a:cxnLst/>
+              <a:rect l="l" t="t" r="r" b="b"/>
+              <a:pathLst>
+                <a:path w="1290094" h="6858000">
+                  <a:moveTo>
+                    <a:pt x="1019735" y="0"/>
+                  </a:moveTo>
+                  <a:lnTo>
+                    <a:pt x="1290094" y="0"/>
+                  </a:lnTo>
+                  <a:lnTo>
+                    <a:pt x="1290094" y="6858000"/>
+                  </a:lnTo>
+                  <a:lnTo>
+                    <a:pt x="0" y="6858000"/>
+                  </a:lnTo>
+                  <a:lnTo>
+                    <a:pt x="1019735" y="0"/>
+                  </a:lnTo>
+                  <a:close/>
+                </a:path>
+              </a:pathLst>
+            </a:custGeom>
+            <a:solidFill>
+              <a:schemeClr val="accent2">
+                <a:alpha val="70000"/>
+              </a:schemeClr>
+            </a:solidFill>
+            <a:ln>
+              <a:noFill/>
+            </a:ln>
+            <a:effectLst/>
+          </p:spPr>
+          <p:style>
+            <a:lnRef idx="1">
+              <a:schemeClr val="accent1"/>
+            </a:lnRef>
+            <a:fillRef idx="3">
+              <a:schemeClr val="accent1"/>
+            </a:fillRef>
+            <a:effectRef idx="2">
+              <a:schemeClr val="accent1"/>
+            </a:effectRef>
+            <a:fontRef idx="minor">
+              <a:schemeClr val="lt1"/>
+            </a:fontRef>
+          </p:style>
+        </p:sp>
+        <p:sp>
+          <p:nvSpPr>
+            <p:cNvPr id="20" name="Rectangle 29">
+              <a:extLst>
+                <a:ext uri="{FF2B5EF4-FFF2-40B4-BE49-F238E27FC236}">
+                  <a16:creationId xmlns:a16="http://schemas.microsoft.com/office/drawing/2014/main" id="{FC79C36B-0CF0-4AA7-A3BF-42D6B93173D1}"/>
+                </a:ext>
+                <a:ext uri="{C183D7F6-B498-43B3-948B-1728B52AA6E4}">
+                  <adec:decorative xmlns:adec="http://schemas.microsoft.com/office/drawing/2017/decorative" val="1"/>
+                </a:ext>
+              </a:extLst>
+            </p:cNvPr>
+            <p:cNvSpPr/>
+            <p:nvPr>
+              <p:extLst>
+                <p:ext uri="{386F3935-93C4-4BCD-93E2-E3B085C9AB24}">
+                  <p16:designElem xmlns:p16="http://schemas.microsoft.com/office/powerpoint/2015/main" val="1"/>
+                </p:ext>
+              </p:extLst>
+            </p:nvPr>
+          </p:nvSpPr>
+          <p:spPr>
+            <a:xfrm>
+              <a:off x="10938999" y="-8467"/>
+              <a:ext cx="1249825" cy="6866467"/>
+            </a:xfrm>
+            <a:custGeom>
+              <a:avLst/>
+              <a:gdLst/>
+              <a:ahLst/>
+              <a:cxnLst/>
+              <a:rect l="l" t="t" r="r" b="b"/>
+              <a:pathLst>
+                <a:path w="1249825" h="6858000">
+                  <a:moveTo>
+                    <a:pt x="0" y="0"/>
+                  </a:moveTo>
+                  <a:lnTo>
+                    <a:pt x="1249825" y="0"/>
+                  </a:lnTo>
+                  <a:lnTo>
+                    <a:pt x="1249825" y="6858000"/>
+                  </a:lnTo>
+                  <a:lnTo>
+                    <a:pt x="1109382" y="6858000"/>
+                  </a:lnTo>
+                  <a:lnTo>
+                    <a:pt x="0" y="0"/>
+                  </a:lnTo>
+                  <a:close/>
+                </a:path>
+              </a:pathLst>
+            </a:custGeom>
+            <a:solidFill>
+              <a:schemeClr val="accent2">
+                <a:lumMod val="75000"/>
+                <a:alpha val="80000"/>
+              </a:schemeClr>
+            </a:solidFill>
+            <a:ln>
+              <a:noFill/>
+            </a:ln>
+            <a:effectLst/>
+          </p:spPr>
+          <p:style>
+            <a:lnRef idx="1">
+              <a:schemeClr val="accent1"/>
+            </a:lnRef>
+            <a:fillRef idx="3">
+              <a:schemeClr val="accent1"/>
+            </a:fillRef>
+            <a:effectRef idx="2">
+              <a:schemeClr val="accent1"/>
+            </a:effectRef>
+            <a:fontRef idx="minor">
+              <a:schemeClr val="lt1"/>
+            </a:fontRef>
+          </p:style>
+        </p:sp>
+        <p:sp>
+          <p:nvSpPr>
+            <p:cNvPr id="21" name="Isosceles Triangle 20">
+              <a:extLst>
+                <a:ext uri="{FF2B5EF4-FFF2-40B4-BE49-F238E27FC236}">
+                  <a16:creationId xmlns:a16="http://schemas.microsoft.com/office/drawing/2014/main" id="{1D6C24F4-F8D2-44C2-8CFA-D14C5561D7DB}"/>
+                </a:ext>
+                <a:ext uri="{C183D7F6-B498-43B3-948B-1728B52AA6E4}">
+                  <adec:decorative xmlns:adec="http://schemas.microsoft.com/office/drawing/2017/decorative" val="1"/>
+                </a:ext>
+              </a:extLst>
+            </p:cNvPr>
+            <p:cNvSpPr/>
+            <p:nvPr>
+              <p:extLst>
+                <p:ext uri="{386F3935-93C4-4BCD-93E2-E3B085C9AB24}">
+                  <p16:designElem xmlns:p16="http://schemas.microsoft.com/office/powerpoint/2015/main" val="1"/>
+                </p:ext>
+              </p:extLst>
+            </p:nvPr>
+          </p:nvSpPr>
+          <p:spPr>
+            <a:xfrm>
+              <a:off x="10371666" y="3589867"/>
+              <a:ext cx="1817159" cy="3268133"/>
+            </a:xfrm>
+            <a:prstGeom prst="triangle">
+              <a:avLst>
+                <a:gd name="adj" fmla="val 100000"/>
+              </a:avLst>
+            </a:prstGeom>
+            <a:solidFill>
+              <a:schemeClr val="accent1">
+                <a:lumMod val="75000"/>
+                <a:alpha val="66000"/>
+              </a:schemeClr>
+            </a:solidFill>
+            <a:ln>
+              <a:noFill/>
+            </a:ln>
+            <a:effectLst/>
+          </p:spPr>
+          <p:style>
+            <a:lnRef idx="1">
+              <a:schemeClr val="accent1"/>
+            </a:lnRef>
+            <a:fillRef idx="3">
+              <a:schemeClr val="accent1"/>
+            </a:fillRef>
+            <a:effectRef idx="2">
+              <a:schemeClr val="accent1"/>
+            </a:effectRef>
+            <a:fontRef idx="minor">
+              <a:schemeClr val="lt1"/>
+            </a:fontRef>
+          </p:style>
+        </p:sp>
+      </p:grpSp>
       <p:sp>
         <p:nvSpPr>
-          <p:cNvPr id="2" name="Título 1"/>
+          <p:cNvPr id="2" name="Título 1">
+            <a:extLst>
+              <a:ext uri="{FF2B5EF4-FFF2-40B4-BE49-F238E27FC236}">
+                <a16:creationId xmlns:a16="http://schemas.microsoft.com/office/drawing/2014/main" id="{1C74DC74-6B7A-4A44-9B5B-2DF04E1EDF66}"/>
+              </a:ext>
+            </a:extLst>
+          </p:cNvPr>
           <p:cNvSpPr>
             <a:spLocks noGrp="1"/>
           </p:cNvSpPr>
@@ -6215,68 +7964,187 @@
         </p:nvSpPr>
         <p:spPr>
           <a:xfrm>
-            <a:off x="598957" y="235131"/>
-            <a:ext cx="8596668" cy="836023"/>
+            <a:off x="609601" y="4385066"/>
+            <a:ext cx="10923638" cy="1317643"/>
           </a:xfrm>
         </p:spPr>
         <p:txBody>
-          <a:bodyPr/>
+          <a:bodyPr vert="horz" lIns="91440" tIns="45720" rIns="91440" bIns="45720" rtlCol="0" anchor="b">
+            <a:normAutofit/>
+          </a:bodyPr>
           <a:lstStyle/>
           <a:p>
             <a:r>
-              <a:rPr lang="es-CR" b="1" u="sng" dirty="0" smtClean="0"/>
-              <a:t>Auto correlación Espacial</a:t>
-            </a:r>
-            <a:endParaRPr lang="en-US" b="1" u="sng" dirty="0"/>
+              <a:rPr lang="en-US" sz="5400"/>
+              <a:t>Aglomeraciones en casos relativos</a:t>
+            </a:r>
           </a:p>
         </p:txBody>
       </p:sp>
       <p:sp>
         <p:nvSpPr>
-          <p:cNvPr id="3" name="Rectángulo 2"/>
-          <p:cNvSpPr/>
-          <p:nvPr/>
+          <p:cNvPr id="23" name="Rectangle 22">
+            <a:extLst>
+              <a:ext uri="{FF2B5EF4-FFF2-40B4-BE49-F238E27FC236}">
+                <a16:creationId xmlns:a16="http://schemas.microsoft.com/office/drawing/2014/main" id="{4F71A406-3CB7-4E4D-B434-24E6AA4F3997}"/>
+              </a:ext>
+              <a:ext uri="{C183D7F6-B498-43B3-948B-1728B52AA6E4}">
+                <adec:decorative xmlns:adec="http://schemas.microsoft.com/office/drawing/2017/decorative" val="1"/>
+              </a:ext>
+            </a:extLst>
+          </p:cNvPr>
+          <p:cNvSpPr>
+            <a:spLocks noGrp="1" noRot="1" noChangeAspect="1" noMove="1" noResize="1" noEditPoints="1" noAdjustHandles="1" noChangeArrowheads="1" noChangeShapeType="1" noTextEdit="1"/>
+          </p:cNvSpPr>
+          <p:nvPr>
+            <p:extLst>
+              <p:ext uri="{386F3935-93C4-4BCD-93E2-E3B085C9AB24}">
+                <p16:designElem xmlns:p16="http://schemas.microsoft.com/office/powerpoint/2015/main" val="1"/>
+              </p:ext>
+            </p:extLst>
+          </p:nvPr>
         </p:nvSpPr>
         <p:spPr>
           <a:xfrm>
-            <a:off x="598957" y="1158240"/>
-            <a:ext cx="1984839" cy="461665"/>
+            <a:off x="0" y="0"/>
+            <a:ext cx="12192000" cy="4177238"/>
+          </a:xfrm>
+          <a:prstGeom prst="rect">
+            <a:avLst/>
+          </a:prstGeom>
+          <a:solidFill>
+            <a:srgbClr val="FFFFFF"/>
+          </a:solidFill>
+          <a:ln>
+            <a:noFill/>
+          </a:ln>
+        </p:spPr>
+        <p:style>
+          <a:lnRef idx="2">
+            <a:schemeClr val="accent1">
+              <a:shade val="50000"/>
+            </a:schemeClr>
+          </a:lnRef>
+          <a:fillRef idx="1">
+            <a:schemeClr val="accent1"/>
+          </a:fillRef>
+          <a:effectRef idx="0">
+            <a:schemeClr val="accent1"/>
+          </a:effectRef>
+          <a:fontRef idx="minor">
+            <a:schemeClr val="lt1"/>
+          </a:fontRef>
+        </p:style>
+        <p:txBody>
+          <a:bodyPr rtlCol="0" anchor="ctr"/>
+          <a:lstStyle/>
+          <a:p>
+            <a:pPr marL="0" marR="0" lvl="0" indent="0" algn="ctr" defTabSz="914400" rtl="0" eaLnBrk="1" fontAlgn="auto" latinLnBrk="0" hangingPunct="1">
+              <a:lnSpc>
+                <a:spcPct val="100000"/>
+              </a:lnSpc>
+              <a:spcBef>
+                <a:spcPts val="0"/>
+              </a:spcBef>
+              <a:spcAft>
+                <a:spcPts val="0"/>
+              </a:spcAft>
+              <a:buClrTx/>
+              <a:buSzTx/>
+              <a:buFontTx/>
+              <a:buNone/>
+              <a:tabLst/>
+              <a:defRPr/>
+            </a:pPr>
+            <a:endParaRPr kumimoji="0" lang="en-US" sz="1800" b="0" i="0" u="none" strike="noStrike" kern="1200" cap="none" spc="0" normalizeH="0" baseline="0" noProof="0">
+              <a:ln>
+                <a:noFill/>
+              </a:ln>
+              <a:solidFill>
+                <a:prstClr val="white"/>
+              </a:solidFill>
+              <a:effectLst/>
+              <a:uLnTx/>
+              <a:uFillTx/>
+              <a:latin typeface="Trebuchet MS" panose="020B0603020202020204"/>
+              <a:ea typeface="+mn-ea"/>
+              <a:cs typeface="+mn-cs"/>
+            </a:endParaRPr>
+          </a:p>
+        </p:txBody>
+      </p:sp>
+      <p:pic>
+        <p:nvPicPr>
+          <p:cNvPr id="6" name="Marcador de contenido 5">
+            <a:extLst>
+              <a:ext uri="{FF2B5EF4-FFF2-40B4-BE49-F238E27FC236}">
+                <a16:creationId xmlns:a16="http://schemas.microsoft.com/office/drawing/2014/main" id="{353321C6-4A94-4726-BD11-84843FF8D1F7}"/>
+              </a:ext>
+            </a:extLst>
+          </p:cNvPr>
+          <p:cNvPicPr>
+            <a:picLocks noGrp="1" noChangeAspect="1"/>
+          </p:cNvPicPr>
+          <p:nvPr>
+            <p:ph sz="half" idx="2"/>
+          </p:nvPr>
+        </p:nvPicPr>
+        <p:blipFill rotWithShape="1">
+          <a:blip r:embed="rId2"/>
+          <a:srcRect l="5680" r="3060" b="-5"/>
+          <a:stretch/>
+        </p:blipFill>
+        <p:spPr>
+          <a:xfrm>
+            <a:off x="20" y="3"/>
+            <a:ext cx="6050260" cy="4091667"/>
           </a:xfrm>
           <a:prstGeom prst="rect">
             <a:avLst/>
           </a:prstGeom>
         </p:spPr>
-        <p:txBody>
-          <a:bodyPr wrap="none">
-            <a:spAutoFit/>
-          </a:bodyPr>
-          <a:lstStyle/>
-          <a:p>
-            <a:r>
-              <a:rPr lang="es-CR" sz="2400" b="1" i="1" dirty="0" smtClean="0"/>
-              <a:t>Test I Moran</a:t>
-            </a:r>
-            <a:endParaRPr lang="en-US" sz="2400" b="1" i="1" dirty="0"/>
-          </a:p>
-        </p:txBody>
-      </p:sp>
+      </p:pic>
+      <p:pic>
+        <p:nvPicPr>
+          <p:cNvPr id="5" name="Marcador de contenido 4">
+            <a:extLst>
+              <a:ext uri="{FF2B5EF4-FFF2-40B4-BE49-F238E27FC236}">
+                <a16:creationId xmlns:a16="http://schemas.microsoft.com/office/drawing/2014/main" id="{C2519F55-EB46-464D-944B-19936255D383}"/>
+              </a:ext>
+            </a:extLst>
+          </p:cNvPr>
+          <p:cNvPicPr>
+            <a:picLocks noGrp="1" noChangeAspect="1"/>
+          </p:cNvPicPr>
+          <p:nvPr>
+            <p:ph sz="half" idx="1"/>
+          </p:nvPr>
+        </p:nvPicPr>
+        <p:blipFill rotWithShape="1">
+          <a:blip r:embed="rId3"/>
+          <a:srcRect l="8759"/>
+          <a:stretch/>
+        </p:blipFill>
+        <p:spPr>
+          <a:xfrm>
+            <a:off x="6141719" y="-683"/>
+            <a:ext cx="6050280" cy="4092348"/>
+          </a:xfrm>
+          <a:prstGeom prst="rect">
+            <a:avLst/>
+          </a:prstGeom>
+        </p:spPr>
+      </p:pic>
     </p:spTree>
     <p:extLst>
       <p:ext uri="{BB962C8B-B14F-4D97-AF65-F5344CB8AC3E}">
-        <p14:creationId xmlns:p14="http://schemas.microsoft.com/office/powerpoint/2010/main" val="2833133957"/>
+        <p14:creationId xmlns:p14="http://schemas.microsoft.com/office/powerpoint/2010/main" val="4287501351"/>
       </p:ext>
     </p:extLst>
   </p:cSld>
   <p:clrMapOvr>
-    <a:masterClrMapping/>
+    <a:overrideClrMapping bg1="dk1" tx1="lt1" bg2="dk2" tx2="lt2" accent1="accent1" accent2="accent2" accent3="accent3" accent4="accent4" accent5="accent5" accent6="accent6" hlink="hlink" folHlink="folHlink"/>
   </p:clrMapOvr>
-  <p:timing>
-    <p:tnLst>
-      <p:par>
-        <p:cTn id="1" dur="indefinite" restart="never" nodeType="tmRoot"/>
-      </p:par>
-    </p:tnLst>
-  </p:timing>
 </p:sld>
 </file>
 
@@ -6307,12 +8175,7 @@
             <p:ph type="title"/>
           </p:nvPr>
         </p:nvSpPr>
-        <p:spPr>
-          <a:xfrm>
-            <a:off x="583473" y="332047"/>
-            <a:ext cx="8596668" cy="1320800"/>
-          </a:xfrm>
-        </p:spPr>
+        <p:spPr/>
         <p:txBody>
           <a:bodyPr>
             <a:normAutofit/>
@@ -6320,10 +8183,46 @@
           <a:lstStyle/>
           <a:p>
             <a:r>
-              <a:rPr lang="es-CR" sz="4800" b="1" u="sng" dirty="0" smtClean="0"/>
+              <a:rPr lang="es-CR" sz="4800" b="1" u="sng" dirty="0"/>
               <a:t>Conclusiones</a:t>
             </a:r>
             <a:endParaRPr lang="en-US" sz="4800" b="1" u="sng" dirty="0"/>
+          </a:p>
+        </p:txBody>
+      </p:sp>
+      <p:sp>
+        <p:nvSpPr>
+          <p:cNvPr id="3" name="Marcador de contenido 2">
+            <a:extLst>
+              <a:ext uri="{FF2B5EF4-FFF2-40B4-BE49-F238E27FC236}">
+                <a16:creationId xmlns:a16="http://schemas.microsoft.com/office/drawing/2014/main" id="{8F7B97EA-68CF-49E6-BFC9-A4F923366F21}"/>
+              </a:ext>
+            </a:extLst>
+          </p:cNvPr>
+          <p:cNvSpPr>
+            <a:spLocks noGrp="1"/>
+          </p:cNvSpPr>
+          <p:nvPr>
+            <p:ph idx="1"/>
+          </p:nvPr>
+        </p:nvSpPr>
+        <p:spPr/>
+        <p:txBody>
+          <a:bodyPr>
+            <a:normAutofit/>
+          </a:bodyPr>
+          <a:lstStyle/>
+          <a:p>
+            <a:r>
+              <a:rPr lang="es-CR" sz="2400" dirty="0"/>
+              <a:t>Las relaciones espaciales entre los cantones son distintas dependiendo de si se usa la cantidad total de intoxicaciones o si se usa la tasa de intoxicaciones por 10 mil habitantes. </a:t>
+            </a:r>
+          </a:p>
+          <a:p>
+            <a:r>
+              <a:rPr lang="es-CR" sz="2400" dirty="0"/>
+              <a:t>Se encontraron conglomerados de cantones según la tasa de intoxicaciones por 10 mil habitantes, pero no hay aglomeraciones cuando se usa la cantidad total de intoxicaciones.</a:t>
+            </a:r>
           </a:p>
         </p:txBody>
       </p:sp>
@@ -6337,17 +8236,106 @@
   <p:clrMapOvr>
     <a:masterClrMapping/>
   </p:clrMapOvr>
-  <p:timing>
-    <p:tnLst>
-      <p:par>
-        <p:cTn id="1" dur="indefinite" restart="never" nodeType="tmRoot"/>
-      </p:par>
-    </p:tnLst>
-  </p:timing>
 </p:sld>
 </file>
 
 <file path=ppt/slides/slide14.xml><?xml version="1.0" encoding="utf-8"?>
+<p:sld xmlns:a="http://schemas.openxmlformats.org/drawingml/2006/main" xmlns:r="http://schemas.openxmlformats.org/officeDocument/2006/relationships" xmlns:p="http://schemas.openxmlformats.org/presentationml/2006/main">
+  <p:cSld>
+    <p:spTree>
+      <p:nvGrpSpPr>
+        <p:cNvPr id="1" name=""/>
+        <p:cNvGrpSpPr/>
+        <p:nvPr/>
+      </p:nvGrpSpPr>
+      <p:grpSpPr>
+        <a:xfrm>
+          <a:off x="0" y="0"/>
+          <a:ext cx="0" cy="0"/>
+          <a:chOff x="0" y="0"/>
+          <a:chExt cx="0" cy="0"/>
+        </a:xfrm>
+      </p:grpSpPr>
+      <p:sp>
+        <p:nvSpPr>
+          <p:cNvPr id="2" name="Título 1">
+            <a:extLst>
+              <a:ext uri="{FF2B5EF4-FFF2-40B4-BE49-F238E27FC236}">
+                <a16:creationId xmlns:a16="http://schemas.microsoft.com/office/drawing/2014/main" id="{459E62FA-DDD9-4A9B-8D12-FBF5222D939F}"/>
+              </a:ext>
+            </a:extLst>
+          </p:cNvPr>
+          <p:cNvSpPr>
+            <a:spLocks noGrp="1"/>
+          </p:cNvSpPr>
+          <p:nvPr>
+            <p:ph type="title"/>
+          </p:nvPr>
+        </p:nvSpPr>
+        <p:spPr/>
+        <p:txBody>
+          <a:bodyPr/>
+          <a:lstStyle/>
+          <a:p>
+            <a:r>
+              <a:rPr lang="es-CR" b="1" u="sng" dirty="0"/>
+              <a:t>Conclusiones</a:t>
+            </a:r>
+            <a:endParaRPr lang="es-CR" dirty="0"/>
+          </a:p>
+        </p:txBody>
+      </p:sp>
+      <p:sp>
+        <p:nvSpPr>
+          <p:cNvPr id="3" name="Marcador de contenido 2">
+            <a:extLst>
+              <a:ext uri="{FF2B5EF4-FFF2-40B4-BE49-F238E27FC236}">
+                <a16:creationId xmlns:a16="http://schemas.microsoft.com/office/drawing/2014/main" id="{B71CC9F7-8D56-4508-BEA6-BD6B5B680741}"/>
+              </a:ext>
+            </a:extLst>
+          </p:cNvPr>
+          <p:cNvSpPr>
+            <a:spLocks noGrp="1"/>
+          </p:cNvSpPr>
+          <p:nvPr>
+            <p:ph idx="1"/>
+          </p:nvPr>
+        </p:nvSpPr>
+        <p:spPr/>
+        <p:txBody>
+          <a:bodyPr/>
+          <a:lstStyle/>
+          <a:p>
+            <a:r>
+              <a:rPr lang="es-CR" sz="2400" dirty="0"/>
+              <a:t>Los datos usados en este artículo son la totalidad de casos entre el 2007 y el 2014, pero en el conjunto de datos también están separados según año.</a:t>
+            </a:r>
+          </a:p>
+          <a:p>
+            <a:r>
+              <a:rPr lang="es-CR" sz="2400" dirty="0"/>
+              <a:t>Puede ser útil estudiar no solo las relaciones espaciales sino también temporales, para ambos tipos de intoxicaciones, usando un modelo espacio temporal.</a:t>
+            </a:r>
+          </a:p>
+          <a:p>
+            <a:endParaRPr lang="es-CR" dirty="0"/>
+          </a:p>
+        </p:txBody>
+      </p:sp>
+    </p:spTree>
+    <p:extLst>
+      <p:ext uri="{BB962C8B-B14F-4D97-AF65-F5344CB8AC3E}">
+        <p14:creationId xmlns:p14="http://schemas.microsoft.com/office/powerpoint/2010/main" val="661464226"/>
+      </p:ext>
+    </p:extLst>
+  </p:cSld>
+  <p:clrMapOvr>
+    <a:masterClrMapping/>
+  </p:clrMapOvr>
+</p:sld>
+</file>
+
+<file path=ppt/slides/slide15.xml><?xml version="1.0" encoding="utf-8"?>
 <p:sld xmlns:a="http://schemas.openxmlformats.org/drawingml/2006/main" xmlns:r="http://schemas.openxmlformats.org/officeDocument/2006/relationships" xmlns:p="http://schemas.openxmlformats.org/presentationml/2006/main">
   <p:cSld>
     <p:spTree>
@@ -6380,7 +8368,7 @@
           <a:lstStyle/>
           <a:p>
             <a:r>
-              <a:rPr lang="es-CR" b="1" u="sng" dirty="0" smtClean="0"/>
+              <a:rPr lang="es-CR" b="1" u="sng" dirty="0"/>
               <a:t>Referencias</a:t>
             </a:r>
             <a:endParaRPr lang="en-US" b="1" u="sng" dirty="0"/>
@@ -6482,7 +8470,7 @@
           </a:lstStyle>
           <a:p>
             <a:r>
-              <a:rPr lang="es-CR" b="1" dirty="0" smtClean="0"/>
+              <a:rPr lang="es-CR" b="1" dirty="0"/>
               <a:t>Gracias …</a:t>
             </a:r>
             <a:endParaRPr lang="en-US" b="1" dirty="0"/>
@@ -6560,7 +8548,7 @@
             </a:r>
           </a:p>
           <a:p>
-            <a:endParaRPr lang="es-ES" dirty="0" smtClean="0"/>
+            <a:endParaRPr lang="es-ES" dirty="0"/>
           </a:p>
           <a:p>
             <a:endParaRPr lang="es-ES" dirty="0"/>
@@ -6586,13 +8574,6 @@
   <p:clrMapOvr>
     <a:masterClrMapping/>
   </p:clrMapOvr>
-  <p:timing>
-    <p:tnLst>
-      <p:par>
-        <p:cTn id="1" dur="indefinite" restart="never" nodeType="tmRoot"/>
-      </p:par>
-    </p:tnLst>
-  </p:timing>
 </p:sld>
 </file>
 
@@ -6636,11 +8617,11 @@
           <a:lstStyle/>
           <a:p>
             <a:r>
-              <a:rPr lang="en-US" sz="4800" b="1" u="sng" dirty="0" err="1" smtClean="0"/>
+              <a:rPr lang="en-US" sz="4800" b="1" u="sng" dirty="0" err="1"/>
               <a:t>Introducci</a:t>
             </a:r>
             <a:r>
-              <a:rPr lang="es-CR" sz="4800" b="1" u="sng" dirty="0" err="1" smtClean="0"/>
+              <a:rPr lang="es-CR" sz="4800" b="1" u="sng" dirty="0" err="1"/>
               <a:t>ón</a:t>
             </a:r>
             <a:endParaRPr lang="en-US" sz="4800" b="1" u="sng" dirty="0"/>
@@ -6674,23 +8655,11 @@
             </a:pPr>
             <a:r>
               <a:rPr lang="es-ES" sz="2000" dirty="0"/>
-              <a:t>Las intoxicaciones por pesticidas son un problema de salud pública a nivel mundial debido </a:t>
-            </a:r>
-            <a:r>
-              <a:rPr lang="es-ES" sz="2000" dirty="0" smtClean="0"/>
-              <a:t>mortalidad </a:t>
-            </a:r>
-            <a:r>
-              <a:rPr lang="es-ES" sz="2000" dirty="0"/>
-              <a:t>que pueden </a:t>
-            </a:r>
-            <a:r>
-              <a:rPr lang="es-ES" sz="2000" dirty="0" smtClean="0"/>
-              <a:t>causar.</a:t>
-            </a:r>
-          </a:p>
-          <a:p>
-            <a:endParaRPr lang="es-ES" sz="2000" dirty="0" smtClean="0"/>
+              <a:t>Las intoxicaciones por pesticidas son un problema de salud pública a nivel mundial debido mortalidad que pueden causar.</a:t>
+            </a:r>
+          </a:p>
+          <a:p>
+            <a:endParaRPr lang="es-ES" sz="2000" dirty="0"/>
           </a:p>
           <a:p>
             <a:pPr marL="342900" indent="-342900">
@@ -6698,20 +8667,12 @@
               <a:buChar char="q"/>
             </a:pPr>
             <a:r>
-              <a:rPr lang="es-ES" sz="2000" dirty="0" smtClean="0"/>
-              <a:t>Destacan </a:t>
-            </a:r>
-            <a:r>
               <a:rPr lang="es-ES" sz="2000" dirty="0"/>
-              <a:t>causas </a:t>
-            </a:r>
-            <a:r>
-              <a:rPr lang="es-ES" sz="2000" dirty="0" smtClean="0"/>
-              <a:t>como:</a:t>
-            </a:r>
-          </a:p>
-          <a:p>
-            <a:endParaRPr lang="es-ES" sz="2000" dirty="0" smtClean="0"/>
+              <a:t>Destacan causas como:</a:t>
+            </a:r>
+          </a:p>
+          <a:p>
+            <a:endParaRPr lang="es-ES" sz="2000" dirty="0"/>
           </a:p>
           <a:p>
             <a:pPr marL="742950" lvl="1" indent="-285750">
@@ -6720,11 +8681,7 @@
             </a:pPr>
             <a:r>
               <a:rPr lang="es-ES" sz="2000" dirty="0"/>
-              <a:t>I</a:t>
-            </a:r>
-            <a:r>
-              <a:rPr lang="es-ES" sz="2000" dirty="0" smtClean="0"/>
-              <a:t>ntento suicida (en adolescentes)</a:t>
+              <a:t>Intento suicida (en adolescentes)</a:t>
             </a:r>
           </a:p>
           <a:p>
@@ -6734,19 +8691,7 @@
             </a:pPr>
             <a:r>
               <a:rPr lang="es-ES" sz="2000" dirty="0"/>
-              <a:t>Causa ocupacional </a:t>
-            </a:r>
-            <a:r>
-              <a:rPr lang="es-ES" sz="2000" dirty="0" smtClean="0"/>
-              <a:t>(en </a:t>
-            </a:r>
-            <a:r>
-              <a:rPr lang="es-ES" sz="2000" dirty="0"/>
-              <a:t>trabajadores dedicados a labores </a:t>
-            </a:r>
-            <a:r>
-              <a:rPr lang="es-ES" sz="2000" dirty="0" smtClean="0"/>
-              <a:t>agrícolas)</a:t>
+              <a:t>Causa ocupacional (en trabajadores dedicados a labores agrícolas)</a:t>
             </a:r>
           </a:p>
           <a:p>
@@ -6756,11 +8701,7 @@
             </a:pPr>
             <a:r>
               <a:rPr lang="es-ES" sz="2000" dirty="0"/>
-              <a:t>C</a:t>
-            </a:r>
-            <a:r>
-              <a:rPr lang="es-ES" sz="2000" dirty="0" smtClean="0"/>
-              <a:t>ausa accidental (en niños).</a:t>
+              <a:t>Causa accidental (en niños).</a:t>
             </a:r>
           </a:p>
           <a:p>
@@ -6779,16 +8720,8 @@
               <a:buChar char="q"/>
             </a:pPr>
             <a:r>
-              <a:rPr lang="es-ES" sz="2000" dirty="0" smtClean="0"/>
-              <a:t> </a:t>
-            </a:r>
-            <a:r>
               <a:rPr lang="es-ES" sz="2000" dirty="0"/>
-              <a:t>Los efectos </a:t>
-            </a:r>
-            <a:r>
-              <a:rPr lang="es-ES" sz="2000" dirty="0" smtClean="0"/>
-              <a:t>dependen de: </a:t>
+              <a:t> Los efectos dependen de: </a:t>
             </a:r>
           </a:p>
           <a:p>
@@ -6801,11 +8734,7 @@
             </a:pPr>
             <a:r>
               <a:rPr lang="es-ES" sz="2000" dirty="0"/>
-              <a:t>L</a:t>
-            </a:r>
-            <a:r>
-              <a:rPr lang="es-ES" sz="2000" dirty="0" smtClean="0"/>
-              <a:t>a toxicidad</a:t>
+              <a:t>La toxicidad</a:t>
             </a:r>
           </a:p>
           <a:p>
@@ -6815,11 +8744,7 @@
             </a:pPr>
             <a:r>
               <a:rPr lang="es-ES" sz="2000" dirty="0"/>
-              <a:t>L</a:t>
-            </a:r>
-            <a:r>
-              <a:rPr lang="es-ES" sz="2000" dirty="0" smtClean="0"/>
-              <a:t>a dosis</a:t>
+              <a:t>La dosis</a:t>
             </a:r>
           </a:p>
           <a:p>
@@ -6829,15 +8754,7 @@
             </a:pPr>
             <a:r>
               <a:rPr lang="es-ES" sz="2000" dirty="0"/>
-              <a:t>L</a:t>
-            </a:r>
-            <a:r>
-              <a:rPr lang="es-ES" sz="2000" dirty="0" smtClean="0"/>
-              <a:t>a </a:t>
-            </a:r>
-            <a:r>
-              <a:rPr lang="es-ES" sz="2000" dirty="0"/>
-              <a:t>forma de ingreso al organismo </a:t>
+              <a:t>La forma de ingreso al organismo </a:t>
             </a:r>
           </a:p>
           <a:p>
@@ -6847,19 +8764,7 @@
             </a:pPr>
             <a:r>
               <a:rPr lang="es-ES" sz="2000" dirty="0"/>
-              <a:t>E</a:t>
-            </a:r>
-            <a:r>
-              <a:rPr lang="es-ES" sz="2000" dirty="0" smtClean="0"/>
-              <a:t>l </a:t>
-            </a:r>
-            <a:r>
-              <a:rPr lang="es-ES" sz="2000" dirty="0"/>
-              <a:t>tiempo de </a:t>
-            </a:r>
-            <a:r>
-              <a:rPr lang="es-ES" sz="2000" dirty="0" smtClean="0"/>
-              <a:t>exposición</a:t>
+              <a:t>El tiempo de exposición</a:t>
             </a:r>
             <a:endParaRPr lang="en-US" sz="2000" dirty="0"/>
           </a:p>
@@ -6935,13 +8840,6 @@
   <p:clrMapOvr>
     <a:masterClrMapping/>
   </p:clrMapOvr>
-  <p:timing>
-    <p:tnLst>
-      <p:par>
-        <p:cTn id="1" dur="indefinite" restart="never" nodeType="tmRoot"/>
-      </p:par>
-    </p:tnLst>
-  </p:timing>
 </p:sld>
 </file>
 
@@ -6988,16 +8886,10 @@
               <a:buChar char="o"/>
             </a:pPr>
             <a:r>
-              <a:rPr lang="es-ES" sz="2000" dirty="0" smtClean="0">
-                <a:latin typeface="LMRoman10-Regular"/>
-              </a:rPr>
-              <a:t>¿Existen </a:t>
-            </a:r>
-            <a:r>
               <a:rPr lang="es-ES" sz="2000" dirty="0">
                 <a:latin typeface="LMRoman10-Regular"/>
               </a:rPr>
-              <a:t>conglomerados que se puedan localizar geográficamente por cantones para los casos de intoxicaciones por pesticidas?</a:t>
+              <a:t>¿Existen conglomerados que se puedan localizar geográficamente por cantones para los casos de intoxicaciones por pesticidas?</a:t>
             </a:r>
           </a:p>
           <a:p>
@@ -7005,7 +8897,13 @@
               <a:buFont typeface="Courier New" panose="02070309020205020404" pitchFamily="49" charset="0"/>
               <a:buChar char="o"/>
             </a:pPr>
-            <a:endParaRPr lang="en-US" dirty="0" smtClean="0">
+            <a:r>
+              <a:rPr lang="es-CR" dirty="0">
+                <a:latin typeface="LMRoman10-Regular"/>
+              </a:rPr>
+              <a:t>En caso de que existan, ¿serán distintas si se toma en cuenta la población del cantón?</a:t>
+            </a:r>
+            <a:endParaRPr lang="en-US" dirty="0">
               <a:latin typeface="LMRoman10-Regular"/>
             </a:endParaRPr>
           </a:p>
@@ -7034,7 +8932,7 @@
           <a:lstStyle/>
           <a:p>
             <a:r>
-              <a:rPr lang="es-CR" sz="4400" b="1" u="sng" dirty="0" smtClean="0"/>
+              <a:rPr lang="es-CR" sz="4400" b="1" u="sng" dirty="0"/>
               <a:t>Objetivo</a:t>
             </a:r>
             <a:endParaRPr lang="en-US" sz="4400" b="1" u="sng" dirty="0"/>
@@ -7067,36 +8965,12 @@
               <a:buChar char="o"/>
             </a:pPr>
             <a:r>
-              <a:rPr lang="es-ES" sz="2000" dirty="0" smtClean="0">
+              <a:rPr lang="es-CR" sz="2000" dirty="0">
                 <a:latin typeface="LMRoman10-Regular"/>
               </a:rPr>
-              <a:t>D</a:t>
-            </a:r>
-            <a:r>
-              <a:rPr lang="es-ES" sz="2000" dirty="0" smtClean="0">
-                <a:latin typeface="LMRoman10-Regular"/>
-              </a:rPr>
-              <a:t>eterminar </a:t>
-            </a:r>
-            <a:r>
-              <a:rPr lang="es-ES" sz="2000" dirty="0">
-                <a:latin typeface="LMRoman10-Regular"/>
-              </a:rPr>
-              <a:t>si existe correlación espacial para los casos de intoxicaciones por pesticidas, tomando en cuenta el sexo</a:t>
-            </a:r>
-            <a:r>
-              <a:rPr lang="es-ES" sz="2000" dirty="0" smtClean="0">
-                <a:latin typeface="LMRoman10-Regular"/>
-              </a:rPr>
-              <a:t>, edad, causa </a:t>
-            </a:r>
-            <a:r>
-              <a:rPr lang="es-ES" sz="2000" dirty="0">
-                <a:latin typeface="LMRoman10-Regular"/>
-              </a:rPr>
-              <a:t>de intoxicación y ruta de ingreso del pesticida.</a:t>
-            </a:r>
-            <a:endParaRPr lang="es-ES" sz="2000" dirty="0" smtClean="0">
+              <a:t>Determinar si existen aglomeraciones de cantones con respecto a la cantidad de intoxicaciones por pesticida, tanto de forma absoluta, como con respecto a la población del cantón.</a:t>
+            </a:r>
+            <a:endParaRPr lang="es-ES" sz="2000" dirty="0">
               <a:latin typeface="LMRoman10-Regular"/>
             </a:endParaRPr>
           </a:p>
@@ -7197,7 +9071,7 @@
           </a:lstStyle>
           <a:p>
             <a:r>
-              <a:rPr lang="es-CR" sz="4400" b="1" u="sng" dirty="0" smtClean="0"/>
+              <a:rPr lang="es-CR" sz="4400" b="1" u="sng" dirty="0"/>
               <a:t>Pregunta de investigación</a:t>
             </a:r>
             <a:endParaRPr lang="en-US" sz="4400" b="1" u="sng" dirty="0"/>
@@ -7214,13 +9088,6 @@
   <p:clrMapOvr>
     <a:masterClrMapping/>
   </p:clrMapOvr>
-  <p:timing>
-    <p:tnLst>
-      <p:par>
-        <p:cTn id="1" dur="indefinite" restart="never" nodeType="tmRoot"/>
-      </p:par>
-    </p:tnLst>
-  </p:timing>
 </p:sld>
 </file>
 
@@ -7259,7 +9126,7 @@
           <a:lstStyle/>
           <a:p>
             <a:r>
-              <a:rPr lang="es-CR" sz="4400" b="1" u="sng" dirty="0" smtClean="0"/>
+              <a:rPr lang="es-CR" sz="4400" b="1" u="sng" dirty="0"/>
               <a:t>Metodología</a:t>
             </a:r>
             <a:endParaRPr lang="en-US" sz="4400" b="1" u="sng" dirty="0"/>
@@ -7287,7 +9154,7 @@
           </a:bodyPr>
           <a:lstStyle/>
           <a:p>
-            <a:endParaRPr lang="es-ES" dirty="0" smtClean="0">
+            <a:endParaRPr lang="es-ES" dirty="0">
               <a:latin typeface="LMRoman10-Regular"/>
             </a:endParaRPr>
           </a:p>
@@ -7296,12 +9163,12 @@
               <a:buFontTx/>
               <a:buChar char="-"/>
             </a:pPr>
-            <a:endParaRPr lang="es-ES" dirty="0" smtClean="0">
+            <a:endParaRPr lang="es-ES" dirty="0">
               <a:latin typeface="LMRoman10-Regular"/>
             </a:endParaRPr>
           </a:p>
           <a:p>
-            <a:endParaRPr lang="es-ES" dirty="0" smtClean="0">
+            <a:endParaRPr lang="es-ES" dirty="0">
               <a:latin typeface="LMRoman10-Regular"/>
             </a:endParaRPr>
           </a:p>
@@ -7349,12 +9216,8 @@
               <a:buChar char="o"/>
             </a:pPr>
             <a:r>
-              <a:rPr lang="es-ES" sz="2000" dirty="0" smtClean="0"/>
-              <a:t>Datos: Registros </a:t>
-            </a:r>
-            <a:r>
               <a:rPr lang="es-ES" sz="2000" dirty="0"/>
-              <a:t>de consultas telefónicas del </a:t>
+              <a:t>Datos: Registros de consultas telefónicas del </a:t>
             </a:r>
             <a:r>
               <a:rPr lang="es-ES" sz="2000" b="1" dirty="0"/>
@@ -7364,10 +9227,9 @@
               <a:rPr lang="es-ES" sz="2000" dirty="0"/>
               <a:t>. </a:t>
             </a:r>
-            <a:endParaRPr lang="es-ES" sz="2000" dirty="0" smtClean="0"/>
-          </a:p>
-          <a:p>
-            <a:endParaRPr lang="es-ES" sz="2000" dirty="0" smtClean="0"/>
+          </a:p>
+          <a:p>
+            <a:endParaRPr lang="es-ES" sz="2000" dirty="0"/>
           </a:p>
           <a:p>
             <a:pPr marL="285750" indent="-285750">
@@ -7375,22 +9237,9 @@
               <a:buChar char="o"/>
             </a:pPr>
             <a:r>
-              <a:rPr lang="es-ES" sz="2000" dirty="0" smtClean="0"/>
-              <a:t>El </a:t>
-            </a:r>
-            <a:r>
               <a:rPr lang="es-ES" sz="2000" dirty="0"/>
-              <a:t>proceso </a:t>
-            </a:r>
-            <a:r>
-              <a:rPr lang="es-ES" sz="2000" dirty="0" smtClean="0"/>
-              <a:t>de registro de los casos de intoxicaciones se da por medio de llamadas </a:t>
-            </a:r>
-            <a:r>
-              <a:rPr lang="es-ES" sz="2000" dirty="0"/>
-              <a:t>telefónicas, estas pueden ser realizadas por profesionales en el área de salud como médicos y paramédicos o también por personas particulares. </a:t>
-            </a:r>
-            <a:endParaRPr lang="es-ES" sz="2000" dirty="0" smtClean="0"/>
+              <a:t>El proceso de registro de los casos de intoxicaciones se da por medio de llamadas telefónicas, estas pueden ser realizadas por profesionales en el área de salud como médicos y paramédicos o también por personas particulares. </a:t>
+            </a:r>
           </a:p>
           <a:p>
             <a:pPr marL="285750" indent="-285750">
@@ -7405,12 +9254,8 @@
               <a:buChar char="o"/>
             </a:pPr>
             <a:r>
-              <a:rPr lang="es-ES" sz="2000" dirty="0" smtClean="0"/>
-              <a:t>Un </a:t>
-            </a:r>
-            <a:r>
               <a:rPr lang="es-ES" sz="2000" dirty="0"/>
-              <a:t>farmacéutico especializado en toxicología es el encargado de registrar la información referente al caso de la persona intoxicada en una hoja de registro de consulta toxicológicas, posteriormente se procesa la información de manera digital.</a:t>
+              <a:t>Un farmacéutico especializado en toxicología es el encargado de registrar la información referente al caso de la persona intoxicada en una hoja de registro de consulta toxicológicas, posteriormente se procesa la información de manera digital.</a:t>
             </a:r>
           </a:p>
           <a:p>
@@ -7422,12 +9267,8 @@
               <a:buChar char="o"/>
             </a:pPr>
             <a:r>
-              <a:rPr lang="es-ES" sz="2000" dirty="0" smtClean="0"/>
-              <a:t>11.038 </a:t>
-            </a:r>
-            <a:r>
               <a:rPr lang="es-ES" sz="2000" dirty="0"/>
-              <a:t>casos de intoxicaciones durante el 2007 al 2014.</a:t>
+              <a:t>11.038 casos de intoxicaciones durante el 2007 al 2014.</a:t>
             </a:r>
           </a:p>
           <a:p>
@@ -7448,13 +9289,6 @@
   <p:clrMapOvr>
     <a:masterClrMapping/>
   </p:clrMapOvr>
-  <p:timing>
-    <p:tnLst>
-      <p:par>
-        <p:cTn id="1" dur="indefinite" restart="never" nodeType="tmRoot"/>
-      </p:par>
-    </p:tnLst>
-  </p:timing>
 </p:sld>
 </file>
 
@@ -7498,7 +9332,7 @@
           <a:lstStyle/>
           <a:p>
             <a:r>
-              <a:rPr lang="es-CR" sz="6000" b="1" dirty="0" smtClean="0"/>
+              <a:rPr lang="es-CR" sz="6000" b="1" dirty="0"/>
               <a:t>Principales Resultados</a:t>
             </a:r>
             <a:endParaRPr lang="en-US" sz="6000" b="1" dirty="0"/>
@@ -7534,19 +9368,3112 @@
   <p:clrMapOvr>
     <a:masterClrMapping/>
   </p:clrMapOvr>
-  <p:timing>
-    <p:tnLst>
-      <p:par>
-        <p:cTn id="1" dur="indefinite" restart="never" nodeType="tmRoot"/>
-      </p:par>
-    </p:tnLst>
-  </p:timing>
 </p:sld>
 </file>
 
 <file path=ppt/slides/slide6.xml><?xml version="1.0" encoding="utf-8"?>
 <p:sld xmlns:a="http://schemas.openxmlformats.org/drawingml/2006/main" xmlns:r="http://schemas.openxmlformats.org/officeDocument/2006/relationships" xmlns:p="http://schemas.openxmlformats.org/presentationml/2006/main">
   <p:cSld>
+    <p:bg>
+      <p:bgPr>
+        <a:solidFill>
+          <a:schemeClr val="bg1"/>
+        </a:solidFill>
+        <a:effectLst/>
+      </p:bgPr>
+    </p:bg>
+    <p:spTree>
+      <p:nvGrpSpPr>
+        <p:cNvPr id="1" name=""/>
+        <p:cNvGrpSpPr/>
+        <p:nvPr/>
+      </p:nvGrpSpPr>
+      <p:grpSpPr>
+        <a:xfrm>
+          <a:off x="0" y="0"/>
+          <a:ext cx="0" cy="0"/>
+          <a:chOff x="0" y="0"/>
+          <a:chExt cx="0" cy="0"/>
+        </a:xfrm>
+      </p:grpSpPr>
+      <p:grpSp>
+        <p:nvGrpSpPr>
+          <p:cNvPr id="11" name="Group 10">
+            <a:extLst>
+              <a:ext uri="{FF2B5EF4-FFF2-40B4-BE49-F238E27FC236}">
+                <a16:creationId xmlns:a16="http://schemas.microsoft.com/office/drawing/2014/main" id="{A4D026A2-7476-44B0-9648-BB98882F7BA3}"/>
+              </a:ext>
+              <a:ext uri="{C183D7F6-B498-43B3-948B-1728B52AA6E4}">
+                <adec:decorative xmlns:adec="http://schemas.microsoft.com/office/drawing/2017/decorative" val="1"/>
+              </a:ext>
+            </a:extLst>
+          </p:cNvPr>
+          <p:cNvGrpSpPr>
+            <a:grpSpLocks noGrp="1" noUngrp="1" noRot="1" noChangeAspect="1" noMove="1" noResize="1"/>
+          </p:cNvGrpSpPr>
+          <p:nvPr>
+            <p:extLst>
+              <p:ext uri="{386F3935-93C4-4BCD-93E2-E3B085C9AB24}">
+                <p16:designElem xmlns:p16="http://schemas.microsoft.com/office/powerpoint/2015/main" val="1"/>
+              </p:ext>
+            </p:extLst>
+          </p:nvPr>
+        </p:nvGrpSpPr>
+        <p:grpSpPr>
+          <a:xfrm>
+            <a:off x="0" y="-8467"/>
+            <a:ext cx="12192000" cy="6866467"/>
+            <a:chOff x="0" y="-8467"/>
+            <a:chExt cx="12192000" cy="6866467"/>
+          </a:xfrm>
+        </p:grpSpPr>
+        <p:cxnSp>
+          <p:nvCxnSpPr>
+            <p:cNvPr id="12" name="Straight Connector 11">
+              <a:extLst>
+                <a:ext uri="{FF2B5EF4-FFF2-40B4-BE49-F238E27FC236}">
+                  <a16:creationId xmlns:a16="http://schemas.microsoft.com/office/drawing/2014/main" id="{48F8FC21-0A44-4045-95A1-B7935DBC603D}"/>
+                </a:ext>
+                <a:ext uri="{C183D7F6-B498-43B3-948B-1728B52AA6E4}">
+                  <adec:decorative xmlns:adec="http://schemas.microsoft.com/office/drawing/2017/decorative" val="1"/>
+                </a:ext>
+              </a:extLst>
+            </p:cNvPr>
+            <p:cNvCxnSpPr/>
+            <p:nvPr>
+              <p:extLst>
+                <p:ext uri="{386F3935-93C4-4BCD-93E2-E3B085C9AB24}">
+                  <p16:designElem xmlns:p16="http://schemas.microsoft.com/office/powerpoint/2015/main" val="1"/>
+                </p:ext>
+              </p:extLst>
+            </p:nvPr>
+          </p:nvCxnSpPr>
+          <p:spPr>
+            <a:xfrm>
+              <a:off x="9371012" y="0"/>
+              <a:ext cx="1219200" cy="6858000"/>
+            </a:xfrm>
+            <a:prstGeom prst="line">
+              <a:avLst/>
+            </a:prstGeom>
+            <a:ln w="9525">
+              <a:solidFill>
+                <a:schemeClr val="accent1">
+                  <a:alpha val="70000"/>
+                </a:schemeClr>
+              </a:solidFill>
+            </a:ln>
+          </p:spPr>
+          <p:style>
+            <a:lnRef idx="2">
+              <a:schemeClr val="accent1"/>
+            </a:lnRef>
+            <a:fillRef idx="0">
+              <a:schemeClr val="accent1"/>
+            </a:fillRef>
+            <a:effectRef idx="1">
+              <a:schemeClr val="accent1"/>
+            </a:effectRef>
+            <a:fontRef idx="minor">
+              <a:schemeClr val="tx1"/>
+            </a:fontRef>
+          </p:style>
+        </p:cxnSp>
+        <p:cxnSp>
+          <p:nvCxnSpPr>
+            <p:cNvPr id="13" name="Straight Connector 12">
+              <a:extLst>
+                <a:ext uri="{FF2B5EF4-FFF2-40B4-BE49-F238E27FC236}">
+                  <a16:creationId xmlns:a16="http://schemas.microsoft.com/office/drawing/2014/main" id="{0209B962-CD29-4D46-A7B0-10F6C7CF1C0F}"/>
+                </a:ext>
+                <a:ext uri="{C183D7F6-B498-43B3-948B-1728B52AA6E4}">
+                  <adec:decorative xmlns:adec="http://schemas.microsoft.com/office/drawing/2017/decorative" val="1"/>
+                </a:ext>
+              </a:extLst>
+            </p:cNvPr>
+            <p:cNvCxnSpPr/>
+            <p:nvPr>
+              <p:extLst>
+                <p:ext uri="{386F3935-93C4-4BCD-93E2-E3B085C9AB24}">
+                  <p16:designElem xmlns:p16="http://schemas.microsoft.com/office/powerpoint/2015/main" val="1"/>
+                </p:ext>
+              </p:extLst>
+            </p:nvPr>
+          </p:nvCxnSpPr>
+          <p:spPr>
+            <a:xfrm flipH="1">
+              <a:off x="7425267" y="3681413"/>
+              <a:ext cx="4763558" cy="3176587"/>
+            </a:xfrm>
+            <a:prstGeom prst="line">
+              <a:avLst/>
+            </a:prstGeom>
+            <a:ln w="9525">
+              <a:solidFill>
+                <a:schemeClr val="accent1">
+                  <a:alpha val="70000"/>
+                </a:schemeClr>
+              </a:solidFill>
+            </a:ln>
+          </p:spPr>
+          <p:style>
+            <a:lnRef idx="2">
+              <a:schemeClr val="accent1"/>
+            </a:lnRef>
+            <a:fillRef idx="0">
+              <a:schemeClr val="accent1"/>
+            </a:fillRef>
+            <a:effectRef idx="1">
+              <a:schemeClr val="accent1"/>
+            </a:effectRef>
+            <a:fontRef idx="minor">
+              <a:schemeClr val="tx1"/>
+            </a:fontRef>
+          </p:style>
+        </p:cxnSp>
+        <p:sp>
+          <p:nvSpPr>
+            <p:cNvPr id="14" name="Rectangle 23">
+              <a:extLst>
+                <a:ext uri="{FF2B5EF4-FFF2-40B4-BE49-F238E27FC236}">
+                  <a16:creationId xmlns:a16="http://schemas.microsoft.com/office/drawing/2014/main" id="{CC8D40CF-4D47-411D-A8B7-0E4B29E9832B}"/>
+                </a:ext>
+                <a:ext uri="{C183D7F6-B498-43B3-948B-1728B52AA6E4}">
+                  <adec:decorative xmlns:adec="http://schemas.microsoft.com/office/drawing/2017/decorative" val="1"/>
+                </a:ext>
+              </a:extLst>
+            </p:cNvPr>
+            <p:cNvSpPr/>
+            <p:nvPr>
+              <p:extLst>
+                <p:ext uri="{386F3935-93C4-4BCD-93E2-E3B085C9AB24}">
+                  <p16:designElem xmlns:p16="http://schemas.microsoft.com/office/powerpoint/2015/main" val="1"/>
+                </p:ext>
+              </p:extLst>
+            </p:nvPr>
+          </p:nvSpPr>
+          <p:spPr>
+            <a:xfrm>
+              <a:off x="9181476" y="-8467"/>
+              <a:ext cx="3007349" cy="6866467"/>
+            </a:xfrm>
+            <a:custGeom>
+              <a:avLst/>
+              <a:gdLst/>
+              <a:ahLst/>
+              <a:cxnLst/>
+              <a:rect l="l" t="t" r="r" b="b"/>
+              <a:pathLst>
+                <a:path w="3007349" h="6866467">
+                  <a:moveTo>
+                    <a:pt x="2045532" y="0"/>
+                  </a:moveTo>
+                  <a:lnTo>
+                    <a:pt x="3007349" y="0"/>
+                  </a:lnTo>
+                  <a:lnTo>
+                    <a:pt x="3007349" y="6866467"/>
+                  </a:lnTo>
+                  <a:lnTo>
+                    <a:pt x="0" y="6866467"/>
+                  </a:lnTo>
+                  <a:lnTo>
+                    <a:pt x="2045532" y="0"/>
+                  </a:lnTo>
+                  <a:close/>
+                </a:path>
+              </a:pathLst>
+            </a:custGeom>
+            <a:solidFill>
+              <a:schemeClr val="accent1">
+                <a:alpha val="36000"/>
+              </a:schemeClr>
+            </a:solidFill>
+            <a:ln>
+              <a:noFill/>
+            </a:ln>
+            <a:effectLst/>
+          </p:spPr>
+          <p:style>
+            <a:lnRef idx="1">
+              <a:schemeClr val="accent1"/>
+            </a:lnRef>
+            <a:fillRef idx="3">
+              <a:schemeClr val="accent1"/>
+            </a:fillRef>
+            <a:effectRef idx="2">
+              <a:schemeClr val="accent1"/>
+            </a:effectRef>
+            <a:fontRef idx="minor">
+              <a:schemeClr val="lt1"/>
+            </a:fontRef>
+          </p:style>
+        </p:sp>
+        <p:sp>
+          <p:nvSpPr>
+            <p:cNvPr id="15" name="Rectangle 25">
+              <a:extLst>
+                <a:ext uri="{FF2B5EF4-FFF2-40B4-BE49-F238E27FC236}">
+                  <a16:creationId xmlns:a16="http://schemas.microsoft.com/office/drawing/2014/main" id="{9B48A2AD-5257-4384-A7F5-A1EE4E6883A5}"/>
+                </a:ext>
+                <a:ext uri="{C183D7F6-B498-43B3-948B-1728B52AA6E4}">
+                  <adec:decorative xmlns:adec="http://schemas.microsoft.com/office/drawing/2017/decorative" val="1"/>
+                </a:ext>
+              </a:extLst>
+            </p:cNvPr>
+            <p:cNvSpPr/>
+            <p:nvPr>
+              <p:extLst>
+                <p:ext uri="{386F3935-93C4-4BCD-93E2-E3B085C9AB24}">
+                  <p16:designElem xmlns:p16="http://schemas.microsoft.com/office/powerpoint/2015/main" val="1"/>
+                </p:ext>
+              </p:extLst>
+            </p:nvPr>
+          </p:nvSpPr>
+          <p:spPr>
+            <a:xfrm>
+              <a:off x="9603442" y="-8467"/>
+              <a:ext cx="2588558" cy="6866467"/>
+            </a:xfrm>
+            <a:custGeom>
+              <a:avLst/>
+              <a:gdLst/>
+              <a:ahLst/>
+              <a:cxnLst/>
+              <a:rect l="l" t="t" r="r" b="b"/>
+              <a:pathLst>
+                <a:path w="2573311" h="6866467">
+                  <a:moveTo>
+                    <a:pt x="0" y="0"/>
+                  </a:moveTo>
+                  <a:lnTo>
+                    <a:pt x="2573311" y="0"/>
+                  </a:lnTo>
+                  <a:lnTo>
+                    <a:pt x="2573311" y="6866467"/>
+                  </a:lnTo>
+                  <a:lnTo>
+                    <a:pt x="1202336" y="6866467"/>
+                  </a:lnTo>
+                  <a:lnTo>
+                    <a:pt x="0" y="0"/>
+                  </a:lnTo>
+                  <a:close/>
+                </a:path>
+              </a:pathLst>
+            </a:custGeom>
+            <a:solidFill>
+              <a:schemeClr val="accent1">
+                <a:alpha val="20000"/>
+              </a:schemeClr>
+            </a:solidFill>
+            <a:ln>
+              <a:noFill/>
+            </a:ln>
+            <a:effectLst/>
+          </p:spPr>
+          <p:style>
+            <a:lnRef idx="1">
+              <a:schemeClr val="accent1"/>
+            </a:lnRef>
+            <a:fillRef idx="3">
+              <a:schemeClr val="accent1"/>
+            </a:fillRef>
+            <a:effectRef idx="2">
+              <a:schemeClr val="accent1"/>
+            </a:effectRef>
+            <a:fontRef idx="minor">
+              <a:schemeClr val="lt1"/>
+            </a:fontRef>
+          </p:style>
+        </p:sp>
+        <p:sp>
+          <p:nvSpPr>
+            <p:cNvPr id="16" name="Isosceles Triangle 15">
+              <a:extLst>
+                <a:ext uri="{FF2B5EF4-FFF2-40B4-BE49-F238E27FC236}">
+                  <a16:creationId xmlns:a16="http://schemas.microsoft.com/office/drawing/2014/main" id="{04C26DE3-844C-47DA-831E-E7D7BF617EC2}"/>
+                </a:ext>
+                <a:ext uri="{C183D7F6-B498-43B3-948B-1728B52AA6E4}">
+                  <adec:decorative xmlns:adec="http://schemas.microsoft.com/office/drawing/2017/decorative" val="1"/>
+                </a:ext>
+              </a:extLst>
+            </p:cNvPr>
+            <p:cNvSpPr/>
+            <p:nvPr>
+              <p:extLst>
+                <p:ext uri="{386F3935-93C4-4BCD-93E2-E3B085C9AB24}">
+                  <p16:designElem xmlns:p16="http://schemas.microsoft.com/office/powerpoint/2015/main" val="1"/>
+                </p:ext>
+              </p:extLst>
+            </p:nvPr>
+          </p:nvSpPr>
+          <p:spPr>
+            <a:xfrm>
+              <a:off x="8932333" y="3048000"/>
+              <a:ext cx="3259667" cy="3810000"/>
+            </a:xfrm>
+            <a:prstGeom prst="triangle">
+              <a:avLst>
+                <a:gd name="adj" fmla="val 100000"/>
+              </a:avLst>
+            </a:prstGeom>
+            <a:solidFill>
+              <a:schemeClr val="accent1">
+                <a:lumMod val="75000"/>
+                <a:alpha val="66000"/>
+              </a:schemeClr>
+            </a:solidFill>
+            <a:ln>
+              <a:noFill/>
+            </a:ln>
+            <a:effectLst/>
+          </p:spPr>
+          <p:style>
+            <a:lnRef idx="1">
+              <a:schemeClr val="accent1"/>
+            </a:lnRef>
+            <a:fillRef idx="3">
+              <a:schemeClr val="accent1"/>
+            </a:fillRef>
+            <a:effectRef idx="2">
+              <a:schemeClr val="accent1"/>
+            </a:effectRef>
+            <a:fontRef idx="minor">
+              <a:schemeClr val="lt1"/>
+            </a:fontRef>
+          </p:style>
+        </p:sp>
+        <p:sp>
+          <p:nvSpPr>
+            <p:cNvPr id="17" name="Rectangle 27">
+              <a:extLst>
+                <a:ext uri="{FF2B5EF4-FFF2-40B4-BE49-F238E27FC236}">
+                  <a16:creationId xmlns:a16="http://schemas.microsoft.com/office/drawing/2014/main" id="{922D975E-0684-4AA6-9FB7-929B250D5389}"/>
+                </a:ext>
+                <a:ext uri="{C183D7F6-B498-43B3-948B-1728B52AA6E4}">
+                  <adec:decorative xmlns:adec="http://schemas.microsoft.com/office/drawing/2017/decorative" val="1"/>
+                </a:ext>
+              </a:extLst>
+            </p:cNvPr>
+            <p:cNvSpPr/>
+            <p:nvPr>
+              <p:extLst>
+                <p:ext uri="{386F3935-93C4-4BCD-93E2-E3B085C9AB24}">
+                  <p16:designElem xmlns:p16="http://schemas.microsoft.com/office/powerpoint/2015/main" val="1"/>
+                </p:ext>
+              </p:extLst>
+            </p:nvPr>
+          </p:nvSpPr>
+          <p:spPr>
+            <a:xfrm>
+              <a:off x="9334500" y="-8467"/>
+              <a:ext cx="2854326" cy="6866467"/>
+            </a:xfrm>
+            <a:custGeom>
+              <a:avLst/>
+              <a:gdLst/>
+              <a:ahLst/>
+              <a:cxnLst/>
+              <a:rect l="l" t="t" r="r" b="b"/>
+              <a:pathLst>
+                <a:path w="2858013" h="6866467">
+                  <a:moveTo>
+                    <a:pt x="0" y="0"/>
+                  </a:moveTo>
+                  <a:lnTo>
+                    <a:pt x="2858013" y="0"/>
+                  </a:lnTo>
+                  <a:lnTo>
+                    <a:pt x="2858013" y="6866467"/>
+                  </a:lnTo>
+                  <a:lnTo>
+                    <a:pt x="2473942" y="6866467"/>
+                  </a:lnTo>
+                  <a:lnTo>
+                    <a:pt x="0" y="0"/>
+                  </a:lnTo>
+                  <a:close/>
+                </a:path>
+              </a:pathLst>
+            </a:custGeom>
+            <a:solidFill>
+              <a:schemeClr val="accent1">
+                <a:lumMod val="75000"/>
+                <a:alpha val="50000"/>
+              </a:schemeClr>
+            </a:solidFill>
+            <a:ln>
+              <a:noFill/>
+            </a:ln>
+            <a:effectLst/>
+          </p:spPr>
+          <p:style>
+            <a:lnRef idx="1">
+              <a:schemeClr val="accent1"/>
+            </a:lnRef>
+            <a:fillRef idx="3">
+              <a:schemeClr val="accent1"/>
+            </a:fillRef>
+            <a:effectRef idx="2">
+              <a:schemeClr val="accent1"/>
+            </a:effectRef>
+            <a:fontRef idx="minor">
+              <a:schemeClr val="lt1"/>
+            </a:fontRef>
+          </p:style>
+        </p:sp>
+        <p:sp>
+          <p:nvSpPr>
+            <p:cNvPr id="18" name="Rectangle 28">
+              <a:extLst>
+                <a:ext uri="{FF2B5EF4-FFF2-40B4-BE49-F238E27FC236}">
+                  <a16:creationId xmlns:a16="http://schemas.microsoft.com/office/drawing/2014/main" id="{38ED5A9A-F0C7-4547-BC1E-22FC89BD26D1}"/>
+                </a:ext>
+                <a:ext uri="{C183D7F6-B498-43B3-948B-1728B52AA6E4}">
+                  <adec:decorative xmlns:adec="http://schemas.microsoft.com/office/drawing/2017/decorative" val="1"/>
+                </a:ext>
+              </a:extLst>
+            </p:cNvPr>
+            <p:cNvSpPr/>
+            <p:nvPr>
+              <p:extLst>
+                <p:ext uri="{386F3935-93C4-4BCD-93E2-E3B085C9AB24}">
+                  <p16:designElem xmlns:p16="http://schemas.microsoft.com/office/powerpoint/2015/main" val="1"/>
+                </p:ext>
+              </p:extLst>
+            </p:nvPr>
+          </p:nvSpPr>
+          <p:spPr>
+            <a:xfrm>
+              <a:off x="10898730" y="-8467"/>
+              <a:ext cx="1290094" cy="6866467"/>
+            </a:xfrm>
+            <a:custGeom>
+              <a:avLst/>
+              <a:gdLst/>
+              <a:ahLst/>
+              <a:cxnLst/>
+              <a:rect l="l" t="t" r="r" b="b"/>
+              <a:pathLst>
+                <a:path w="1290094" h="6858000">
+                  <a:moveTo>
+                    <a:pt x="1019735" y="0"/>
+                  </a:moveTo>
+                  <a:lnTo>
+                    <a:pt x="1290094" y="0"/>
+                  </a:lnTo>
+                  <a:lnTo>
+                    <a:pt x="1290094" y="6858000"/>
+                  </a:lnTo>
+                  <a:lnTo>
+                    <a:pt x="0" y="6858000"/>
+                  </a:lnTo>
+                  <a:lnTo>
+                    <a:pt x="1019735" y="0"/>
+                  </a:lnTo>
+                  <a:close/>
+                </a:path>
+              </a:pathLst>
+            </a:custGeom>
+            <a:solidFill>
+              <a:schemeClr val="accent2">
+                <a:alpha val="70000"/>
+              </a:schemeClr>
+            </a:solidFill>
+            <a:ln>
+              <a:noFill/>
+            </a:ln>
+            <a:effectLst/>
+          </p:spPr>
+          <p:style>
+            <a:lnRef idx="1">
+              <a:schemeClr val="accent1"/>
+            </a:lnRef>
+            <a:fillRef idx="3">
+              <a:schemeClr val="accent1"/>
+            </a:fillRef>
+            <a:effectRef idx="2">
+              <a:schemeClr val="accent1"/>
+            </a:effectRef>
+            <a:fontRef idx="minor">
+              <a:schemeClr val="lt1"/>
+            </a:fontRef>
+          </p:style>
+        </p:sp>
+        <p:sp>
+          <p:nvSpPr>
+            <p:cNvPr id="19" name="Rectangle 29">
+              <a:extLst>
+                <a:ext uri="{FF2B5EF4-FFF2-40B4-BE49-F238E27FC236}">
+                  <a16:creationId xmlns:a16="http://schemas.microsoft.com/office/drawing/2014/main" id="{2D743765-A245-4349-A5CE-4AB5F078F91E}"/>
+                </a:ext>
+                <a:ext uri="{C183D7F6-B498-43B3-948B-1728B52AA6E4}">
+                  <adec:decorative xmlns:adec="http://schemas.microsoft.com/office/drawing/2017/decorative" val="1"/>
+                </a:ext>
+              </a:extLst>
+            </p:cNvPr>
+            <p:cNvSpPr/>
+            <p:nvPr>
+              <p:extLst>
+                <p:ext uri="{386F3935-93C4-4BCD-93E2-E3B085C9AB24}">
+                  <p16:designElem xmlns:p16="http://schemas.microsoft.com/office/powerpoint/2015/main" val="1"/>
+                </p:ext>
+              </p:extLst>
+            </p:nvPr>
+          </p:nvSpPr>
+          <p:spPr>
+            <a:xfrm>
+              <a:off x="10938999" y="-8467"/>
+              <a:ext cx="1249825" cy="6866467"/>
+            </a:xfrm>
+            <a:custGeom>
+              <a:avLst/>
+              <a:gdLst/>
+              <a:ahLst/>
+              <a:cxnLst/>
+              <a:rect l="l" t="t" r="r" b="b"/>
+              <a:pathLst>
+                <a:path w="1249825" h="6858000">
+                  <a:moveTo>
+                    <a:pt x="0" y="0"/>
+                  </a:moveTo>
+                  <a:lnTo>
+                    <a:pt x="1249825" y="0"/>
+                  </a:lnTo>
+                  <a:lnTo>
+                    <a:pt x="1249825" y="6858000"/>
+                  </a:lnTo>
+                  <a:lnTo>
+                    <a:pt x="1109382" y="6858000"/>
+                  </a:lnTo>
+                  <a:lnTo>
+                    <a:pt x="0" y="0"/>
+                  </a:lnTo>
+                  <a:close/>
+                </a:path>
+              </a:pathLst>
+            </a:custGeom>
+            <a:solidFill>
+              <a:schemeClr val="accent2">
+                <a:lumMod val="75000"/>
+                <a:alpha val="80000"/>
+              </a:schemeClr>
+            </a:solidFill>
+            <a:ln>
+              <a:noFill/>
+            </a:ln>
+            <a:effectLst/>
+          </p:spPr>
+          <p:style>
+            <a:lnRef idx="1">
+              <a:schemeClr val="accent1"/>
+            </a:lnRef>
+            <a:fillRef idx="3">
+              <a:schemeClr val="accent1"/>
+            </a:fillRef>
+            <a:effectRef idx="2">
+              <a:schemeClr val="accent1"/>
+            </a:effectRef>
+            <a:fontRef idx="minor">
+              <a:schemeClr val="lt1"/>
+            </a:fontRef>
+          </p:style>
+        </p:sp>
+        <p:sp>
+          <p:nvSpPr>
+            <p:cNvPr id="20" name="Isosceles Triangle 19">
+              <a:extLst>
+                <a:ext uri="{FF2B5EF4-FFF2-40B4-BE49-F238E27FC236}">
+                  <a16:creationId xmlns:a16="http://schemas.microsoft.com/office/drawing/2014/main" id="{0AF7217B-D042-44D2-9FC7-71FAB6651A47}"/>
+                </a:ext>
+                <a:ext uri="{C183D7F6-B498-43B3-948B-1728B52AA6E4}">
+                  <adec:decorative xmlns:adec="http://schemas.microsoft.com/office/drawing/2017/decorative" val="1"/>
+                </a:ext>
+              </a:extLst>
+            </p:cNvPr>
+            <p:cNvSpPr/>
+            <p:nvPr>
+              <p:extLst>
+                <p:ext uri="{386F3935-93C4-4BCD-93E2-E3B085C9AB24}">
+                  <p16:designElem xmlns:p16="http://schemas.microsoft.com/office/powerpoint/2015/main" val="1"/>
+                </p:ext>
+              </p:extLst>
+            </p:nvPr>
+          </p:nvSpPr>
+          <p:spPr>
+            <a:xfrm>
+              <a:off x="10371666" y="3589867"/>
+              <a:ext cx="1817159" cy="3268133"/>
+            </a:xfrm>
+            <a:prstGeom prst="triangle">
+              <a:avLst>
+                <a:gd name="adj" fmla="val 100000"/>
+              </a:avLst>
+            </a:prstGeom>
+            <a:solidFill>
+              <a:schemeClr val="accent1">
+                <a:lumMod val="75000"/>
+                <a:alpha val="66000"/>
+              </a:schemeClr>
+            </a:solidFill>
+            <a:ln>
+              <a:noFill/>
+            </a:ln>
+            <a:effectLst/>
+          </p:spPr>
+          <p:style>
+            <a:lnRef idx="1">
+              <a:schemeClr val="accent1"/>
+            </a:lnRef>
+            <a:fillRef idx="3">
+              <a:schemeClr val="accent1"/>
+            </a:fillRef>
+            <a:effectRef idx="2">
+              <a:schemeClr val="accent1"/>
+            </a:effectRef>
+            <a:fontRef idx="minor">
+              <a:schemeClr val="lt1"/>
+            </a:fontRef>
+          </p:style>
+        </p:sp>
+        <p:sp>
+          <p:nvSpPr>
+            <p:cNvPr id="21" name="Isosceles Triangle 20">
+              <a:extLst>
+                <a:ext uri="{FF2B5EF4-FFF2-40B4-BE49-F238E27FC236}">
+                  <a16:creationId xmlns:a16="http://schemas.microsoft.com/office/drawing/2014/main" id="{1CC9171B-8BEB-48B1-B9BE-E9584522D074}"/>
+                </a:ext>
+                <a:ext uri="{C183D7F6-B498-43B3-948B-1728B52AA6E4}">
+                  <adec:decorative xmlns:adec="http://schemas.microsoft.com/office/drawing/2017/decorative" val="1"/>
+                </a:ext>
+              </a:extLst>
+            </p:cNvPr>
+            <p:cNvSpPr/>
+            <p:nvPr>
+              <p:extLst>
+                <p:ext uri="{386F3935-93C4-4BCD-93E2-E3B085C9AB24}">
+                  <p16:designElem xmlns:p16="http://schemas.microsoft.com/office/powerpoint/2015/main" val="1"/>
+                </p:ext>
+              </p:extLst>
+            </p:nvPr>
+          </p:nvSpPr>
+          <p:spPr>
+            <a:xfrm>
+              <a:off x="0" y="4013200"/>
+              <a:ext cx="448733" cy="2844800"/>
+            </a:xfrm>
+            <a:prstGeom prst="triangle">
+              <a:avLst>
+                <a:gd name="adj" fmla="val 0"/>
+              </a:avLst>
+            </a:prstGeom>
+            <a:solidFill>
+              <a:schemeClr val="accent1">
+                <a:alpha val="70000"/>
+              </a:schemeClr>
+            </a:solidFill>
+            <a:ln>
+              <a:noFill/>
+            </a:ln>
+            <a:effectLst/>
+          </p:spPr>
+          <p:style>
+            <a:lnRef idx="1">
+              <a:schemeClr val="accent1"/>
+            </a:lnRef>
+            <a:fillRef idx="3">
+              <a:schemeClr val="accent1"/>
+            </a:fillRef>
+            <a:effectRef idx="2">
+              <a:schemeClr val="accent1"/>
+            </a:effectRef>
+            <a:fontRef idx="minor">
+              <a:schemeClr val="lt1"/>
+            </a:fontRef>
+          </p:style>
+        </p:sp>
+      </p:grpSp>
+      <p:sp>
+        <p:nvSpPr>
+          <p:cNvPr id="23" name="Rectangle 22">
+            <a:extLst>
+              <a:ext uri="{FF2B5EF4-FFF2-40B4-BE49-F238E27FC236}">
+                <a16:creationId xmlns:a16="http://schemas.microsoft.com/office/drawing/2014/main" id="{03E8462A-FEBA-4848-81CC-3F8DA3E477BE}"/>
+              </a:ext>
+              <a:ext uri="{C183D7F6-B498-43B3-948B-1728B52AA6E4}">
+                <adec:decorative xmlns:adec="http://schemas.microsoft.com/office/drawing/2017/decorative" val="1"/>
+              </a:ext>
+            </a:extLst>
+          </p:cNvPr>
+          <p:cNvSpPr>
+            <a:spLocks noGrp="1" noRot="1" noChangeAspect="1" noMove="1" noResize="1" noEditPoints="1" noAdjustHandles="1" noChangeArrowheads="1" noChangeShapeType="1" noTextEdit="1"/>
+          </p:cNvSpPr>
+          <p:nvPr>
+            <p:extLst>
+              <p:ext uri="{386F3935-93C4-4BCD-93E2-E3B085C9AB24}">
+                <p16:designElem xmlns:p16="http://schemas.microsoft.com/office/powerpoint/2015/main" val="1"/>
+              </p:ext>
+            </p:extLst>
+          </p:nvPr>
+        </p:nvSpPr>
+        <p:spPr>
+          <a:xfrm>
+            <a:off x="0" y="0"/>
+            <a:ext cx="12188952" cy="6858000"/>
+          </a:xfrm>
+          <a:prstGeom prst="rect">
+            <a:avLst/>
+          </a:prstGeom>
+          <a:solidFill>
+            <a:schemeClr val="accent2"/>
+          </a:solidFill>
+          <a:ln>
+            <a:noFill/>
+          </a:ln>
+        </p:spPr>
+        <p:style>
+          <a:lnRef idx="2">
+            <a:schemeClr val="accent1">
+              <a:shade val="50000"/>
+            </a:schemeClr>
+          </a:lnRef>
+          <a:fillRef idx="1">
+            <a:schemeClr val="accent1"/>
+          </a:fillRef>
+          <a:effectRef idx="0">
+            <a:schemeClr val="accent1"/>
+          </a:effectRef>
+          <a:fontRef idx="minor">
+            <a:schemeClr val="lt1"/>
+          </a:fontRef>
+        </p:style>
+        <p:txBody>
+          <a:bodyPr rtlCol="0" anchor="ctr"/>
+          <a:lstStyle/>
+          <a:p>
+            <a:pPr algn="ctr"/>
+            <a:endParaRPr lang="en-US"/>
+          </a:p>
+        </p:txBody>
+      </p:sp>
+      <p:grpSp>
+        <p:nvGrpSpPr>
+          <p:cNvPr id="25" name="Group 24">
+            <a:extLst>
+              <a:ext uri="{FF2B5EF4-FFF2-40B4-BE49-F238E27FC236}">
+                <a16:creationId xmlns:a16="http://schemas.microsoft.com/office/drawing/2014/main" id="{2109F83F-40FE-4DB3-84CC-09FB3340D06D}"/>
+              </a:ext>
+              <a:ext uri="{C183D7F6-B498-43B3-948B-1728B52AA6E4}">
+                <adec:decorative xmlns:adec="http://schemas.microsoft.com/office/drawing/2017/decorative" val="1"/>
+              </a:ext>
+            </a:extLst>
+          </p:cNvPr>
+          <p:cNvGrpSpPr>
+            <a:grpSpLocks noGrp="1" noUngrp="1" noRot="1" noChangeAspect="1" noMove="1" noResize="1"/>
+          </p:cNvGrpSpPr>
+          <p:nvPr>
+            <p:extLst>
+              <p:ext uri="{386F3935-93C4-4BCD-93E2-E3B085C9AB24}">
+                <p16:designElem xmlns:p16="http://schemas.microsoft.com/office/powerpoint/2015/main" val="1"/>
+              </p:ext>
+            </p:extLst>
+          </p:nvPr>
+        </p:nvGrpSpPr>
+        <p:grpSpPr>
+          <a:xfrm>
+            <a:off x="0" y="-8467"/>
+            <a:ext cx="12192000" cy="6866467"/>
+            <a:chOff x="0" y="-8467"/>
+            <a:chExt cx="12192000" cy="6866467"/>
+          </a:xfrm>
+        </p:grpSpPr>
+        <p:cxnSp>
+          <p:nvCxnSpPr>
+            <p:cNvPr id="26" name="Straight Connector 25">
+              <a:extLst>
+                <a:ext uri="{FF2B5EF4-FFF2-40B4-BE49-F238E27FC236}">
+                  <a16:creationId xmlns:a16="http://schemas.microsoft.com/office/drawing/2014/main" id="{1DE492D7-C3C3-48FF-80C8-37021EA0262F}"/>
+                </a:ext>
+                <a:ext uri="{C183D7F6-B498-43B3-948B-1728B52AA6E4}">
+                  <adec:decorative xmlns:adec="http://schemas.microsoft.com/office/drawing/2017/decorative" val="1"/>
+                </a:ext>
+              </a:extLst>
+            </p:cNvPr>
+            <p:cNvCxnSpPr/>
+            <p:nvPr>
+              <p:extLst>
+                <p:ext uri="{386F3935-93C4-4BCD-93E2-E3B085C9AB24}">
+                  <p16:designElem xmlns:p16="http://schemas.microsoft.com/office/powerpoint/2015/main" val="1"/>
+                </p:ext>
+              </p:extLst>
+            </p:nvPr>
+          </p:nvCxnSpPr>
+          <p:spPr>
+            <a:xfrm flipH="1">
+              <a:off x="7425267" y="3681413"/>
+              <a:ext cx="4763558" cy="3176587"/>
+            </a:xfrm>
+            <a:prstGeom prst="line">
+              <a:avLst/>
+            </a:prstGeom>
+            <a:ln w="9525">
+              <a:solidFill>
+                <a:schemeClr val="bg1">
+                  <a:lumMod val="85000"/>
+                </a:schemeClr>
+              </a:solidFill>
+            </a:ln>
+          </p:spPr>
+          <p:style>
+            <a:lnRef idx="2">
+              <a:schemeClr val="accent1"/>
+            </a:lnRef>
+            <a:fillRef idx="0">
+              <a:schemeClr val="accent1"/>
+            </a:fillRef>
+            <a:effectRef idx="1">
+              <a:schemeClr val="accent1"/>
+            </a:effectRef>
+            <a:fontRef idx="minor">
+              <a:schemeClr val="tx1"/>
+            </a:fontRef>
+          </p:style>
+        </p:cxnSp>
+        <p:sp>
+          <p:nvSpPr>
+            <p:cNvPr id="27" name="Rectangle 23">
+              <a:extLst>
+                <a:ext uri="{FF2B5EF4-FFF2-40B4-BE49-F238E27FC236}">
+                  <a16:creationId xmlns:a16="http://schemas.microsoft.com/office/drawing/2014/main" id="{0B30FF97-2E9A-490A-AED2-90BA2E0EC17F}"/>
+                </a:ext>
+                <a:ext uri="{C183D7F6-B498-43B3-948B-1728B52AA6E4}">
+                  <adec:decorative xmlns:adec="http://schemas.microsoft.com/office/drawing/2017/decorative" val="1"/>
+                </a:ext>
+              </a:extLst>
+            </p:cNvPr>
+            <p:cNvSpPr/>
+            <p:nvPr>
+              <p:extLst>
+                <p:ext uri="{386F3935-93C4-4BCD-93E2-E3B085C9AB24}">
+                  <p16:designElem xmlns:p16="http://schemas.microsoft.com/office/powerpoint/2015/main" val="1"/>
+                </p:ext>
+              </p:extLst>
+            </p:nvPr>
+          </p:nvSpPr>
+          <p:spPr>
+            <a:xfrm>
+              <a:off x="9181476" y="-8467"/>
+              <a:ext cx="3007349" cy="6866467"/>
+            </a:xfrm>
+            <a:custGeom>
+              <a:avLst/>
+              <a:gdLst/>
+              <a:ahLst/>
+              <a:cxnLst/>
+              <a:rect l="l" t="t" r="r" b="b"/>
+              <a:pathLst>
+                <a:path w="3007349" h="6866467">
+                  <a:moveTo>
+                    <a:pt x="2045532" y="0"/>
+                  </a:moveTo>
+                  <a:lnTo>
+                    <a:pt x="3007349" y="0"/>
+                  </a:lnTo>
+                  <a:lnTo>
+                    <a:pt x="3007349" y="6866467"/>
+                  </a:lnTo>
+                  <a:lnTo>
+                    <a:pt x="0" y="6866467"/>
+                  </a:lnTo>
+                  <a:lnTo>
+                    <a:pt x="2045532" y="0"/>
+                  </a:lnTo>
+                  <a:close/>
+                </a:path>
+              </a:pathLst>
+            </a:custGeom>
+            <a:solidFill>
+              <a:schemeClr val="accent1">
+                <a:alpha val="30000"/>
+              </a:schemeClr>
+            </a:solidFill>
+            <a:ln>
+              <a:noFill/>
+            </a:ln>
+            <a:effectLst/>
+          </p:spPr>
+          <p:style>
+            <a:lnRef idx="1">
+              <a:schemeClr val="accent1"/>
+            </a:lnRef>
+            <a:fillRef idx="3">
+              <a:schemeClr val="accent1"/>
+            </a:fillRef>
+            <a:effectRef idx="2">
+              <a:schemeClr val="accent1"/>
+            </a:effectRef>
+            <a:fontRef idx="minor">
+              <a:schemeClr val="lt1"/>
+            </a:fontRef>
+          </p:style>
+        </p:sp>
+        <p:sp>
+          <p:nvSpPr>
+            <p:cNvPr id="28" name="Rectangle 25">
+              <a:extLst>
+                <a:ext uri="{FF2B5EF4-FFF2-40B4-BE49-F238E27FC236}">
+                  <a16:creationId xmlns:a16="http://schemas.microsoft.com/office/drawing/2014/main" id="{B6D53C7D-A312-47B6-A66A-230A19CFACA6}"/>
+                </a:ext>
+                <a:ext uri="{C183D7F6-B498-43B3-948B-1728B52AA6E4}">
+                  <adec:decorative xmlns:adec="http://schemas.microsoft.com/office/drawing/2017/decorative" val="1"/>
+                </a:ext>
+              </a:extLst>
+            </p:cNvPr>
+            <p:cNvSpPr/>
+            <p:nvPr>
+              <p:extLst>
+                <p:ext uri="{386F3935-93C4-4BCD-93E2-E3B085C9AB24}">
+                  <p16:designElem xmlns:p16="http://schemas.microsoft.com/office/powerpoint/2015/main" val="1"/>
+                </p:ext>
+              </p:extLst>
+            </p:nvPr>
+          </p:nvSpPr>
+          <p:spPr>
+            <a:xfrm>
+              <a:off x="9603442" y="-8467"/>
+              <a:ext cx="2588558" cy="6866467"/>
+            </a:xfrm>
+            <a:custGeom>
+              <a:avLst/>
+              <a:gdLst/>
+              <a:ahLst/>
+              <a:cxnLst/>
+              <a:rect l="l" t="t" r="r" b="b"/>
+              <a:pathLst>
+                <a:path w="2573311" h="6866467">
+                  <a:moveTo>
+                    <a:pt x="0" y="0"/>
+                  </a:moveTo>
+                  <a:lnTo>
+                    <a:pt x="2573311" y="0"/>
+                  </a:lnTo>
+                  <a:lnTo>
+                    <a:pt x="2573311" y="6866467"/>
+                  </a:lnTo>
+                  <a:lnTo>
+                    <a:pt x="1202336" y="6866467"/>
+                  </a:lnTo>
+                  <a:lnTo>
+                    <a:pt x="0" y="0"/>
+                  </a:lnTo>
+                  <a:close/>
+                </a:path>
+              </a:pathLst>
+            </a:custGeom>
+            <a:solidFill>
+              <a:schemeClr val="accent1">
+                <a:alpha val="20000"/>
+              </a:schemeClr>
+            </a:solidFill>
+            <a:ln>
+              <a:noFill/>
+            </a:ln>
+            <a:effectLst/>
+          </p:spPr>
+          <p:style>
+            <a:lnRef idx="1">
+              <a:schemeClr val="accent1"/>
+            </a:lnRef>
+            <a:fillRef idx="3">
+              <a:schemeClr val="accent1"/>
+            </a:fillRef>
+            <a:effectRef idx="2">
+              <a:schemeClr val="accent1"/>
+            </a:effectRef>
+            <a:fontRef idx="minor">
+              <a:schemeClr val="lt1"/>
+            </a:fontRef>
+          </p:style>
+        </p:sp>
+        <p:sp>
+          <p:nvSpPr>
+            <p:cNvPr id="29" name="Isosceles Triangle 28">
+              <a:extLst>
+                <a:ext uri="{FF2B5EF4-FFF2-40B4-BE49-F238E27FC236}">
+                  <a16:creationId xmlns:a16="http://schemas.microsoft.com/office/drawing/2014/main" id="{9329D58C-0D2E-4A2B-AD6A-9CEE506784A8}"/>
+                </a:ext>
+                <a:ext uri="{C183D7F6-B498-43B3-948B-1728B52AA6E4}">
+                  <adec:decorative xmlns:adec="http://schemas.microsoft.com/office/drawing/2017/decorative" val="1"/>
+                </a:ext>
+              </a:extLst>
+            </p:cNvPr>
+            <p:cNvSpPr/>
+            <p:nvPr>
+              <p:extLst>
+                <p:ext uri="{386F3935-93C4-4BCD-93E2-E3B085C9AB24}">
+                  <p16:designElem xmlns:p16="http://schemas.microsoft.com/office/powerpoint/2015/main" val="1"/>
+                </p:ext>
+              </p:extLst>
+            </p:nvPr>
+          </p:nvSpPr>
+          <p:spPr>
+            <a:xfrm>
+              <a:off x="8932333" y="3048000"/>
+              <a:ext cx="3259667" cy="3810000"/>
+            </a:xfrm>
+            <a:prstGeom prst="triangle">
+              <a:avLst>
+                <a:gd name="adj" fmla="val 100000"/>
+              </a:avLst>
+            </a:prstGeom>
+            <a:solidFill>
+              <a:schemeClr val="accent2">
+                <a:alpha val="72000"/>
+              </a:schemeClr>
+            </a:solidFill>
+            <a:ln>
+              <a:noFill/>
+            </a:ln>
+            <a:effectLst/>
+          </p:spPr>
+          <p:style>
+            <a:lnRef idx="1">
+              <a:schemeClr val="accent1"/>
+            </a:lnRef>
+            <a:fillRef idx="3">
+              <a:schemeClr val="accent1"/>
+            </a:fillRef>
+            <a:effectRef idx="2">
+              <a:schemeClr val="accent1"/>
+            </a:effectRef>
+            <a:fontRef idx="minor">
+              <a:schemeClr val="lt1"/>
+            </a:fontRef>
+          </p:style>
+        </p:sp>
+        <p:sp>
+          <p:nvSpPr>
+            <p:cNvPr id="30" name="Rectangle 27">
+              <a:extLst>
+                <a:ext uri="{FF2B5EF4-FFF2-40B4-BE49-F238E27FC236}">
+                  <a16:creationId xmlns:a16="http://schemas.microsoft.com/office/drawing/2014/main" id="{9D446EDE-C690-4461-8BF2-7634808FC8B4}"/>
+                </a:ext>
+                <a:ext uri="{C183D7F6-B498-43B3-948B-1728B52AA6E4}">
+                  <adec:decorative xmlns:adec="http://schemas.microsoft.com/office/drawing/2017/decorative" val="1"/>
+                </a:ext>
+              </a:extLst>
+            </p:cNvPr>
+            <p:cNvSpPr/>
+            <p:nvPr>
+              <p:extLst>
+                <p:ext uri="{386F3935-93C4-4BCD-93E2-E3B085C9AB24}">
+                  <p16:designElem xmlns:p16="http://schemas.microsoft.com/office/powerpoint/2015/main" val="1"/>
+                </p:ext>
+              </p:extLst>
+            </p:nvPr>
+          </p:nvSpPr>
+          <p:spPr>
+            <a:xfrm>
+              <a:off x="9334500" y="-8467"/>
+              <a:ext cx="2854326" cy="6866467"/>
+            </a:xfrm>
+            <a:custGeom>
+              <a:avLst/>
+              <a:gdLst/>
+              <a:ahLst/>
+              <a:cxnLst/>
+              <a:rect l="l" t="t" r="r" b="b"/>
+              <a:pathLst>
+                <a:path w="2858013" h="6866467">
+                  <a:moveTo>
+                    <a:pt x="0" y="0"/>
+                  </a:moveTo>
+                  <a:lnTo>
+                    <a:pt x="2858013" y="0"/>
+                  </a:lnTo>
+                  <a:lnTo>
+                    <a:pt x="2858013" y="6866467"/>
+                  </a:lnTo>
+                  <a:lnTo>
+                    <a:pt x="2473942" y="6866467"/>
+                  </a:lnTo>
+                  <a:lnTo>
+                    <a:pt x="0" y="0"/>
+                  </a:lnTo>
+                  <a:close/>
+                </a:path>
+              </a:pathLst>
+            </a:custGeom>
+            <a:solidFill>
+              <a:schemeClr val="accent2">
+                <a:lumMod val="75000"/>
+                <a:alpha val="70000"/>
+              </a:schemeClr>
+            </a:solidFill>
+            <a:ln>
+              <a:noFill/>
+            </a:ln>
+            <a:effectLst/>
+          </p:spPr>
+          <p:style>
+            <a:lnRef idx="1">
+              <a:schemeClr val="accent1"/>
+            </a:lnRef>
+            <a:fillRef idx="3">
+              <a:schemeClr val="accent1"/>
+            </a:fillRef>
+            <a:effectRef idx="2">
+              <a:schemeClr val="accent1"/>
+            </a:effectRef>
+            <a:fontRef idx="minor">
+              <a:schemeClr val="lt1"/>
+            </a:fontRef>
+          </p:style>
+        </p:sp>
+        <p:sp>
+          <p:nvSpPr>
+            <p:cNvPr id="31" name="Rectangle 28">
+              <a:extLst>
+                <a:ext uri="{FF2B5EF4-FFF2-40B4-BE49-F238E27FC236}">
+                  <a16:creationId xmlns:a16="http://schemas.microsoft.com/office/drawing/2014/main" id="{323F3D34-6531-4AD7-A8C6-195A090281A1}"/>
+                </a:ext>
+                <a:ext uri="{C183D7F6-B498-43B3-948B-1728B52AA6E4}">
+                  <adec:decorative xmlns:adec="http://schemas.microsoft.com/office/drawing/2017/decorative" val="1"/>
+                </a:ext>
+              </a:extLst>
+            </p:cNvPr>
+            <p:cNvSpPr/>
+            <p:nvPr>
+              <p:extLst>
+                <p:ext uri="{386F3935-93C4-4BCD-93E2-E3B085C9AB24}">
+                  <p16:designElem xmlns:p16="http://schemas.microsoft.com/office/powerpoint/2015/main" val="1"/>
+                </p:ext>
+              </p:extLst>
+            </p:nvPr>
+          </p:nvSpPr>
+          <p:spPr>
+            <a:xfrm>
+              <a:off x="10898730" y="-8467"/>
+              <a:ext cx="1290094" cy="6866467"/>
+            </a:xfrm>
+            <a:custGeom>
+              <a:avLst/>
+              <a:gdLst/>
+              <a:ahLst/>
+              <a:cxnLst/>
+              <a:rect l="l" t="t" r="r" b="b"/>
+              <a:pathLst>
+                <a:path w="1290094" h="6858000">
+                  <a:moveTo>
+                    <a:pt x="1019735" y="0"/>
+                  </a:moveTo>
+                  <a:lnTo>
+                    <a:pt x="1290094" y="0"/>
+                  </a:lnTo>
+                  <a:lnTo>
+                    <a:pt x="1290094" y="6858000"/>
+                  </a:lnTo>
+                  <a:lnTo>
+                    <a:pt x="0" y="6858000"/>
+                  </a:lnTo>
+                  <a:lnTo>
+                    <a:pt x="1019735" y="0"/>
+                  </a:lnTo>
+                  <a:close/>
+                </a:path>
+              </a:pathLst>
+            </a:custGeom>
+            <a:solidFill>
+              <a:schemeClr val="accent1">
+                <a:lumMod val="60000"/>
+                <a:lumOff val="40000"/>
+                <a:alpha val="70000"/>
+              </a:schemeClr>
+            </a:solidFill>
+            <a:ln>
+              <a:noFill/>
+            </a:ln>
+            <a:effectLst/>
+          </p:spPr>
+          <p:style>
+            <a:lnRef idx="1">
+              <a:schemeClr val="accent1"/>
+            </a:lnRef>
+            <a:fillRef idx="3">
+              <a:schemeClr val="accent1"/>
+            </a:fillRef>
+            <a:effectRef idx="2">
+              <a:schemeClr val="accent1"/>
+            </a:effectRef>
+            <a:fontRef idx="minor">
+              <a:schemeClr val="lt1"/>
+            </a:fontRef>
+          </p:style>
+        </p:sp>
+        <p:sp>
+          <p:nvSpPr>
+            <p:cNvPr id="32" name="Rectangle 29">
+              <a:extLst>
+                <a:ext uri="{FF2B5EF4-FFF2-40B4-BE49-F238E27FC236}">
+                  <a16:creationId xmlns:a16="http://schemas.microsoft.com/office/drawing/2014/main" id="{B9B0AE3F-2350-435F-A9B0-C310BF876385}"/>
+                </a:ext>
+                <a:ext uri="{C183D7F6-B498-43B3-948B-1728B52AA6E4}">
+                  <adec:decorative xmlns:adec="http://schemas.microsoft.com/office/drawing/2017/decorative" val="1"/>
+                </a:ext>
+              </a:extLst>
+            </p:cNvPr>
+            <p:cNvSpPr/>
+            <p:nvPr>
+              <p:extLst>
+                <p:ext uri="{386F3935-93C4-4BCD-93E2-E3B085C9AB24}">
+                  <p16:designElem xmlns:p16="http://schemas.microsoft.com/office/powerpoint/2015/main" val="1"/>
+                </p:ext>
+              </p:extLst>
+            </p:nvPr>
+          </p:nvSpPr>
+          <p:spPr>
+            <a:xfrm>
+              <a:off x="10938999" y="-8467"/>
+              <a:ext cx="1249825" cy="6866467"/>
+            </a:xfrm>
+            <a:custGeom>
+              <a:avLst/>
+              <a:gdLst/>
+              <a:ahLst/>
+              <a:cxnLst/>
+              <a:rect l="l" t="t" r="r" b="b"/>
+              <a:pathLst>
+                <a:path w="1249825" h="6858000">
+                  <a:moveTo>
+                    <a:pt x="0" y="0"/>
+                  </a:moveTo>
+                  <a:lnTo>
+                    <a:pt x="1249825" y="0"/>
+                  </a:lnTo>
+                  <a:lnTo>
+                    <a:pt x="1249825" y="6858000"/>
+                  </a:lnTo>
+                  <a:lnTo>
+                    <a:pt x="1109382" y="6858000"/>
+                  </a:lnTo>
+                  <a:lnTo>
+                    <a:pt x="0" y="0"/>
+                  </a:lnTo>
+                  <a:close/>
+                </a:path>
+              </a:pathLst>
+            </a:custGeom>
+            <a:solidFill>
+              <a:schemeClr val="accent1">
+                <a:alpha val="65000"/>
+              </a:schemeClr>
+            </a:solidFill>
+            <a:ln>
+              <a:noFill/>
+            </a:ln>
+            <a:effectLst/>
+          </p:spPr>
+          <p:style>
+            <a:lnRef idx="1">
+              <a:schemeClr val="accent1"/>
+            </a:lnRef>
+            <a:fillRef idx="3">
+              <a:schemeClr val="accent1"/>
+            </a:fillRef>
+            <a:effectRef idx="2">
+              <a:schemeClr val="accent1"/>
+            </a:effectRef>
+            <a:fontRef idx="minor">
+              <a:schemeClr val="lt1"/>
+            </a:fontRef>
+          </p:style>
+        </p:sp>
+        <p:sp>
+          <p:nvSpPr>
+            <p:cNvPr id="33" name="Isosceles Triangle 32">
+              <a:extLst>
+                <a:ext uri="{FF2B5EF4-FFF2-40B4-BE49-F238E27FC236}">
+                  <a16:creationId xmlns:a16="http://schemas.microsoft.com/office/drawing/2014/main" id="{4EFA655C-9E50-4C14-A89E-AD7B648E4E2B}"/>
+                </a:ext>
+                <a:ext uri="{C183D7F6-B498-43B3-948B-1728B52AA6E4}">
+                  <adec:decorative xmlns:adec="http://schemas.microsoft.com/office/drawing/2017/decorative" val="1"/>
+                </a:ext>
+              </a:extLst>
+            </p:cNvPr>
+            <p:cNvSpPr/>
+            <p:nvPr>
+              <p:extLst>
+                <p:ext uri="{386F3935-93C4-4BCD-93E2-E3B085C9AB24}">
+                  <p16:designElem xmlns:p16="http://schemas.microsoft.com/office/powerpoint/2015/main" val="1"/>
+                </p:ext>
+              </p:extLst>
+            </p:nvPr>
+          </p:nvSpPr>
+          <p:spPr>
+            <a:xfrm>
+              <a:off x="10371666" y="3589867"/>
+              <a:ext cx="1817159" cy="3268133"/>
+            </a:xfrm>
+            <a:prstGeom prst="triangle">
+              <a:avLst>
+                <a:gd name="adj" fmla="val 100000"/>
+              </a:avLst>
+            </a:prstGeom>
+            <a:solidFill>
+              <a:schemeClr val="accent1">
+                <a:alpha val="80000"/>
+              </a:schemeClr>
+            </a:solidFill>
+            <a:ln>
+              <a:noFill/>
+            </a:ln>
+            <a:effectLst/>
+          </p:spPr>
+          <p:style>
+            <a:lnRef idx="1">
+              <a:schemeClr val="accent1"/>
+            </a:lnRef>
+            <a:fillRef idx="3">
+              <a:schemeClr val="accent1"/>
+            </a:fillRef>
+            <a:effectRef idx="2">
+              <a:schemeClr val="accent1"/>
+            </a:effectRef>
+            <a:fontRef idx="minor">
+              <a:schemeClr val="lt1"/>
+            </a:fontRef>
+          </p:style>
+        </p:sp>
+        <p:sp>
+          <p:nvSpPr>
+            <p:cNvPr id="34" name="Isosceles Triangle 33">
+              <a:extLst>
+                <a:ext uri="{FF2B5EF4-FFF2-40B4-BE49-F238E27FC236}">
+                  <a16:creationId xmlns:a16="http://schemas.microsoft.com/office/drawing/2014/main" id="{3E843863-7D25-4C01-9A17-E817CB6D998A}"/>
+                </a:ext>
+                <a:ext uri="{C183D7F6-B498-43B3-948B-1728B52AA6E4}">
+                  <adec:decorative xmlns:adec="http://schemas.microsoft.com/office/drawing/2017/decorative" val="1"/>
+                </a:ext>
+              </a:extLst>
+            </p:cNvPr>
+            <p:cNvSpPr/>
+            <p:nvPr>
+              <p:extLst>
+                <p:ext uri="{386F3935-93C4-4BCD-93E2-E3B085C9AB24}">
+                  <p16:designElem xmlns:p16="http://schemas.microsoft.com/office/powerpoint/2015/main" val="1"/>
+                </p:ext>
+              </p:extLst>
+            </p:nvPr>
+          </p:nvSpPr>
+          <p:spPr>
+            <a:xfrm>
+              <a:off x="0" y="4013200"/>
+              <a:ext cx="448733" cy="2844800"/>
+            </a:xfrm>
+            <a:prstGeom prst="triangle">
+              <a:avLst>
+                <a:gd name="adj" fmla="val 0"/>
+              </a:avLst>
+            </a:prstGeom>
+            <a:solidFill>
+              <a:schemeClr val="accent1">
+                <a:alpha val="85000"/>
+              </a:schemeClr>
+            </a:solidFill>
+            <a:ln>
+              <a:noFill/>
+            </a:ln>
+            <a:effectLst/>
+          </p:spPr>
+          <p:style>
+            <a:lnRef idx="1">
+              <a:schemeClr val="accent1"/>
+            </a:lnRef>
+            <a:fillRef idx="3">
+              <a:schemeClr val="accent1"/>
+            </a:fillRef>
+            <a:effectRef idx="2">
+              <a:schemeClr val="accent1"/>
+            </a:effectRef>
+            <a:fontRef idx="minor">
+              <a:schemeClr val="lt1"/>
+            </a:fontRef>
+          </p:style>
+        </p:sp>
+      </p:grpSp>
+      <p:sp>
+        <p:nvSpPr>
+          <p:cNvPr id="36" name="Rectangle 35">
+            <a:extLst>
+              <a:ext uri="{FF2B5EF4-FFF2-40B4-BE49-F238E27FC236}">
+                <a16:creationId xmlns:a16="http://schemas.microsoft.com/office/drawing/2014/main" id="{7941F9B1-B01B-4A84-89D9-B169AEB4E456}"/>
+              </a:ext>
+              <a:ext uri="{C183D7F6-B498-43B3-948B-1728B52AA6E4}">
+                <adec:decorative xmlns:adec="http://schemas.microsoft.com/office/drawing/2017/decorative" val="1"/>
+              </a:ext>
+            </a:extLst>
+          </p:cNvPr>
+          <p:cNvSpPr>
+            <a:spLocks noGrp="1" noRot="1" noChangeAspect="1" noMove="1" noResize="1" noEditPoints="1" noAdjustHandles="1" noChangeArrowheads="1" noChangeShapeType="1" noTextEdit="1"/>
+          </p:cNvSpPr>
+          <p:nvPr>
+            <p:extLst>
+              <p:ext uri="{386F3935-93C4-4BCD-93E2-E3B085C9AB24}">
+                <p16:designElem xmlns:p16="http://schemas.microsoft.com/office/powerpoint/2015/main" val="1"/>
+              </p:ext>
+            </p:extLst>
+          </p:nvPr>
+        </p:nvSpPr>
+        <p:spPr>
+          <a:xfrm>
+            <a:off x="477012" y="480060"/>
+            <a:ext cx="11237976" cy="5897880"/>
+          </a:xfrm>
+          <a:prstGeom prst="rect">
+            <a:avLst/>
+          </a:prstGeom>
+          <a:solidFill>
+            <a:srgbClr val="FFFFFF"/>
+          </a:solidFill>
+          <a:ln w="9525">
+            <a:noFill/>
+          </a:ln>
+          <a:effectLst>
+            <a:outerShdw blurRad="63500" dist="17780" dir="5400000" algn="t" rotWithShape="0">
+              <a:prstClr val="black">
+                <a:alpha val="43000"/>
+              </a:prstClr>
+            </a:outerShdw>
+          </a:effectLst>
+        </p:spPr>
+        <p:style>
+          <a:lnRef idx="2">
+            <a:schemeClr val="accent1">
+              <a:shade val="50000"/>
+            </a:schemeClr>
+          </a:lnRef>
+          <a:fillRef idx="1">
+            <a:schemeClr val="accent1"/>
+          </a:fillRef>
+          <a:effectRef idx="0">
+            <a:schemeClr val="accent1"/>
+          </a:effectRef>
+          <a:fontRef idx="minor">
+            <a:schemeClr val="lt1"/>
+          </a:fontRef>
+        </p:style>
+        <p:txBody>
+          <a:bodyPr rtlCol="0" anchor="ctr"/>
+          <a:lstStyle/>
+          <a:p>
+            <a:pPr algn="ctr"/>
+            <a:endParaRPr lang="en-US"/>
+          </a:p>
+        </p:txBody>
+      </p:sp>
+      <p:pic>
+        <p:nvPicPr>
+          <p:cNvPr id="6" name="Marcador de contenido 5">
+            <a:extLst>
+              <a:ext uri="{FF2B5EF4-FFF2-40B4-BE49-F238E27FC236}">
+                <a16:creationId xmlns:a16="http://schemas.microsoft.com/office/drawing/2014/main" id="{5815DCEC-638F-4F93-824A-240206086BF8}"/>
+              </a:ext>
+            </a:extLst>
+          </p:cNvPr>
+          <p:cNvPicPr>
+            <a:picLocks noGrp="1" noChangeAspect="1"/>
+          </p:cNvPicPr>
+          <p:nvPr>
+            <p:ph idx="1"/>
+          </p:nvPr>
+        </p:nvPicPr>
+        <p:blipFill>
+          <a:blip r:embed="rId2"/>
+          <a:stretch>
+            <a:fillRect/>
+          </a:stretch>
+        </p:blipFill>
+        <p:spPr>
+          <a:xfrm>
+            <a:off x="2377876" y="1131994"/>
+            <a:ext cx="7438125" cy="4590386"/>
+          </a:xfrm>
+          <a:prstGeom prst="rect">
+            <a:avLst/>
+          </a:prstGeom>
+        </p:spPr>
+      </p:pic>
+    </p:spTree>
+    <p:extLst>
+      <p:ext uri="{BB962C8B-B14F-4D97-AF65-F5344CB8AC3E}">
+        <p14:creationId xmlns:p14="http://schemas.microsoft.com/office/powerpoint/2010/main" val="1956611546"/>
+      </p:ext>
+    </p:extLst>
+  </p:cSld>
+  <p:clrMapOvr>
+    <a:masterClrMapping/>
+  </p:clrMapOvr>
+</p:sld>
+</file>
+
+<file path=ppt/slides/slide7.xml><?xml version="1.0" encoding="utf-8"?>
+<p:sld xmlns:a="http://schemas.openxmlformats.org/drawingml/2006/main" xmlns:r="http://schemas.openxmlformats.org/officeDocument/2006/relationships" xmlns:p="http://schemas.openxmlformats.org/presentationml/2006/main">
+  <p:cSld>
+    <p:bg>
+      <p:bgPr>
+        <a:solidFill>
+          <a:schemeClr val="bg1"/>
+        </a:solidFill>
+        <a:effectLst/>
+      </p:bgPr>
+    </p:bg>
+    <p:spTree>
+      <p:nvGrpSpPr>
+        <p:cNvPr id="1" name=""/>
+        <p:cNvGrpSpPr/>
+        <p:nvPr/>
+      </p:nvGrpSpPr>
+      <p:grpSpPr>
+        <a:xfrm>
+          <a:off x="0" y="0"/>
+          <a:ext cx="0" cy="0"/>
+          <a:chOff x="0" y="0"/>
+          <a:chExt cx="0" cy="0"/>
+        </a:xfrm>
+      </p:grpSpPr>
+      <p:grpSp>
+        <p:nvGrpSpPr>
+          <p:cNvPr id="10" name="Group 9">
+            <a:extLst>
+              <a:ext uri="{FF2B5EF4-FFF2-40B4-BE49-F238E27FC236}">
+                <a16:creationId xmlns:a16="http://schemas.microsoft.com/office/drawing/2014/main" id="{A4D026A2-7476-44B0-9648-BB98882F7BA3}"/>
+              </a:ext>
+              <a:ext uri="{C183D7F6-B498-43B3-948B-1728B52AA6E4}">
+                <adec:decorative xmlns:adec="http://schemas.microsoft.com/office/drawing/2017/decorative" val="1"/>
+              </a:ext>
+            </a:extLst>
+          </p:cNvPr>
+          <p:cNvGrpSpPr>
+            <a:grpSpLocks noGrp="1" noUngrp="1" noRot="1" noChangeAspect="1" noMove="1" noResize="1"/>
+          </p:cNvGrpSpPr>
+          <p:nvPr>
+            <p:extLst>
+              <p:ext uri="{386F3935-93C4-4BCD-93E2-E3B085C9AB24}">
+                <p16:designElem xmlns:p16="http://schemas.microsoft.com/office/powerpoint/2015/main" val="1"/>
+              </p:ext>
+            </p:extLst>
+          </p:nvPr>
+        </p:nvGrpSpPr>
+        <p:grpSpPr>
+          <a:xfrm>
+            <a:off x="0" y="-8467"/>
+            <a:ext cx="12192000" cy="6866467"/>
+            <a:chOff x="0" y="-8467"/>
+            <a:chExt cx="12192000" cy="6866467"/>
+          </a:xfrm>
+        </p:grpSpPr>
+        <p:cxnSp>
+          <p:nvCxnSpPr>
+            <p:cNvPr id="11" name="Straight Connector 10">
+              <a:extLst>
+                <a:ext uri="{FF2B5EF4-FFF2-40B4-BE49-F238E27FC236}">
+                  <a16:creationId xmlns:a16="http://schemas.microsoft.com/office/drawing/2014/main" id="{48F8FC21-0A44-4045-95A1-B7935DBC603D}"/>
+                </a:ext>
+                <a:ext uri="{C183D7F6-B498-43B3-948B-1728B52AA6E4}">
+                  <adec:decorative xmlns:adec="http://schemas.microsoft.com/office/drawing/2017/decorative" val="1"/>
+                </a:ext>
+              </a:extLst>
+            </p:cNvPr>
+            <p:cNvCxnSpPr/>
+            <p:nvPr>
+              <p:extLst>
+                <p:ext uri="{386F3935-93C4-4BCD-93E2-E3B085C9AB24}">
+                  <p16:designElem xmlns:p16="http://schemas.microsoft.com/office/powerpoint/2015/main" val="1"/>
+                </p:ext>
+              </p:extLst>
+            </p:nvPr>
+          </p:nvCxnSpPr>
+          <p:spPr>
+            <a:xfrm>
+              <a:off x="9371012" y="0"/>
+              <a:ext cx="1219200" cy="6858000"/>
+            </a:xfrm>
+            <a:prstGeom prst="line">
+              <a:avLst/>
+            </a:prstGeom>
+            <a:ln w="9525">
+              <a:solidFill>
+                <a:schemeClr val="accent1">
+                  <a:alpha val="70000"/>
+                </a:schemeClr>
+              </a:solidFill>
+            </a:ln>
+          </p:spPr>
+          <p:style>
+            <a:lnRef idx="2">
+              <a:schemeClr val="accent1"/>
+            </a:lnRef>
+            <a:fillRef idx="0">
+              <a:schemeClr val="accent1"/>
+            </a:fillRef>
+            <a:effectRef idx="1">
+              <a:schemeClr val="accent1"/>
+            </a:effectRef>
+            <a:fontRef idx="minor">
+              <a:schemeClr val="tx1"/>
+            </a:fontRef>
+          </p:style>
+        </p:cxnSp>
+        <p:cxnSp>
+          <p:nvCxnSpPr>
+            <p:cNvPr id="52" name="Straight Connector 11">
+              <a:extLst>
+                <a:ext uri="{FF2B5EF4-FFF2-40B4-BE49-F238E27FC236}">
+                  <a16:creationId xmlns:a16="http://schemas.microsoft.com/office/drawing/2014/main" id="{0209B962-CD29-4D46-A7B0-10F6C7CF1C0F}"/>
+                </a:ext>
+                <a:ext uri="{C183D7F6-B498-43B3-948B-1728B52AA6E4}">
+                  <adec:decorative xmlns:adec="http://schemas.microsoft.com/office/drawing/2017/decorative" val="1"/>
+                </a:ext>
+              </a:extLst>
+            </p:cNvPr>
+            <p:cNvCxnSpPr/>
+            <p:nvPr>
+              <p:extLst>
+                <p:ext uri="{386F3935-93C4-4BCD-93E2-E3B085C9AB24}">
+                  <p16:designElem xmlns:p16="http://schemas.microsoft.com/office/powerpoint/2015/main" val="1"/>
+                </p:ext>
+              </p:extLst>
+            </p:nvPr>
+          </p:nvCxnSpPr>
+          <p:spPr>
+            <a:xfrm flipH="1">
+              <a:off x="7425267" y="3681413"/>
+              <a:ext cx="4763558" cy="3176587"/>
+            </a:xfrm>
+            <a:prstGeom prst="line">
+              <a:avLst/>
+            </a:prstGeom>
+            <a:ln w="9525">
+              <a:solidFill>
+                <a:schemeClr val="accent1">
+                  <a:alpha val="70000"/>
+                </a:schemeClr>
+              </a:solidFill>
+            </a:ln>
+          </p:spPr>
+          <p:style>
+            <a:lnRef idx="2">
+              <a:schemeClr val="accent1"/>
+            </a:lnRef>
+            <a:fillRef idx="0">
+              <a:schemeClr val="accent1"/>
+            </a:fillRef>
+            <a:effectRef idx="1">
+              <a:schemeClr val="accent1"/>
+            </a:effectRef>
+            <a:fontRef idx="minor">
+              <a:schemeClr val="tx1"/>
+            </a:fontRef>
+          </p:style>
+        </p:cxnSp>
+        <p:sp>
+          <p:nvSpPr>
+            <p:cNvPr id="53" name="Rectangle 23">
+              <a:extLst>
+                <a:ext uri="{FF2B5EF4-FFF2-40B4-BE49-F238E27FC236}">
+                  <a16:creationId xmlns:a16="http://schemas.microsoft.com/office/drawing/2014/main" id="{CC8D40CF-4D47-411D-A8B7-0E4B29E9832B}"/>
+                </a:ext>
+                <a:ext uri="{C183D7F6-B498-43B3-948B-1728B52AA6E4}">
+                  <adec:decorative xmlns:adec="http://schemas.microsoft.com/office/drawing/2017/decorative" val="1"/>
+                </a:ext>
+              </a:extLst>
+            </p:cNvPr>
+            <p:cNvSpPr/>
+            <p:nvPr>
+              <p:extLst>
+                <p:ext uri="{386F3935-93C4-4BCD-93E2-E3B085C9AB24}">
+                  <p16:designElem xmlns:p16="http://schemas.microsoft.com/office/powerpoint/2015/main" val="1"/>
+                </p:ext>
+              </p:extLst>
+            </p:nvPr>
+          </p:nvSpPr>
+          <p:spPr>
+            <a:xfrm>
+              <a:off x="9181476" y="-8467"/>
+              <a:ext cx="3007349" cy="6866467"/>
+            </a:xfrm>
+            <a:custGeom>
+              <a:avLst/>
+              <a:gdLst/>
+              <a:ahLst/>
+              <a:cxnLst/>
+              <a:rect l="l" t="t" r="r" b="b"/>
+              <a:pathLst>
+                <a:path w="3007349" h="6866467">
+                  <a:moveTo>
+                    <a:pt x="2045532" y="0"/>
+                  </a:moveTo>
+                  <a:lnTo>
+                    <a:pt x="3007349" y="0"/>
+                  </a:lnTo>
+                  <a:lnTo>
+                    <a:pt x="3007349" y="6866467"/>
+                  </a:lnTo>
+                  <a:lnTo>
+                    <a:pt x="0" y="6866467"/>
+                  </a:lnTo>
+                  <a:lnTo>
+                    <a:pt x="2045532" y="0"/>
+                  </a:lnTo>
+                  <a:close/>
+                </a:path>
+              </a:pathLst>
+            </a:custGeom>
+            <a:solidFill>
+              <a:schemeClr val="accent1">
+                <a:alpha val="36000"/>
+              </a:schemeClr>
+            </a:solidFill>
+            <a:ln>
+              <a:noFill/>
+            </a:ln>
+            <a:effectLst/>
+          </p:spPr>
+          <p:style>
+            <a:lnRef idx="1">
+              <a:schemeClr val="accent1"/>
+            </a:lnRef>
+            <a:fillRef idx="3">
+              <a:schemeClr val="accent1"/>
+            </a:fillRef>
+            <a:effectRef idx="2">
+              <a:schemeClr val="accent1"/>
+            </a:effectRef>
+            <a:fontRef idx="minor">
+              <a:schemeClr val="lt1"/>
+            </a:fontRef>
+          </p:style>
+        </p:sp>
+        <p:sp>
+          <p:nvSpPr>
+            <p:cNvPr id="54" name="Rectangle 25">
+              <a:extLst>
+                <a:ext uri="{FF2B5EF4-FFF2-40B4-BE49-F238E27FC236}">
+                  <a16:creationId xmlns:a16="http://schemas.microsoft.com/office/drawing/2014/main" id="{9B48A2AD-5257-4384-A7F5-A1EE4E6883A5}"/>
+                </a:ext>
+                <a:ext uri="{C183D7F6-B498-43B3-948B-1728B52AA6E4}">
+                  <adec:decorative xmlns:adec="http://schemas.microsoft.com/office/drawing/2017/decorative" val="1"/>
+                </a:ext>
+              </a:extLst>
+            </p:cNvPr>
+            <p:cNvSpPr/>
+            <p:nvPr>
+              <p:extLst>
+                <p:ext uri="{386F3935-93C4-4BCD-93E2-E3B085C9AB24}">
+                  <p16:designElem xmlns:p16="http://schemas.microsoft.com/office/powerpoint/2015/main" val="1"/>
+                </p:ext>
+              </p:extLst>
+            </p:nvPr>
+          </p:nvSpPr>
+          <p:spPr>
+            <a:xfrm>
+              <a:off x="9603442" y="-8467"/>
+              <a:ext cx="2588558" cy="6866467"/>
+            </a:xfrm>
+            <a:custGeom>
+              <a:avLst/>
+              <a:gdLst/>
+              <a:ahLst/>
+              <a:cxnLst/>
+              <a:rect l="l" t="t" r="r" b="b"/>
+              <a:pathLst>
+                <a:path w="2573311" h="6866467">
+                  <a:moveTo>
+                    <a:pt x="0" y="0"/>
+                  </a:moveTo>
+                  <a:lnTo>
+                    <a:pt x="2573311" y="0"/>
+                  </a:lnTo>
+                  <a:lnTo>
+                    <a:pt x="2573311" y="6866467"/>
+                  </a:lnTo>
+                  <a:lnTo>
+                    <a:pt x="1202336" y="6866467"/>
+                  </a:lnTo>
+                  <a:lnTo>
+                    <a:pt x="0" y="0"/>
+                  </a:lnTo>
+                  <a:close/>
+                </a:path>
+              </a:pathLst>
+            </a:custGeom>
+            <a:solidFill>
+              <a:schemeClr val="accent1">
+                <a:alpha val="20000"/>
+              </a:schemeClr>
+            </a:solidFill>
+            <a:ln>
+              <a:noFill/>
+            </a:ln>
+            <a:effectLst/>
+          </p:spPr>
+          <p:style>
+            <a:lnRef idx="1">
+              <a:schemeClr val="accent1"/>
+            </a:lnRef>
+            <a:fillRef idx="3">
+              <a:schemeClr val="accent1"/>
+            </a:fillRef>
+            <a:effectRef idx="2">
+              <a:schemeClr val="accent1"/>
+            </a:effectRef>
+            <a:fontRef idx="minor">
+              <a:schemeClr val="lt1"/>
+            </a:fontRef>
+          </p:style>
+        </p:sp>
+        <p:sp>
+          <p:nvSpPr>
+            <p:cNvPr id="55" name="Isosceles Triangle 14">
+              <a:extLst>
+                <a:ext uri="{FF2B5EF4-FFF2-40B4-BE49-F238E27FC236}">
+                  <a16:creationId xmlns:a16="http://schemas.microsoft.com/office/drawing/2014/main" id="{04C26DE3-844C-47DA-831E-E7D7BF617EC2}"/>
+                </a:ext>
+                <a:ext uri="{C183D7F6-B498-43B3-948B-1728B52AA6E4}">
+                  <adec:decorative xmlns:adec="http://schemas.microsoft.com/office/drawing/2017/decorative" val="1"/>
+                </a:ext>
+              </a:extLst>
+            </p:cNvPr>
+            <p:cNvSpPr/>
+            <p:nvPr>
+              <p:extLst>
+                <p:ext uri="{386F3935-93C4-4BCD-93E2-E3B085C9AB24}">
+                  <p16:designElem xmlns:p16="http://schemas.microsoft.com/office/powerpoint/2015/main" val="1"/>
+                </p:ext>
+              </p:extLst>
+            </p:nvPr>
+          </p:nvSpPr>
+          <p:spPr>
+            <a:xfrm>
+              <a:off x="8932333" y="3048000"/>
+              <a:ext cx="3259667" cy="3810000"/>
+            </a:xfrm>
+            <a:prstGeom prst="triangle">
+              <a:avLst>
+                <a:gd name="adj" fmla="val 100000"/>
+              </a:avLst>
+            </a:prstGeom>
+            <a:solidFill>
+              <a:schemeClr val="accent1">
+                <a:lumMod val="75000"/>
+                <a:alpha val="66000"/>
+              </a:schemeClr>
+            </a:solidFill>
+            <a:ln>
+              <a:noFill/>
+            </a:ln>
+            <a:effectLst/>
+          </p:spPr>
+          <p:style>
+            <a:lnRef idx="1">
+              <a:schemeClr val="accent1"/>
+            </a:lnRef>
+            <a:fillRef idx="3">
+              <a:schemeClr val="accent1"/>
+            </a:fillRef>
+            <a:effectRef idx="2">
+              <a:schemeClr val="accent1"/>
+            </a:effectRef>
+            <a:fontRef idx="minor">
+              <a:schemeClr val="lt1"/>
+            </a:fontRef>
+          </p:style>
+        </p:sp>
+        <p:sp>
+          <p:nvSpPr>
+            <p:cNvPr id="56" name="Rectangle 27">
+              <a:extLst>
+                <a:ext uri="{FF2B5EF4-FFF2-40B4-BE49-F238E27FC236}">
+                  <a16:creationId xmlns:a16="http://schemas.microsoft.com/office/drawing/2014/main" id="{922D975E-0684-4AA6-9FB7-929B250D5389}"/>
+                </a:ext>
+                <a:ext uri="{C183D7F6-B498-43B3-948B-1728B52AA6E4}">
+                  <adec:decorative xmlns:adec="http://schemas.microsoft.com/office/drawing/2017/decorative" val="1"/>
+                </a:ext>
+              </a:extLst>
+            </p:cNvPr>
+            <p:cNvSpPr/>
+            <p:nvPr>
+              <p:extLst>
+                <p:ext uri="{386F3935-93C4-4BCD-93E2-E3B085C9AB24}">
+                  <p16:designElem xmlns:p16="http://schemas.microsoft.com/office/powerpoint/2015/main" val="1"/>
+                </p:ext>
+              </p:extLst>
+            </p:nvPr>
+          </p:nvSpPr>
+          <p:spPr>
+            <a:xfrm>
+              <a:off x="9334500" y="-8467"/>
+              <a:ext cx="2854326" cy="6866467"/>
+            </a:xfrm>
+            <a:custGeom>
+              <a:avLst/>
+              <a:gdLst/>
+              <a:ahLst/>
+              <a:cxnLst/>
+              <a:rect l="l" t="t" r="r" b="b"/>
+              <a:pathLst>
+                <a:path w="2858013" h="6866467">
+                  <a:moveTo>
+                    <a:pt x="0" y="0"/>
+                  </a:moveTo>
+                  <a:lnTo>
+                    <a:pt x="2858013" y="0"/>
+                  </a:lnTo>
+                  <a:lnTo>
+                    <a:pt x="2858013" y="6866467"/>
+                  </a:lnTo>
+                  <a:lnTo>
+                    <a:pt x="2473942" y="6866467"/>
+                  </a:lnTo>
+                  <a:lnTo>
+                    <a:pt x="0" y="0"/>
+                  </a:lnTo>
+                  <a:close/>
+                </a:path>
+              </a:pathLst>
+            </a:custGeom>
+            <a:solidFill>
+              <a:schemeClr val="accent1">
+                <a:lumMod val="75000"/>
+                <a:alpha val="50000"/>
+              </a:schemeClr>
+            </a:solidFill>
+            <a:ln>
+              <a:noFill/>
+            </a:ln>
+            <a:effectLst/>
+          </p:spPr>
+          <p:style>
+            <a:lnRef idx="1">
+              <a:schemeClr val="accent1"/>
+            </a:lnRef>
+            <a:fillRef idx="3">
+              <a:schemeClr val="accent1"/>
+            </a:fillRef>
+            <a:effectRef idx="2">
+              <a:schemeClr val="accent1"/>
+            </a:effectRef>
+            <a:fontRef idx="minor">
+              <a:schemeClr val="lt1"/>
+            </a:fontRef>
+          </p:style>
+        </p:sp>
+        <p:sp>
+          <p:nvSpPr>
+            <p:cNvPr id="57" name="Rectangle 28">
+              <a:extLst>
+                <a:ext uri="{FF2B5EF4-FFF2-40B4-BE49-F238E27FC236}">
+                  <a16:creationId xmlns:a16="http://schemas.microsoft.com/office/drawing/2014/main" id="{38ED5A9A-F0C7-4547-BC1E-22FC89BD26D1}"/>
+                </a:ext>
+                <a:ext uri="{C183D7F6-B498-43B3-948B-1728B52AA6E4}">
+                  <adec:decorative xmlns:adec="http://schemas.microsoft.com/office/drawing/2017/decorative" val="1"/>
+                </a:ext>
+              </a:extLst>
+            </p:cNvPr>
+            <p:cNvSpPr/>
+            <p:nvPr>
+              <p:extLst>
+                <p:ext uri="{386F3935-93C4-4BCD-93E2-E3B085C9AB24}">
+                  <p16:designElem xmlns:p16="http://schemas.microsoft.com/office/powerpoint/2015/main" val="1"/>
+                </p:ext>
+              </p:extLst>
+            </p:nvPr>
+          </p:nvSpPr>
+          <p:spPr>
+            <a:xfrm>
+              <a:off x="10898730" y="-8467"/>
+              <a:ext cx="1290094" cy="6866467"/>
+            </a:xfrm>
+            <a:custGeom>
+              <a:avLst/>
+              <a:gdLst/>
+              <a:ahLst/>
+              <a:cxnLst/>
+              <a:rect l="l" t="t" r="r" b="b"/>
+              <a:pathLst>
+                <a:path w="1290094" h="6858000">
+                  <a:moveTo>
+                    <a:pt x="1019735" y="0"/>
+                  </a:moveTo>
+                  <a:lnTo>
+                    <a:pt x="1290094" y="0"/>
+                  </a:lnTo>
+                  <a:lnTo>
+                    <a:pt x="1290094" y="6858000"/>
+                  </a:lnTo>
+                  <a:lnTo>
+                    <a:pt x="0" y="6858000"/>
+                  </a:lnTo>
+                  <a:lnTo>
+                    <a:pt x="1019735" y="0"/>
+                  </a:lnTo>
+                  <a:close/>
+                </a:path>
+              </a:pathLst>
+            </a:custGeom>
+            <a:solidFill>
+              <a:schemeClr val="accent2">
+                <a:alpha val="70000"/>
+              </a:schemeClr>
+            </a:solidFill>
+            <a:ln>
+              <a:noFill/>
+            </a:ln>
+            <a:effectLst/>
+          </p:spPr>
+          <p:style>
+            <a:lnRef idx="1">
+              <a:schemeClr val="accent1"/>
+            </a:lnRef>
+            <a:fillRef idx="3">
+              <a:schemeClr val="accent1"/>
+            </a:fillRef>
+            <a:effectRef idx="2">
+              <a:schemeClr val="accent1"/>
+            </a:effectRef>
+            <a:fontRef idx="minor">
+              <a:schemeClr val="lt1"/>
+            </a:fontRef>
+          </p:style>
+        </p:sp>
+        <p:sp>
+          <p:nvSpPr>
+            <p:cNvPr id="58" name="Rectangle 29">
+              <a:extLst>
+                <a:ext uri="{FF2B5EF4-FFF2-40B4-BE49-F238E27FC236}">
+                  <a16:creationId xmlns:a16="http://schemas.microsoft.com/office/drawing/2014/main" id="{2D743765-A245-4349-A5CE-4AB5F078F91E}"/>
+                </a:ext>
+                <a:ext uri="{C183D7F6-B498-43B3-948B-1728B52AA6E4}">
+                  <adec:decorative xmlns:adec="http://schemas.microsoft.com/office/drawing/2017/decorative" val="1"/>
+                </a:ext>
+              </a:extLst>
+            </p:cNvPr>
+            <p:cNvSpPr/>
+            <p:nvPr>
+              <p:extLst>
+                <p:ext uri="{386F3935-93C4-4BCD-93E2-E3B085C9AB24}">
+                  <p16:designElem xmlns:p16="http://schemas.microsoft.com/office/powerpoint/2015/main" val="1"/>
+                </p:ext>
+              </p:extLst>
+            </p:nvPr>
+          </p:nvSpPr>
+          <p:spPr>
+            <a:xfrm>
+              <a:off x="10938999" y="-8467"/>
+              <a:ext cx="1249825" cy="6866467"/>
+            </a:xfrm>
+            <a:custGeom>
+              <a:avLst/>
+              <a:gdLst/>
+              <a:ahLst/>
+              <a:cxnLst/>
+              <a:rect l="l" t="t" r="r" b="b"/>
+              <a:pathLst>
+                <a:path w="1249825" h="6858000">
+                  <a:moveTo>
+                    <a:pt x="0" y="0"/>
+                  </a:moveTo>
+                  <a:lnTo>
+                    <a:pt x="1249825" y="0"/>
+                  </a:lnTo>
+                  <a:lnTo>
+                    <a:pt x="1249825" y="6858000"/>
+                  </a:lnTo>
+                  <a:lnTo>
+                    <a:pt x="1109382" y="6858000"/>
+                  </a:lnTo>
+                  <a:lnTo>
+                    <a:pt x="0" y="0"/>
+                  </a:lnTo>
+                  <a:close/>
+                </a:path>
+              </a:pathLst>
+            </a:custGeom>
+            <a:solidFill>
+              <a:schemeClr val="accent2">
+                <a:lumMod val="75000"/>
+                <a:alpha val="80000"/>
+              </a:schemeClr>
+            </a:solidFill>
+            <a:ln>
+              <a:noFill/>
+            </a:ln>
+            <a:effectLst/>
+          </p:spPr>
+          <p:style>
+            <a:lnRef idx="1">
+              <a:schemeClr val="accent1"/>
+            </a:lnRef>
+            <a:fillRef idx="3">
+              <a:schemeClr val="accent1"/>
+            </a:fillRef>
+            <a:effectRef idx="2">
+              <a:schemeClr val="accent1"/>
+            </a:effectRef>
+            <a:fontRef idx="minor">
+              <a:schemeClr val="lt1"/>
+            </a:fontRef>
+          </p:style>
+        </p:sp>
+        <p:sp>
+          <p:nvSpPr>
+            <p:cNvPr id="19" name="Isosceles Triangle 18">
+              <a:extLst>
+                <a:ext uri="{FF2B5EF4-FFF2-40B4-BE49-F238E27FC236}">
+                  <a16:creationId xmlns:a16="http://schemas.microsoft.com/office/drawing/2014/main" id="{0AF7217B-D042-44D2-9FC7-71FAB6651A47}"/>
+                </a:ext>
+                <a:ext uri="{C183D7F6-B498-43B3-948B-1728B52AA6E4}">
+                  <adec:decorative xmlns:adec="http://schemas.microsoft.com/office/drawing/2017/decorative" val="1"/>
+                </a:ext>
+              </a:extLst>
+            </p:cNvPr>
+            <p:cNvSpPr/>
+            <p:nvPr>
+              <p:extLst>
+                <p:ext uri="{386F3935-93C4-4BCD-93E2-E3B085C9AB24}">
+                  <p16:designElem xmlns:p16="http://schemas.microsoft.com/office/powerpoint/2015/main" val="1"/>
+                </p:ext>
+              </p:extLst>
+            </p:nvPr>
+          </p:nvSpPr>
+          <p:spPr>
+            <a:xfrm>
+              <a:off x="10371666" y="3589867"/>
+              <a:ext cx="1817159" cy="3268133"/>
+            </a:xfrm>
+            <a:prstGeom prst="triangle">
+              <a:avLst>
+                <a:gd name="adj" fmla="val 100000"/>
+              </a:avLst>
+            </a:prstGeom>
+            <a:solidFill>
+              <a:schemeClr val="accent1">
+                <a:lumMod val="75000"/>
+                <a:alpha val="66000"/>
+              </a:schemeClr>
+            </a:solidFill>
+            <a:ln>
+              <a:noFill/>
+            </a:ln>
+            <a:effectLst/>
+          </p:spPr>
+          <p:style>
+            <a:lnRef idx="1">
+              <a:schemeClr val="accent1"/>
+            </a:lnRef>
+            <a:fillRef idx="3">
+              <a:schemeClr val="accent1"/>
+            </a:fillRef>
+            <a:effectRef idx="2">
+              <a:schemeClr val="accent1"/>
+            </a:effectRef>
+            <a:fontRef idx="minor">
+              <a:schemeClr val="lt1"/>
+            </a:fontRef>
+          </p:style>
+        </p:sp>
+        <p:sp>
+          <p:nvSpPr>
+            <p:cNvPr id="20" name="Isosceles Triangle 19">
+              <a:extLst>
+                <a:ext uri="{FF2B5EF4-FFF2-40B4-BE49-F238E27FC236}">
+                  <a16:creationId xmlns:a16="http://schemas.microsoft.com/office/drawing/2014/main" id="{1CC9171B-8BEB-48B1-B9BE-E9584522D074}"/>
+                </a:ext>
+                <a:ext uri="{C183D7F6-B498-43B3-948B-1728B52AA6E4}">
+                  <adec:decorative xmlns:adec="http://schemas.microsoft.com/office/drawing/2017/decorative" val="1"/>
+                </a:ext>
+              </a:extLst>
+            </p:cNvPr>
+            <p:cNvSpPr/>
+            <p:nvPr>
+              <p:extLst>
+                <p:ext uri="{386F3935-93C4-4BCD-93E2-E3B085C9AB24}">
+                  <p16:designElem xmlns:p16="http://schemas.microsoft.com/office/powerpoint/2015/main" val="1"/>
+                </p:ext>
+              </p:extLst>
+            </p:nvPr>
+          </p:nvSpPr>
+          <p:spPr>
+            <a:xfrm>
+              <a:off x="0" y="4013200"/>
+              <a:ext cx="448733" cy="2844800"/>
+            </a:xfrm>
+            <a:prstGeom prst="triangle">
+              <a:avLst>
+                <a:gd name="adj" fmla="val 0"/>
+              </a:avLst>
+            </a:prstGeom>
+            <a:solidFill>
+              <a:schemeClr val="accent1">
+                <a:alpha val="70000"/>
+              </a:schemeClr>
+            </a:solidFill>
+            <a:ln>
+              <a:noFill/>
+            </a:ln>
+            <a:effectLst/>
+          </p:spPr>
+          <p:style>
+            <a:lnRef idx="1">
+              <a:schemeClr val="accent1"/>
+            </a:lnRef>
+            <a:fillRef idx="3">
+              <a:schemeClr val="accent1"/>
+            </a:fillRef>
+            <a:effectRef idx="2">
+              <a:schemeClr val="accent1"/>
+            </a:effectRef>
+            <a:fontRef idx="minor">
+              <a:schemeClr val="lt1"/>
+            </a:fontRef>
+          </p:style>
+        </p:sp>
+      </p:grpSp>
+      <p:sp>
+        <p:nvSpPr>
+          <p:cNvPr id="59" name="Rectangle 21">
+            <a:extLst>
+              <a:ext uri="{FF2B5EF4-FFF2-40B4-BE49-F238E27FC236}">
+                <a16:creationId xmlns:a16="http://schemas.microsoft.com/office/drawing/2014/main" id="{03E8462A-FEBA-4848-81CC-3F8DA3E477BE}"/>
+              </a:ext>
+              <a:ext uri="{C183D7F6-B498-43B3-948B-1728B52AA6E4}">
+                <adec:decorative xmlns:adec="http://schemas.microsoft.com/office/drawing/2017/decorative" val="1"/>
+              </a:ext>
+            </a:extLst>
+          </p:cNvPr>
+          <p:cNvSpPr>
+            <a:spLocks noGrp="1" noRot="1" noChangeAspect="1" noMove="1" noResize="1" noEditPoints="1" noAdjustHandles="1" noChangeArrowheads="1" noChangeShapeType="1" noTextEdit="1"/>
+          </p:cNvSpPr>
+          <p:nvPr>
+            <p:extLst>
+              <p:ext uri="{386F3935-93C4-4BCD-93E2-E3B085C9AB24}">
+                <p16:designElem xmlns:p16="http://schemas.microsoft.com/office/powerpoint/2015/main" val="1"/>
+              </p:ext>
+            </p:extLst>
+          </p:nvPr>
+        </p:nvSpPr>
+        <p:spPr>
+          <a:xfrm>
+            <a:off x="0" y="0"/>
+            <a:ext cx="12188952" cy="6858000"/>
+          </a:xfrm>
+          <a:prstGeom prst="rect">
+            <a:avLst/>
+          </a:prstGeom>
+          <a:solidFill>
+            <a:schemeClr val="accent2"/>
+          </a:solidFill>
+          <a:ln>
+            <a:noFill/>
+          </a:ln>
+        </p:spPr>
+        <p:style>
+          <a:lnRef idx="2">
+            <a:schemeClr val="accent1">
+              <a:shade val="50000"/>
+            </a:schemeClr>
+          </a:lnRef>
+          <a:fillRef idx="1">
+            <a:schemeClr val="accent1"/>
+          </a:fillRef>
+          <a:effectRef idx="0">
+            <a:schemeClr val="accent1"/>
+          </a:effectRef>
+          <a:fontRef idx="minor">
+            <a:schemeClr val="lt1"/>
+          </a:fontRef>
+        </p:style>
+        <p:txBody>
+          <a:bodyPr rtlCol="0" anchor="ctr"/>
+          <a:lstStyle/>
+          <a:p>
+            <a:pPr algn="ctr"/>
+            <a:endParaRPr lang="en-US"/>
+          </a:p>
+        </p:txBody>
+      </p:sp>
+      <p:grpSp>
+        <p:nvGrpSpPr>
+          <p:cNvPr id="24" name="Group 23">
+            <a:extLst>
+              <a:ext uri="{FF2B5EF4-FFF2-40B4-BE49-F238E27FC236}">
+                <a16:creationId xmlns:a16="http://schemas.microsoft.com/office/drawing/2014/main" id="{2109F83F-40FE-4DB3-84CC-09FB3340D06D}"/>
+              </a:ext>
+              <a:ext uri="{C183D7F6-B498-43B3-948B-1728B52AA6E4}">
+                <adec:decorative xmlns:adec="http://schemas.microsoft.com/office/drawing/2017/decorative" val="1"/>
+              </a:ext>
+            </a:extLst>
+          </p:cNvPr>
+          <p:cNvGrpSpPr>
+            <a:grpSpLocks noGrp="1" noUngrp="1" noRot="1" noChangeAspect="1" noMove="1" noResize="1"/>
+          </p:cNvGrpSpPr>
+          <p:nvPr>
+            <p:extLst>
+              <p:ext uri="{386F3935-93C4-4BCD-93E2-E3B085C9AB24}">
+                <p16:designElem xmlns:p16="http://schemas.microsoft.com/office/powerpoint/2015/main" val="1"/>
+              </p:ext>
+            </p:extLst>
+          </p:nvPr>
+        </p:nvGrpSpPr>
+        <p:grpSpPr>
+          <a:xfrm>
+            <a:off x="0" y="-8467"/>
+            <a:ext cx="12192000" cy="6866467"/>
+            <a:chOff x="0" y="-8467"/>
+            <a:chExt cx="12192000" cy="6866467"/>
+          </a:xfrm>
+        </p:grpSpPr>
+        <p:cxnSp>
+          <p:nvCxnSpPr>
+            <p:cNvPr id="25" name="Straight Connector 24">
+              <a:extLst>
+                <a:ext uri="{FF2B5EF4-FFF2-40B4-BE49-F238E27FC236}">
+                  <a16:creationId xmlns:a16="http://schemas.microsoft.com/office/drawing/2014/main" id="{1DE492D7-C3C3-48FF-80C8-37021EA0262F}"/>
+                </a:ext>
+                <a:ext uri="{C183D7F6-B498-43B3-948B-1728B52AA6E4}">
+                  <adec:decorative xmlns:adec="http://schemas.microsoft.com/office/drawing/2017/decorative" val="1"/>
+                </a:ext>
+              </a:extLst>
+            </p:cNvPr>
+            <p:cNvCxnSpPr/>
+            <p:nvPr>
+              <p:extLst>
+                <p:ext uri="{386F3935-93C4-4BCD-93E2-E3B085C9AB24}">
+                  <p16:designElem xmlns:p16="http://schemas.microsoft.com/office/powerpoint/2015/main" val="1"/>
+                </p:ext>
+              </p:extLst>
+            </p:nvPr>
+          </p:nvCxnSpPr>
+          <p:spPr>
+            <a:xfrm flipH="1">
+              <a:off x="7425267" y="3681413"/>
+              <a:ext cx="4763558" cy="3176587"/>
+            </a:xfrm>
+            <a:prstGeom prst="line">
+              <a:avLst/>
+            </a:prstGeom>
+            <a:ln w="9525">
+              <a:solidFill>
+                <a:schemeClr val="bg1">
+                  <a:lumMod val="85000"/>
+                </a:schemeClr>
+              </a:solidFill>
+            </a:ln>
+          </p:spPr>
+          <p:style>
+            <a:lnRef idx="2">
+              <a:schemeClr val="accent1"/>
+            </a:lnRef>
+            <a:fillRef idx="0">
+              <a:schemeClr val="accent1"/>
+            </a:fillRef>
+            <a:effectRef idx="1">
+              <a:schemeClr val="accent1"/>
+            </a:effectRef>
+            <a:fontRef idx="minor">
+              <a:schemeClr val="tx1"/>
+            </a:fontRef>
+          </p:style>
+        </p:cxnSp>
+        <p:sp>
+          <p:nvSpPr>
+            <p:cNvPr id="26" name="Rectangle 23">
+              <a:extLst>
+                <a:ext uri="{FF2B5EF4-FFF2-40B4-BE49-F238E27FC236}">
+                  <a16:creationId xmlns:a16="http://schemas.microsoft.com/office/drawing/2014/main" id="{0B30FF97-2E9A-490A-AED2-90BA2E0EC17F}"/>
+                </a:ext>
+                <a:ext uri="{C183D7F6-B498-43B3-948B-1728B52AA6E4}">
+                  <adec:decorative xmlns:adec="http://schemas.microsoft.com/office/drawing/2017/decorative" val="1"/>
+                </a:ext>
+              </a:extLst>
+            </p:cNvPr>
+            <p:cNvSpPr/>
+            <p:nvPr>
+              <p:extLst>
+                <p:ext uri="{386F3935-93C4-4BCD-93E2-E3B085C9AB24}">
+                  <p16:designElem xmlns:p16="http://schemas.microsoft.com/office/powerpoint/2015/main" val="1"/>
+                </p:ext>
+              </p:extLst>
+            </p:nvPr>
+          </p:nvSpPr>
+          <p:spPr>
+            <a:xfrm>
+              <a:off x="9181476" y="-8467"/>
+              <a:ext cx="3007349" cy="6866467"/>
+            </a:xfrm>
+            <a:custGeom>
+              <a:avLst/>
+              <a:gdLst/>
+              <a:ahLst/>
+              <a:cxnLst/>
+              <a:rect l="l" t="t" r="r" b="b"/>
+              <a:pathLst>
+                <a:path w="3007349" h="6866467">
+                  <a:moveTo>
+                    <a:pt x="2045532" y="0"/>
+                  </a:moveTo>
+                  <a:lnTo>
+                    <a:pt x="3007349" y="0"/>
+                  </a:lnTo>
+                  <a:lnTo>
+                    <a:pt x="3007349" y="6866467"/>
+                  </a:lnTo>
+                  <a:lnTo>
+                    <a:pt x="0" y="6866467"/>
+                  </a:lnTo>
+                  <a:lnTo>
+                    <a:pt x="2045532" y="0"/>
+                  </a:lnTo>
+                  <a:close/>
+                </a:path>
+              </a:pathLst>
+            </a:custGeom>
+            <a:solidFill>
+              <a:schemeClr val="accent1">
+                <a:alpha val="30000"/>
+              </a:schemeClr>
+            </a:solidFill>
+            <a:ln>
+              <a:noFill/>
+            </a:ln>
+            <a:effectLst/>
+          </p:spPr>
+          <p:style>
+            <a:lnRef idx="1">
+              <a:schemeClr val="accent1"/>
+            </a:lnRef>
+            <a:fillRef idx="3">
+              <a:schemeClr val="accent1"/>
+            </a:fillRef>
+            <a:effectRef idx="2">
+              <a:schemeClr val="accent1"/>
+            </a:effectRef>
+            <a:fontRef idx="minor">
+              <a:schemeClr val="lt1"/>
+            </a:fontRef>
+          </p:style>
+        </p:sp>
+        <p:sp>
+          <p:nvSpPr>
+            <p:cNvPr id="27" name="Rectangle 25">
+              <a:extLst>
+                <a:ext uri="{FF2B5EF4-FFF2-40B4-BE49-F238E27FC236}">
+                  <a16:creationId xmlns:a16="http://schemas.microsoft.com/office/drawing/2014/main" id="{B6D53C7D-A312-47B6-A66A-230A19CFACA6}"/>
+                </a:ext>
+                <a:ext uri="{C183D7F6-B498-43B3-948B-1728B52AA6E4}">
+                  <adec:decorative xmlns:adec="http://schemas.microsoft.com/office/drawing/2017/decorative" val="1"/>
+                </a:ext>
+              </a:extLst>
+            </p:cNvPr>
+            <p:cNvSpPr/>
+            <p:nvPr>
+              <p:extLst>
+                <p:ext uri="{386F3935-93C4-4BCD-93E2-E3B085C9AB24}">
+                  <p16:designElem xmlns:p16="http://schemas.microsoft.com/office/powerpoint/2015/main" val="1"/>
+                </p:ext>
+              </p:extLst>
+            </p:nvPr>
+          </p:nvSpPr>
+          <p:spPr>
+            <a:xfrm>
+              <a:off x="9603442" y="-8467"/>
+              <a:ext cx="2588558" cy="6866467"/>
+            </a:xfrm>
+            <a:custGeom>
+              <a:avLst/>
+              <a:gdLst/>
+              <a:ahLst/>
+              <a:cxnLst/>
+              <a:rect l="l" t="t" r="r" b="b"/>
+              <a:pathLst>
+                <a:path w="2573311" h="6866467">
+                  <a:moveTo>
+                    <a:pt x="0" y="0"/>
+                  </a:moveTo>
+                  <a:lnTo>
+                    <a:pt x="2573311" y="0"/>
+                  </a:lnTo>
+                  <a:lnTo>
+                    <a:pt x="2573311" y="6866467"/>
+                  </a:lnTo>
+                  <a:lnTo>
+                    <a:pt x="1202336" y="6866467"/>
+                  </a:lnTo>
+                  <a:lnTo>
+                    <a:pt x="0" y="0"/>
+                  </a:lnTo>
+                  <a:close/>
+                </a:path>
+              </a:pathLst>
+            </a:custGeom>
+            <a:solidFill>
+              <a:schemeClr val="accent1">
+                <a:alpha val="20000"/>
+              </a:schemeClr>
+            </a:solidFill>
+            <a:ln>
+              <a:noFill/>
+            </a:ln>
+            <a:effectLst/>
+          </p:spPr>
+          <p:style>
+            <a:lnRef idx="1">
+              <a:schemeClr val="accent1"/>
+            </a:lnRef>
+            <a:fillRef idx="3">
+              <a:schemeClr val="accent1"/>
+            </a:fillRef>
+            <a:effectRef idx="2">
+              <a:schemeClr val="accent1"/>
+            </a:effectRef>
+            <a:fontRef idx="minor">
+              <a:schemeClr val="lt1"/>
+            </a:fontRef>
+          </p:style>
+        </p:sp>
+        <p:sp>
+          <p:nvSpPr>
+            <p:cNvPr id="28" name="Isosceles Triangle 27">
+              <a:extLst>
+                <a:ext uri="{FF2B5EF4-FFF2-40B4-BE49-F238E27FC236}">
+                  <a16:creationId xmlns:a16="http://schemas.microsoft.com/office/drawing/2014/main" id="{9329D58C-0D2E-4A2B-AD6A-9CEE506784A8}"/>
+                </a:ext>
+                <a:ext uri="{C183D7F6-B498-43B3-948B-1728B52AA6E4}">
+                  <adec:decorative xmlns:adec="http://schemas.microsoft.com/office/drawing/2017/decorative" val="1"/>
+                </a:ext>
+              </a:extLst>
+            </p:cNvPr>
+            <p:cNvSpPr/>
+            <p:nvPr>
+              <p:extLst>
+                <p:ext uri="{386F3935-93C4-4BCD-93E2-E3B085C9AB24}">
+                  <p16:designElem xmlns:p16="http://schemas.microsoft.com/office/powerpoint/2015/main" val="1"/>
+                </p:ext>
+              </p:extLst>
+            </p:nvPr>
+          </p:nvSpPr>
+          <p:spPr>
+            <a:xfrm>
+              <a:off x="8932333" y="3048000"/>
+              <a:ext cx="3259667" cy="3810000"/>
+            </a:xfrm>
+            <a:prstGeom prst="triangle">
+              <a:avLst>
+                <a:gd name="adj" fmla="val 100000"/>
+              </a:avLst>
+            </a:prstGeom>
+            <a:solidFill>
+              <a:schemeClr val="accent2">
+                <a:alpha val="72000"/>
+              </a:schemeClr>
+            </a:solidFill>
+            <a:ln>
+              <a:noFill/>
+            </a:ln>
+            <a:effectLst/>
+          </p:spPr>
+          <p:style>
+            <a:lnRef idx="1">
+              <a:schemeClr val="accent1"/>
+            </a:lnRef>
+            <a:fillRef idx="3">
+              <a:schemeClr val="accent1"/>
+            </a:fillRef>
+            <a:effectRef idx="2">
+              <a:schemeClr val="accent1"/>
+            </a:effectRef>
+            <a:fontRef idx="minor">
+              <a:schemeClr val="lt1"/>
+            </a:fontRef>
+          </p:style>
+        </p:sp>
+        <p:sp>
+          <p:nvSpPr>
+            <p:cNvPr id="29" name="Rectangle 27">
+              <a:extLst>
+                <a:ext uri="{FF2B5EF4-FFF2-40B4-BE49-F238E27FC236}">
+                  <a16:creationId xmlns:a16="http://schemas.microsoft.com/office/drawing/2014/main" id="{9D446EDE-C690-4461-8BF2-7634808FC8B4}"/>
+                </a:ext>
+                <a:ext uri="{C183D7F6-B498-43B3-948B-1728B52AA6E4}">
+                  <adec:decorative xmlns:adec="http://schemas.microsoft.com/office/drawing/2017/decorative" val="1"/>
+                </a:ext>
+              </a:extLst>
+            </p:cNvPr>
+            <p:cNvSpPr/>
+            <p:nvPr>
+              <p:extLst>
+                <p:ext uri="{386F3935-93C4-4BCD-93E2-E3B085C9AB24}">
+                  <p16:designElem xmlns:p16="http://schemas.microsoft.com/office/powerpoint/2015/main" val="1"/>
+                </p:ext>
+              </p:extLst>
+            </p:nvPr>
+          </p:nvSpPr>
+          <p:spPr>
+            <a:xfrm>
+              <a:off x="9334500" y="-8467"/>
+              <a:ext cx="2854326" cy="6866467"/>
+            </a:xfrm>
+            <a:custGeom>
+              <a:avLst/>
+              <a:gdLst/>
+              <a:ahLst/>
+              <a:cxnLst/>
+              <a:rect l="l" t="t" r="r" b="b"/>
+              <a:pathLst>
+                <a:path w="2858013" h="6866467">
+                  <a:moveTo>
+                    <a:pt x="0" y="0"/>
+                  </a:moveTo>
+                  <a:lnTo>
+                    <a:pt x="2858013" y="0"/>
+                  </a:lnTo>
+                  <a:lnTo>
+                    <a:pt x="2858013" y="6866467"/>
+                  </a:lnTo>
+                  <a:lnTo>
+                    <a:pt x="2473942" y="6866467"/>
+                  </a:lnTo>
+                  <a:lnTo>
+                    <a:pt x="0" y="0"/>
+                  </a:lnTo>
+                  <a:close/>
+                </a:path>
+              </a:pathLst>
+            </a:custGeom>
+            <a:solidFill>
+              <a:schemeClr val="accent2">
+                <a:lumMod val="75000"/>
+                <a:alpha val="70000"/>
+              </a:schemeClr>
+            </a:solidFill>
+            <a:ln>
+              <a:noFill/>
+            </a:ln>
+            <a:effectLst/>
+          </p:spPr>
+          <p:style>
+            <a:lnRef idx="1">
+              <a:schemeClr val="accent1"/>
+            </a:lnRef>
+            <a:fillRef idx="3">
+              <a:schemeClr val="accent1"/>
+            </a:fillRef>
+            <a:effectRef idx="2">
+              <a:schemeClr val="accent1"/>
+            </a:effectRef>
+            <a:fontRef idx="minor">
+              <a:schemeClr val="lt1"/>
+            </a:fontRef>
+          </p:style>
+        </p:sp>
+        <p:sp>
+          <p:nvSpPr>
+            <p:cNvPr id="30" name="Rectangle 28">
+              <a:extLst>
+                <a:ext uri="{FF2B5EF4-FFF2-40B4-BE49-F238E27FC236}">
+                  <a16:creationId xmlns:a16="http://schemas.microsoft.com/office/drawing/2014/main" id="{323F3D34-6531-4AD7-A8C6-195A090281A1}"/>
+                </a:ext>
+                <a:ext uri="{C183D7F6-B498-43B3-948B-1728B52AA6E4}">
+                  <adec:decorative xmlns:adec="http://schemas.microsoft.com/office/drawing/2017/decorative" val="1"/>
+                </a:ext>
+              </a:extLst>
+            </p:cNvPr>
+            <p:cNvSpPr/>
+            <p:nvPr>
+              <p:extLst>
+                <p:ext uri="{386F3935-93C4-4BCD-93E2-E3B085C9AB24}">
+                  <p16:designElem xmlns:p16="http://schemas.microsoft.com/office/powerpoint/2015/main" val="1"/>
+                </p:ext>
+              </p:extLst>
+            </p:nvPr>
+          </p:nvSpPr>
+          <p:spPr>
+            <a:xfrm>
+              <a:off x="10898730" y="-8467"/>
+              <a:ext cx="1290094" cy="6866467"/>
+            </a:xfrm>
+            <a:custGeom>
+              <a:avLst/>
+              <a:gdLst/>
+              <a:ahLst/>
+              <a:cxnLst/>
+              <a:rect l="l" t="t" r="r" b="b"/>
+              <a:pathLst>
+                <a:path w="1290094" h="6858000">
+                  <a:moveTo>
+                    <a:pt x="1019735" y="0"/>
+                  </a:moveTo>
+                  <a:lnTo>
+                    <a:pt x="1290094" y="0"/>
+                  </a:lnTo>
+                  <a:lnTo>
+                    <a:pt x="1290094" y="6858000"/>
+                  </a:lnTo>
+                  <a:lnTo>
+                    <a:pt x="0" y="6858000"/>
+                  </a:lnTo>
+                  <a:lnTo>
+                    <a:pt x="1019735" y="0"/>
+                  </a:lnTo>
+                  <a:close/>
+                </a:path>
+              </a:pathLst>
+            </a:custGeom>
+            <a:solidFill>
+              <a:schemeClr val="accent1">
+                <a:lumMod val="60000"/>
+                <a:lumOff val="40000"/>
+                <a:alpha val="70000"/>
+              </a:schemeClr>
+            </a:solidFill>
+            <a:ln>
+              <a:noFill/>
+            </a:ln>
+            <a:effectLst/>
+          </p:spPr>
+          <p:style>
+            <a:lnRef idx="1">
+              <a:schemeClr val="accent1"/>
+            </a:lnRef>
+            <a:fillRef idx="3">
+              <a:schemeClr val="accent1"/>
+            </a:fillRef>
+            <a:effectRef idx="2">
+              <a:schemeClr val="accent1"/>
+            </a:effectRef>
+            <a:fontRef idx="minor">
+              <a:schemeClr val="lt1"/>
+            </a:fontRef>
+          </p:style>
+        </p:sp>
+        <p:sp>
+          <p:nvSpPr>
+            <p:cNvPr id="31" name="Rectangle 29">
+              <a:extLst>
+                <a:ext uri="{FF2B5EF4-FFF2-40B4-BE49-F238E27FC236}">
+                  <a16:creationId xmlns:a16="http://schemas.microsoft.com/office/drawing/2014/main" id="{B9B0AE3F-2350-435F-A9B0-C310BF876385}"/>
+                </a:ext>
+                <a:ext uri="{C183D7F6-B498-43B3-948B-1728B52AA6E4}">
+                  <adec:decorative xmlns:adec="http://schemas.microsoft.com/office/drawing/2017/decorative" val="1"/>
+                </a:ext>
+              </a:extLst>
+            </p:cNvPr>
+            <p:cNvSpPr/>
+            <p:nvPr>
+              <p:extLst>
+                <p:ext uri="{386F3935-93C4-4BCD-93E2-E3B085C9AB24}">
+                  <p16:designElem xmlns:p16="http://schemas.microsoft.com/office/powerpoint/2015/main" val="1"/>
+                </p:ext>
+              </p:extLst>
+            </p:nvPr>
+          </p:nvSpPr>
+          <p:spPr>
+            <a:xfrm>
+              <a:off x="10938999" y="-8467"/>
+              <a:ext cx="1249825" cy="6866467"/>
+            </a:xfrm>
+            <a:custGeom>
+              <a:avLst/>
+              <a:gdLst/>
+              <a:ahLst/>
+              <a:cxnLst/>
+              <a:rect l="l" t="t" r="r" b="b"/>
+              <a:pathLst>
+                <a:path w="1249825" h="6858000">
+                  <a:moveTo>
+                    <a:pt x="0" y="0"/>
+                  </a:moveTo>
+                  <a:lnTo>
+                    <a:pt x="1249825" y="0"/>
+                  </a:lnTo>
+                  <a:lnTo>
+                    <a:pt x="1249825" y="6858000"/>
+                  </a:lnTo>
+                  <a:lnTo>
+                    <a:pt x="1109382" y="6858000"/>
+                  </a:lnTo>
+                  <a:lnTo>
+                    <a:pt x="0" y="0"/>
+                  </a:lnTo>
+                  <a:close/>
+                </a:path>
+              </a:pathLst>
+            </a:custGeom>
+            <a:solidFill>
+              <a:schemeClr val="accent1">
+                <a:alpha val="65000"/>
+              </a:schemeClr>
+            </a:solidFill>
+            <a:ln>
+              <a:noFill/>
+            </a:ln>
+            <a:effectLst/>
+          </p:spPr>
+          <p:style>
+            <a:lnRef idx="1">
+              <a:schemeClr val="accent1"/>
+            </a:lnRef>
+            <a:fillRef idx="3">
+              <a:schemeClr val="accent1"/>
+            </a:fillRef>
+            <a:effectRef idx="2">
+              <a:schemeClr val="accent1"/>
+            </a:effectRef>
+            <a:fontRef idx="minor">
+              <a:schemeClr val="lt1"/>
+            </a:fontRef>
+          </p:style>
+        </p:sp>
+        <p:sp>
+          <p:nvSpPr>
+            <p:cNvPr id="32" name="Isosceles Triangle 31">
+              <a:extLst>
+                <a:ext uri="{FF2B5EF4-FFF2-40B4-BE49-F238E27FC236}">
+                  <a16:creationId xmlns:a16="http://schemas.microsoft.com/office/drawing/2014/main" id="{4EFA655C-9E50-4C14-A89E-AD7B648E4E2B}"/>
+                </a:ext>
+                <a:ext uri="{C183D7F6-B498-43B3-948B-1728B52AA6E4}">
+                  <adec:decorative xmlns:adec="http://schemas.microsoft.com/office/drawing/2017/decorative" val="1"/>
+                </a:ext>
+              </a:extLst>
+            </p:cNvPr>
+            <p:cNvSpPr/>
+            <p:nvPr>
+              <p:extLst>
+                <p:ext uri="{386F3935-93C4-4BCD-93E2-E3B085C9AB24}">
+                  <p16:designElem xmlns:p16="http://schemas.microsoft.com/office/powerpoint/2015/main" val="1"/>
+                </p:ext>
+              </p:extLst>
+            </p:nvPr>
+          </p:nvSpPr>
+          <p:spPr>
+            <a:xfrm>
+              <a:off x="10371666" y="3589867"/>
+              <a:ext cx="1817159" cy="3268133"/>
+            </a:xfrm>
+            <a:prstGeom prst="triangle">
+              <a:avLst>
+                <a:gd name="adj" fmla="val 100000"/>
+              </a:avLst>
+            </a:prstGeom>
+            <a:solidFill>
+              <a:schemeClr val="accent1">
+                <a:alpha val="80000"/>
+              </a:schemeClr>
+            </a:solidFill>
+            <a:ln>
+              <a:noFill/>
+            </a:ln>
+            <a:effectLst/>
+          </p:spPr>
+          <p:style>
+            <a:lnRef idx="1">
+              <a:schemeClr val="accent1"/>
+            </a:lnRef>
+            <a:fillRef idx="3">
+              <a:schemeClr val="accent1"/>
+            </a:fillRef>
+            <a:effectRef idx="2">
+              <a:schemeClr val="accent1"/>
+            </a:effectRef>
+            <a:fontRef idx="minor">
+              <a:schemeClr val="lt1"/>
+            </a:fontRef>
+          </p:style>
+        </p:sp>
+        <p:sp>
+          <p:nvSpPr>
+            <p:cNvPr id="33" name="Isosceles Triangle 32">
+              <a:extLst>
+                <a:ext uri="{FF2B5EF4-FFF2-40B4-BE49-F238E27FC236}">
+                  <a16:creationId xmlns:a16="http://schemas.microsoft.com/office/drawing/2014/main" id="{3E843863-7D25-4C01-9A17-E817CB6D998A}"/>
+                </a:ext>
+                <a:ext uri="{C183D7F6-B498-43B3-948B-1728B52AA6E4}">
+                  <adec:decorative xmlns:adec="http://schemas.microsoft.com/office/drawing/2017/decorative" val="1"/>
+                </a:ext>
+              </a:extLst>
+            </p:cNvPr>
+            <p:cNvSpPr/>
+            <p:nvPr>
+              <p:extLst>
+                <p:ext uri="{386F3935-93C4-4BCD-93E2-E3B085C9AB24}">
+                  <p16:designElem xmlns:p16="http://schemas.microsoft.com/office/powerpoint/2015/main" val="1"/>
+                </p:ext>
+              </p:extLst>
+            </p:nvPr>
+          </p:nvSpPr>
+          <p:spPr>
+            <a:xfrm>
+              <a:off x="0" y="4013200"/>
+              <a:ext cx="448733" cy="2844800"/>
+            </a:xfrm>
+            <a:prstGeom prst="triangle">
+              <a:avLst>
+                <a:gd name="adj" fmla="val 0"/>
+              </a:avLst>
+            </a:prstGeom>
+            <a:solidFill>
+              <a:schemeClr val="accent1">
+                <a:alpha val="85000"/>
+              </a:schemeClr>
+            </a:solidFill>
+            <a:ln>
+              <a:noFill/>
+            </a:ln>
+            <a:effectLst/>
+          </p:spPr>
+          <p:style>
+            <a:lnRef idx="1">
+              <a:schemeClr val="accent1"/>
+            </a:lnRef>
+            <a:fillRef idx="3">
+              <a:schemeClr val="accent1"/>
+            </a:fillRef>
+            <a:effectRef idx="2">
+              <a:schemeClr val="accent1"/>
+            </a:effectRef>
+            <a:fontRef idx="minor">
+              <a:schemeClr val="lt1"/>
+            </a:fontRef>
+          </p:style>
+        </p:sp>
+      </p:grpSp>
+      <p:sp>
+        <p:nvSpPr>
+          <p:cNvPr id="60" name="Rectangle 34">
+            <a:extLst>
+              <a:ext uri="{FF2B5EF4-FFF2-40B4-BE49-F238E27FC236}">
+                <a16:creationId xmlns:a16="http://schemas.microsoft.com/office/drawing/2014/main" id="{7941F9B1-B01B-4A84-89D9-B169AEB4E456}"/>
+              </a:ext>
+              <a:ext uri="{C183D7F6-B498-43B3-948B-1728B52AA6E4}">
+                <adec:decorative xmlns:adec="http://schemas.microsoft.com/office/drawing/2017/decorative" val="1"/>
+              </a:ext>
+            </a:extLst>
+          </p:cNvPr>
+          <p:cNvSpPr>
+            <a:spLocks noGrp="1" noRot="1" noChangeAspect="1" noMove="1" noResize="1" noEditPoints="1" noAdjustHandles="1" noChangeArrowheads="1" noChangeShapeType="1" noTextEdit="1"/>
+          </p:cNvSpPr>
+          <p:nvPr>
+            <p:extLst>
+              <p:ext uri="{386F3935-93C4-4BCD-93E2-E3B085C9AB24}">
+                <p16:designElem xmlns:p16="http://schemas.microsoft.com/office/powerpoint/2015/main" val="1"/>
+              </p:ext>
+            </p:extLst>
+          </p:nvPr>
+        </p:nvSpPr>
+        <p:spPr>
+          <a:xfrm>
+            <a:off x="477012" y="480060"/>
+            <a:ext cx="11237976" cy="5897880"/>
+          </a:xfrm>
+          <a:prstGeom prst="rect">
+            <a:avLst/>
+          </a:prstGeom>
+          <a:solidFill>
+            <a:srgbClr val="FFFFFF"/>
+          </a:solidFill>
+          <a:ln w="9525">
+            <a:noFill/>
+          </a:ln>
+          <a:effectLst>
+            <a:outerShdw blurRad="63500" dist="17780" dir="5400000" algn="t" rotWithShape="0">
+              <a:prstClr val="black">
+                <a:alpha val="43000"/>
+              </a:prstClr>
+            </a:outerShdw>
+          </a:effectLst>
+        </p:spPr>
+        <p:style>
+          <a:lnRef idx="2">
+            <a:schemeClr val="accent1">
+              <a:shade val="50000"/>
+            </a:schemeClr>
+          </a:lnRef>
+          <a:fillRef idx="1">
+            <a:schemeClr val="accent1"/>
+          </a:fillRef>
+          <a:effectRef idx="0">
+            <a:schemeClr val="accent1"/>
+          </a:effectRef>
+          <a:fontRef idx="minor">
+            <a:schemeClr val="lt1"/>
+          </a:fontRef>
+        </p:style>
+        <p:txBody>
+          <a:bodyPr rtlCol="0" anchor="ctr"/>
+          <a:lstStyle/>
+          <a:p>
+            <a:pPr algn="ctr"/>
+            <a:endParaRPr lang="en-US"/>
+          </a:p>
+        </p:txBody>
+      </p:sp>
+      <p:pic>
+        <p:nvPicPr>
+          <p:cNvPr id="5" name="Marcador de contenido 4">
+            <a:extLst>
+              <a:ext uri="{FF2B5EF4-FFF2-40B4-BE49-F238E27FC236}">
+                <a16:creationId xmlns:a16="http://schemas.microsoft.com/office/drawing/2014/main" id="{45D71D87-30FC-416E-A060-29224187B1A7}"/>
+              </a:ext>
+            </a:extLst>
+          </p:cNvPr>
+          <p:cNvPicPr>
+            <a:picLocks noGrp="1" noChangeAspect="1"/>
+          </p:cNvPicPr>
+          <p:nvPr>
+            <p:ph idx="1"/>
+          </p:nvPr>
+        </p:nvPicPr>
+        <p:blipFill>
+          <a:blip r:embed="rId2"/>
+          <a:stretch>
+            <a:fillRect/>
+          </a:stretch>
+        </p:blipFill>
+        <p:spPr>
+          <a:xfrm>
+            <a:off x="2377876" y="1131994"/>
+            <a:ext cx="7438125" cy="4590386"/>
+          </a:xfrm>
+          <a:prstGeom prst="rect">
+            <a:avLst/>
+          </a:prstGeom>
+        </p:spPr>
+      </p:pic>
+    </p:spTree>
+    <p:extLst>
+      <p:ext uri="{BB962C8B-B14F-4D97-AF65-F5344CB8AC3E}">
+        <p14:creationId xmlns:p14="http://schemas.microsoft.com/office/powerpoint/2010/main" val="3087527221"/>
+      </p:ext>
+    </p:extLst>
+  </p:cSld>
+  <p:clrMapOvr>
+    <a:masterClrMapping/>
+  </p:clrMapOvr>
+</p:sld>
+</file>
+
+<file path=ppt/slides/slide8.xml><?xml version="1.0" encoding="utf-8"?>
+<p:sld xmlns:a="http://schemas.openxmlformats.org/drawingml/2006/main" xmlns:r="http://schemas.openxmlformats.org/officeDocument/2006/relationships" xmlns:p="http://schemas.openxmlformats.org/presentationml/2006/main">
+  <p:cSld>
+    <p:bg>
+      <p:bgPr>
+        <a:solidFill>
+          <a:schemeClr val="bg1"/>
+        </a:solidFill>
+        <a:effectLst/>
+      </p:bgPr>
+    </p:bg>
     <p:spTree>
       <p:nvGrpSpPr>
         <p:cNvPr id="1" name=""/>
@@ -7563,7 +12490,13 @@
       </p:grpSpPr>
       <p:sp>
         <p:nvSpPr>
-          <p:cNvPr id="4" name="Título 3"/>
+          <p:cNvPr id="2" name="Título 1">
+            <a:extLst>
+              <a:ext uri="{FF2B5EF4-FFF2-40B4-BE49-F238E27FC236}">
+                <a16:creationId xmlns:a16="http://schemas.microsoft.com/office/drawing/2014/main" id="{CD4CC062-1022-44ED-9E18-1651EC0985D1}"/>
+              </a:ext>
+            </a:extLst>
+          </p:cNvPr>
           <p:cNvSpPr>
             <a:spLocks noGrp="1"/>
           </p:cNvSpPr>
@@ -7573,113 +12506,32 @@
         </p:nvSpPr>
         <p:spPr>
           <a:xfrm>
-            <a:off x="1513357" y="271418"/>
-            <a:ext cx="7778690" cy="660400"/>
+            <a:off x="677334" y="609600"/>
+            <a:ext cx="8596668" cy="1320800"/>
           </a:xfrm>
         </p:spPr>
         <p:txBody>
-          <a:bodyPr/>
-          <a:lstStyle/>
-          <a:p>
-            <a:pPr algn="r"/>
-            <a:r>
-              <a:rPr lang="es-CR" b="1" u="sng" dirty="0" smtClean="0"/>
-              <a:t>Vecinos en el espacio</a:t>
-            </a:r>
-            <a:endParaRPr lang="en-US" b="1" u="sng" dirty="0"/>
-          </a:p>
-        </p:txBody>
-      </p:sp>
-      <p:sp>
-        <p:nvSpPr>
-          <p:cNvPr id="5" name="Rectángulo 4"/>
-          <p:cNvSpPr/>
-          <p:nvPr/>
-        </p:nvSpPr>
-        <p:spPr>
-          <a:xfrm>
-            <a:off x="426720" y="931818"/>
-            <a:ext cx="6096000" cy="800219"/>
-          </a:xfrm>
-          <a:prstGeom prst="rect">
-            <a:avLst/>
-          </a:prstGeom>
-        </p:spPr>
-        <p:txBody>
-          <a:bodyPr>
-            <a:spAutoFit/>
+          <a:bodyPr anchor="t">
+            <a:normAutofit/>
           </a:bodyPr>
           <a:lstStyle/>
           <a:p>
-            <a:endParaRPr lang="es-ES" dirty="0"/>
-          </a:p>
-          <a:p>
-            <a:r>
-              <a:rPr lang="es-ES" sz="2800" b="1" dirty="0"/>
-              <a:t>1. Movimientos de Ajedrez</a:t>
-            </a:r>
-          </a:p>
-        </p:txBody>
-      </p:sp>
-      <p:sp>
-        <p:nvSpPr>
-          <p:cNvPr id="6" name="Rectángulo 5"/>
-          <p:cNvSpPr/>
-          <p:nvPr/>
-        </p:nvSpPr>
-        <p:spPr>
-          <a:xfrm>
-            <a:off x="591259" y="2138345"/>
-            <a:ext cx="750783" cy="369332"/>
-          </a:xfrm>
-          <a:prstGeom prst="rect">
-            <a:avLst/>
-          </a:prstGeom>
-        </p:spPr>
-        <p:txBody>
-          <a:bodyPr wrap="none">
-            <a:spAutoFit/>
-          </a:bodyPr>
-          <a:lstStyle/>
-          <a:p>
-            <a:r>
-              <a:rPr lang="en-US" dirty="0"/>
-              <a:t>Reina</a:t>
-            </a:r>
-          </a:p>
-        </p:txBody>
-      </p:sp>
-      <p:sp>
-        <p:nvSpPr>
-          <p:cNvPr id="7" name="Rectángulo 6"/>
-          <p:cNvSpPr/>
-          <p:nvPr/>
-        </p:nvSpPr>
-        <p:spPr>
-          <a:xfrm>
-            <a:off x="6685135" y="2138345"/>
-            <a:ext cx="720197" cy="369332"/>
-          </a:xfrm>
-          <a:prstGeom prst="rect">
-            <a:avLst/>
-          </a:prstGeom>
-        </p:spPr>
-        <p:txBody>
-          <a:bodyPr wrap="none">
-            <a:spAutoFit/>
-          </a:bodyPr>
-          <a:lstStyle/>
-          <a:p>
-            <a:r>
-              <a:rPr lang="en-US" dirty="0"/>
-              <a:t>Torre</a:t>
+            <a:r>
+              <a:rPr lang="es-CR" dirty="0"/>
+              <a:t>Vecinos en el espacio</a:t>
             </a:r>
           </a:p>
         </p:txBody>
       </p:sp>
       <p:pic>
         <p:nvPicPr>
-          <p:cNvPr id="8" name="Imagen 7"/>
+          <p:cNvPr id="11" name="Marcador de contenido 3">
+            <a:extLst>
+              <a:ext uri="{FF2B5EF4-FFF2-40B4-BE49-F238E27FC236}">
+                <a16:creationId xmlns:a16="http://schemas.microsoft.com/office/drawing/2014/main" id="{8DC0080D-7299-4B9B-B702-AE4CEDEC70B1}"/>
+              </a:ext>
+            </a:extLst>
+          </p:cNvPr>
           <p:cNvPicPr>
             <a:picLocks noChangeAspect="1"/>
           </p:cNvPicPr>
@@ -7693,61 +12545,156 @@
         </p:blipFill>
         <p:spPr>
           <a:xfrm>
-            <a:off x="241430" y="2538155"/>
-            <a:ext cx="4321861" cy="2667205"/>
+            <a:off x="817474" y="2159331"/>
+            <a:ext cx="5283289" cy="3260543"/>
           </a:xfrm>
           <a:prstGeom prst="rect">
             <a:avLst/>
           </a:prstGeom>
         </p:spPr>
       </p:pic>
-      <p:pic>
-        <p:nvPicPr>
-          <p:cNvPr id="9" name="Imagen 8"/>
-          <p:cNvPicPr>
-            <a:picLocks noChangeAspect="1"/>
-          </p:cNvPicPr>
-          <p:nvPr/>
-        </p:nvPicPr>
-        <p:blipFill>
-          <a:blip r:embed="rId3"/>
-          <a:stretch>
-            <a:fillRect/>
-          </a:stretch>
-        </p:blipFill>
+      <p:sp>
+        <p:nvSpPr>
+          <p:cNvPr id="12" name="Content Placeholder 8">
+            <a:extLst>
+              <a:ext uri="{FF2B5EF4-FFF2-40B4-BE49-F238E27FC236}">
+                <a16:creationId xmlns:a16="http://schemas.microsoft.com/office/drawing/2014/main" id="{411D6797-EBC3-440B-BAB3-FADBD65EB7A3}"/>
+              </a:ext>
+            </a:extLst>
+          </p:cNvPr>
+          <p:cNvSpPr>
+            <a:spLocks noGrp="1"/>
+          </p:cNvSpPr>
+          <p:nvPr>
+            <p:ph idx="1"/>
+          </p:nvPr>
+        </p:nvSpPr>
         <p:spPr>
           <a:xfrm>
-            <a:off x="5084477" y="2433614"/>
-            <a:ext cx="4450119" cy="2746359"/>
+            <a:off x="6416039" y="2160589"/>
+            <a:ext cx="2927185" cy="3880773"/>
           </a:xfrm>
-          <a:prstGeom prst="rect">
-            <a:avLst/>
-          </a:prstGeom>
         </p:spPr>
-      </p:pic>
+        <p:txBody>
+          <a:bodyPr>
+            <a:normAutofit/>
+          </a:bodyPr>
+          <a:lstStyle/>
+          <a:p>
+            <a:pPr>
+              <a:buFont typeface="+mj-lt"/>
+              <a:buAutoNum type="alphaLcParenR"/>
+            </a:pPr>
+            <a:r>
+              <a:rPr lang="en-US" sz="1500" dirty="0"/>
+              <a:t>Reina</a:t>
+            </a:r>
+          </a:p>
+          <a:p>
+            <a:pPr>
+              <a:buFont typeface="+mj-lt"/>
+              <a:buAutoNum type="alphaLcParenR"/>
+            </a:pPr>
+            <a:r>
+              <a:rPr lang="en-US" sz="1500" dirty="0"/>
+              <a:t>Torre</a:t>
+            </a:r>
+          </a:p>
+          <a:p>
+            <a:pPr>
+              <a:buFont typeface="+mj-lt"/>
+              <a:buAutoNum type="alphaLcParenR"/>
+            </a:pPr>
+            <a:r>
+              <a:rPr lang="en-US" sz="1500" dirty="0" err="1"/>
+              <a:t>kNN</a:t>
+            </a:r>
+            <a:r>
+              <a:rPr lang="en-US" sz="1500" dirty="0"/>
+              <a:t> con k=1</a:t>
+            </a:r>
+          </a:p>
+          <a:p>
+            <a:pPr>
+              <a:buFont typeface="+mj-lt"/>
+              <a:buAutoNum type="alphaLcParenR"/>
+            </a:pPr>
+            <a:r>
+              <a:rPr lang="en-US" sz="1500" dirty="0" err="1"/>
+              <a:t>kNN</a:t>
+            </a:r>
+            <a:r>
+              <a:rPr lang="en-US" sz="1500" dirty="0"/>
+              <a:t> con k=2</a:t>
+            </a:r>
+          </a:p>
+          <a:p>
+            <a:pPr>
+              <a:buFont typeface="+mj-lt"/>
+              <a:buAutoNum type="alphaLcParenR"/>
+            </a:pPr>
+            <a:r>
+              <a:rPr lang="en-US" sz="1500" dirty="0" err="1"/>
+              <a:t>kNN</a:t>
+            </a:r>
+            <a:r>
+              <a:rPr lang="en-US" sz="1500" dirty="0"/>
+              <a:t> con k=4</a:t>
+            </a:r>
+          </a:p>
+          <a:p>
+            <a:pPr>
+              <a:buFont typeface="+mj-lt"/>
+              <a:buAutoNum type="alphaLcParenR"/>
+            </a:pPr>
+            <a:r>
+              <a:rPr lang="en-US" sz="1500" dirty="0" err="1"/>
+              <a:t>kNN</a:t>
+            </a:r>
+            <a:r>
+              <a:rPr lang="en-US" sz="1500" dirty="0"/>
+              <a:t> con </a:t>
+            </a:r>
+            <a:r>
+              <a:rPr lang="en-US" sz="1500" dirty="0" err="1"/>
+              <a:t>distancia</a:t>
+            </a:r>
+            <a:r>
+              <a:rPr lang="en-US" sz="1500" dirty="0"/>
+              <a:t> </a:t>
+            </a:r>
+            <a:r>
+              <a:rPr lang="en-US" sz="1500" dirty="0" err="1"/>
+              <a:t>máxima</a:t>
+            </a:r>
+            <a:endParaRPr lang="en-US" sz="1500" dirty="0"/>
+          </a:p>
+        </p:txBody>
+      </p:sp>
     </p:spTree>
     <p:extLst>
       <p:ext uri="{BB962C8B-B14F-4D97-AF65-F5344CB8AC3E}">
-        <p14:creationId xmlns:p14="http://schemas.microsoft.com/office/powerpoint/2010/main" val="3245636709"/>
+        <p14:creationId xmlns:p14="http://schemas.microsoft.com/office/powerpoint/2010/main" val="833395058"/>
       </p:ext>
     </p:extLst>
   </p:cSld>
   <p:clrMapOvr>
     <a:masterClrMapping/>
   </p:clrMapOvr>
-  <p:timing>
-    <p:tnLst>
-      <p:par>
-        <p:cTn id="1" dur="indefinite" restart="never" nodeType="tmRoot"/>
-      </p:par>
-    </p:tnLst>
-  </p:timing>
 </p:sld>
 </file>
 
-<file path=ppt/slides/slide7.xml><?xml version="1.0" encoding="utf-8"?>
+<file path=ppt/slides/slide9.xml><?xml version="1.0" encoding="utf-8"?>
 <p:sld xmlns:a="http://schemas.openxmlformats.org/drawingml/2006/main" xmlns:r="http://schemas.openxmlformats.org/officeDocument/2006/relationships" xmlns:p="http://schemas.openxmlformats.org/presentationml/2006/main">
   <p:cSld>
+    <p:bg>
+      <p:bgPr>
+        <a:solidFill>
+          <a:schemeClr val="bg1"/>
+        </a:solidFill>
+        <a:effectLst/>
+      </p:bgPr>
+    </p:bg>
     <p:spTree>
       <p:nvGrpSpPr>
         <p:cNvPr id="1" name=""/>
@@ -7764,7 +12711,13 @@
       </p:grpSpPr>
       <p:sp>
         <p:nvSpPr>
-          <p:cNvPr id="4" name="Título 3"/>
+          <p:cNvPr id="2" name="Título 1">
+            <a:extLst>
+              <a:ext uri="{FF2B5EF4-FFF2-40B4-BE49-F238E27FC236}">
+                <a16:creationId xmlns:a16="http://schemas.microsoft.com/office/drawing/2014/main" id="{0BAAF0A5-101B-4DBA-AFC8-59F8B34C97DC}"/>
+              </a:ext>
+            </a:extLst>
+          </p:cNvPr>
           <p:cNvSpPr>
             <a:spLocks noGrp="1"/>
           </p:cNvSpPr>
@@ -7774,61 +12727,32 @@
         </p:nvSpPr>
         <p:spPr>
           <a:xfrm>
-            <a:off x="1513357" y="271418"/>
-            <a:ext cx="7778690" cy="660400"/>
+            <a:off x="677334" y="609600"/>
+            <a:ext cx="8596668" cy="1320800"/>
           </a:xfrm>
         </p:spPr>
         <p:txBody>
-          <a:bodyPr/>
-          <a:lstStyle/>
-          <a:p>
-            <a:pPr algn="r"/>
-            <a:r>
-              <a:rPr lang="es-CR" b="1" u="sng" dirty="0" smtClean="0"/>
-              <a:t>Vecinos en el espacio</a:t>
-            </a:r>
-            <a:endParaRPr lang="en-US" b="1" u="sng" dirty="0"/>
-          </a:p>
-        </p:txBody>
-      </p:sp>
-      <p:sp>
-        <p:nvSpPr>
-          <p:cNvPr id="5" name="Rectángulo 4"/>
-          <p:cNvSpPr/>
-          <p:nvPr/>
-        </p:nvSpPr>
-        <p:spPr>
-          <a:xfrm>
-            <a:off x="426720" y="931818"/>
-            <a:ext cx="6096000" cy="800219"/>
-          </a:xfrm>
-          <a:prstGeom prst="rect">
-            <a:avLst/>
-          </a:prstGeom>
-        </p:spPr>
-        <p:txBody>
-          <a:bodyPr>
-            <a:spAutoFit/>
+          <a:bodyPr anchor="t">
+            <a:normAutofit/>
           </a:bodyPr>
           <a:lstStyle/>
           <a:p>
-            <a:endParaRPr lang="es-ES" dirty="0"/>
-          </a:p>
-          <a:p>
-            <a:r>
-              <a:rPr lang="es-ES" sz="2800" b="1" dirty="0" smtClean="0"/>
-              <a:t>2</a:t>
-            </a:r>
-            <a:r>
-              <a:rPr lang="es-ES" sz="2800" b="1" dirty="0"/>
-              <a:t>. Por Distancias</a:t>
+            <a:r>
+              <a:rPr lang="es-CR" dirty="0"/>
+              <a:t>Pesos entre vecinos</a:t>
             </a:r>
           </a:p>
         </p:txBody>
       </p:sp>
       <p:pic>
         <p:nvPicPr>
-          <p:cNvPr id="2" name="Imagen 1"/>
+          <p:cNvPr id="7" name="Marcador de contenido 3">
+            <a:extLst>
+              <a:ext uri="{FF2B5EF4-FFF2-40B4-BE49-F238E27FC236}">
+                <a16:creationId xmlns:a16="http://schemas.microsoft.com/office/drawing/2014/main" id="{0A1D538C-0967-43E0-BEDB-0AFA532BF7C6}"/>
+              </a:ext>
+            </a:extLst>
+          </p:cNvPr>
           <p:cNvPicPr>
             <a:picLocks noChangeAspect="1"/>
           </p:cNvPicPr>
@@ -7842,8 +12766,8 @@
         </p:blipFill>
         <p:spPr>
           <a:xfrm>
-            <a:off x="300512" y="2594563"/>
-            <a:ext cx="4459746" cy="2752300"/>
+            <a:off x="817474" y="2159331"/>
+            <a:ext cx="5283289" cy="3260543"/>
           </a:xfrm>
           <a:prstGeom prst="rect">
             <a:avLst/>
@@ -7852,582 +12776,108 @@
       </p:pic>
       <p:sp>
         <p:nvSpPr>
-          <p:cNvPr id="8" name="Rectángulo 7"/>
-          <p:cNvSpPr/>
-          <p:nvPr/>
+          <p:cNvPr id="9" name="Content Placeholder 8">
+            <a:extLst>
+              <a:ext uri="{FF2B5EF4-FFF2-40B4-BE49-F238E27FC236}">
+                <a16:creationId xmlns:a16="http://schemas.microsoft.com/office/drawing/2014/main" id="{843C3539-CF0F-4933-8C19-88F6FB113578}"/>
+              </a:ext>
+            </a:extLst>
+          </p:cNvPr>
+          <p:cNvSpPr>
+            <a:spLocks noGrp="1"/>
+          </p:cNvSpPr>
+          <p:nvPr>
+            <p:ph idx="1"/>
+          </p:nvPr>
         </p:nvSpPr>
         <p:spPr>
           <a:xfrm>
-            <a:off x="591259" y="2138345"/>
-            <a:ext cx="1045479" cy="369332"/>
+            <a:off x="6416039" y="2160589"/>
+            <a:ext cx="2927185" cy="3880773"/>
           </a:xfrm>
-          <a:prstGeom prst="rect">
-            <a:avLst/>
-          </a:prstGeom>
         </p:spPr>
         <p:txBody>
-          <a:bodyPr wrap="none">
-            <a:spAutoFit/>
+          <a:bodyPr>
+            <a:normAutofit/>
           </a:bodyPr>
           <a:lstStyle/>
           <a:p>
             <a:r>
-              <a:rPr lang="es-CR" dirty="0" smtClean="0"/>
-              <a:t>1 vecino</a:t>
-            </a:r>
-            <a:endParaRPr lang="en-US" dirty="0"/>
+              <a:rPr lang="en-US" sz="1500" dirty="0" err="1"/>
+              <a:t>Estilo</a:t>
+            </a:r>
+            <a:r>
+              <a:rPr lang="en-US" sz="1500" dirty="0"/>
+              <a:t> W:</a:t>
+            </a:r>
+          </a:p>
+          <a:p>
+            <a:pPr lvl="1"/>
+            <a:r>
+              <a:rPr lang="en-US" sz="1300" dirty="0" err="1"/>
+              <a:t>Estandarización</a:t>
+            </a:r>
+            <a:r>
+              <a:rPr lang="en-US" sz="1300" dirty="0"/>
+              <a:t> por fila</a:t>
+            </a:r>
+          </a:p>
+          <a:p>
+            <a:r>
+              <a:rPr lang="en-US" sz="1500" dirty="0" err="1"/>
+              <a:t>Estilo</a:t>
+            </a:r>
+            <a:r>
+              <a:rPr lang="en-US" sz="1500" dirty="0"/>
+              <a:t> B:</a:t>
+            </a:r>
+          </a:p>
+          <a:p>
+            <a:pPr lvl="1"/>
+            <a:r>
+              <a:rPr lang="en-US" sz="1300" dirty="0" err="1"/>
+              <a:t>Binario</a:t>
+            </a:r>
+            <a:endParaRPr lang="en-US" sz="1300" dirty="0"/>
+          </a:p>
+          <a:p>
+            <a:r>
+              <a:rPr lang="en-US" sz="1500" dirty="0" err="1"/>
+              <a:t>Estilo</a:t>
+            </a:r>
+            <a:r>
+              <a:rPr lang="en-US" sz="1500" dirty="0"/>
+              <a:t> S:</a:t>
+            </a:r>
+          </a:p>
+          <a:p>
+            <a:pPr lvl="1"/>
+            <a:r>
+              <a:rPr lang="en-US" sz="1300" dirty="0" err="1"/>
+              <a:t>Estandarización</a:t>
+            </a:r>
+            <a:r>
+              <a:rPr lang="en-US" sz="1300" dirty="0"/>
+              <a:t> de la </a:t>
+            </a:r>
+            <a:r>
+              <a:rPr lang="en-US" sz="1300" dirty="0" err="1"/>
+              <a:t>variancia</a:t>
+            </a:r>
+            <a:endParaRPr lang="en-US" sz="1300" dirty="0"/>
           </a:p>
         </p:txBody>
       </p:sp>
-      <p:sp>
-        <p:nvSpPr>
-          <p:cNvPr id="9" name="Rectángulo 8"/>
-          <p:cNvSpPr/>
-          <p:nvPr/>
-        </p:nvSpPr>
-        <p:spPr>
-          <a:xfrm>
-            <a:off x="5384267" y="2138345"/>
-            <a:ext cx="1138453" cy="369332"/>
-          </a:xfrm>
-          <a:prstGeom prst="rect">
-            <a:avLst/>
-          </a:prstGeom>
-        </p:spPr>
-        <p:txBody>
-          <a:bodyPr wrap="none">
-            <a:spAutoFit/>
-          </a:bodyPr>
-          <a:lstStyle/>
-          <a:p>
-            <a:r>
-              <a:rPr lang="es-CR" dirty="0"/>
-              <a:t>2</a:t>
-            </a:r>
-            <a:r>
-              <a:rPr lang="es-CR" dirty="0" smtClean="0"/>
-              <a:t> vecinos</a:t>
-            </a:r>
-            <a:endParaRPr lang="en-US" dirty="0"/>
-          </a:p>
-        </p:txBody>
-      </p:sp>
-      <p:pic>
-        <p:nvPicPr>
-          <p:cNvPr id="10" name="Imagen 9"/>
-          <p:cNvPicPr>
-            <a:picLocks noChangeAspect="1"/>
-          </p:cNvPicPr>
-          <p:nvPr/>
-        </p:nvPicPr>
-        <p:blipFill>
-          <a:blip r:embed="rId3"/>
-          <a:stretch>
-            <a:fillRect/>
-          </a:stretch>
-        </p:blipFill>
-        <p:spPr>
-          <a:xfrm>
-            <a:off x="4879803" y="2507677"/>
-            <a:ext cx="4600533" cy="2839186"/>
-          </a:xfrm>
-          <a:prstGeom prst="rect">
-            <a:avLst/>
-          </a:prstGeom>
-        </p:spPr>
-      </p:pic>
     </p:spTree>
     <p:extLst>
       <p:ext uri="{BB962C8B-B14F-4D97-AF65-F5344CB8AC3E}">
-        <p14:creationId xmlns:p14="http://schemas.microsoft.com/office/powerpoint/2010/main" val="3279112636"/>
+        <p14:creationId xmlns:p14="http://schemas.microsoft.com/office/powerpoint/2010/main" val="4136730137"/>
       </p:ext>
     </p:extLst>
   </p:cSld>
   <p:clrMapOvr>
     <a:masterClrMapping/>
   </p:clrMapOvr>
-  <p:timing>
-    <p:tnLst>
-      <p:par>
-        <p:cTn id="1" dur="indefinite" restart="never" nodeType="tmRoot"/>
-      </p:par>
-    </p:tnLst>
-  </p:timing>
-</p:sld>
-</file>
-
-<file path=ppt/slides/slide8.xml><?xml version="1.0" encoding="utf-8"?>
-<p:sld xmlns:a="http://schemas.openxmlformats.org/drawingml/2006/main" xmlns:r="http://schemas.openxmlformats.org/officeDocument/2006/relationships" xmlns:p="http://schemas.openxmlformats.org/presentationml/2006/main">
-  <p:cSld>
-    <p:spTree>
-      <p:nvGrpSpPr>
-        <p:cNvPr id="1" name=""/>
-        <p:cNvGrpSpPr/>
-        <p:nvPr/>
-      </p:nvGrpSpPr>
-      <p:grpSpPr>
-        <a:xfrm>
-          <a:off x="0" y="0"/>
-          <a:ext cx="0" cy="0"/>
-          <a:chOff x="0" y="0"/>
-          <a:chExt cx="0" cy="0"/>
-        </a:xfrm>
-      </p:grpSpPr>
-      <p:sp>
-        <p:nvSpPr>
-          <p:cNvPr id="4" name="Título 3"/>
-          <p:cNvSpPr>
-            <a:spLocks noGrp="1"/>
-          </p:cNvSpPr>
-          <p:nvPr>
-            <p:ph type="title"/>
-          </p:nvPr>
-        </p:nvSpPr>
-        <p:spPr>
-          <a:xfrm>
-            <a:off x="1513357" y="271418"/>
-            <a:ext cx="7778690" cy="660400"/>
-          </a:xfrm>
-        </p:spPr>
-        <p:txBody>
-          <a:bodyPr/>
-          <a:lstStyle/>
-          <a:p>
-            <a:pPr algn="r"/>
-            <a:r>
-              <a:rPr lang="es-CR" b="1" u="sng" dirty="0" smtClean="0"/>
-              <a:t>Vecinos en el espacio</a:t>
-            </a:r>
-            <a:endParaRPr lang="en-US" b="1" u="sng" dirty="0"/>
-          </a:p>
-        </p:txBody>
-      </p:sp>
-      <p:sp>
-        <p:nvSpPr>
-          <p:cNvPr id="5" name="Rectángulo 4"/>
-          <p:cNvSpPr/>
-          <p:nvPr/>
-        </p:nvSpPr>
-        <p:spPr>
-          <a:xfrm>
-            <a:off x="426720" y="931818"/>
-            <a:ext cx="6096000" cy="800219"/>
-          </a:xfrm>
-          <a:prstGeom prst="rect">
-            <a:avLst/>
-          </a:prstGeom>
-        </p:spPr>
-        <p:txBody>
-          <a:bodyPr>
-            <a:spAutoFit/>
-          </a:bodyPr>
-          <a:lstStyle/>
-          <a:p>
-            <a:endParaRPr lang="es-ES" dirty="0"/>
-          </a:p>
-          <a:p>
-            <a:r>
-              <a:rPr lang="es-ES" sz="2800" b="1" dirty="0" smtClean="0"/>
-              <a:t>2</a:t>
-            </a:r>
-            <a:r>
-              <a:rPr lang="es-ES" sz="2800" b="1" dirty="0"/>
-              <a:t>. Por Distancias</a:t>
-            </a:r>
-          </a:p>
-        </p:txBody>
-      </p:sp>
-      <p:sp>
-        <p:nvSpPr>
-          <p:cNvPr id="8" name="Rectángulo 7"/>
-          <p:cNvSpPr/>
-          <p:nvPr/>
-        </p:nvSpPr>
-        <p:spPr>
-          <a:xfrm>
-            <a:off x="1375031" y="2284362"/>
-            <a:ext cx="1138453" cy="369332"/>
-          </a:xfrm>
-          <a:prstGeom prst="rect">
-            <a:avLst/>
-          </a:prstGeom>
-        </p:spPr>
-        <p:txBody>
-          <a:bodyPr wrap="none">
-            <a:spAutoFit/>
-          </a:bodyPr>
-          <a:lstStyle/>
-          <a:p>
-            <a:r>
-              <a:rPr lang="es-CR" dirty="0"/>
-              <a:t>4</a:t>
-            </a:r>
-            <a:r>
-              <a:rPr lang="es-CR" dirty="0" smtClean="0"/>
-              <a:t> vecinos</a:t>
-            </a:r>
-            <a:endParaRPr lang="en-US" dirty="0"/>
-          </a:p>
-        </p:txBody>
-      </p:sp>
-      <p:pic>
-        <p:nvPicPr>
-          <p:cNvPr id="3" name="Imagen 2"/>
-          <p:cNvPicPr>
-            <a:picLocks noChangeAspect="1"/>
-          </p:cNvPicPr>
-          <p:nvPr/>
-        </p:nvPicPr>
-        <p:blipFill>
-          <a:blip r:embed="rId2"/>
-          <a:stretch>
-            <a:fillRect/>
-          </a:stretch>
-        </p:blipFill>
-        <p:spPr>
-          <a:xfrm>
-            <a:off x="392232" y="2765974"/>
-            <a:ext cx="4242503" cy="2618230"/>
-          </a:xfrm>
-          <a:prstGeom prst="rect">
-            <a:avLst/>
-          </a:prstGeom>
-        </p:spPr>
-      </p:pic>
-      <p:pic>
-        <p:nvPicPr>
-          <p:cNvPr id="6" name="Imagen 5"/>
-          <p:cNvPicPr>
-            <a:picLocks noChangeAspect="1"/>
-          </p:cNvPicPr>
-          <p:nvPr/>
-        </p:nvPicPr>
-        <p:blipFill>
-          <a:blip r:embed="rId3"/>
-          <a:stretch>
-            <a:fillRect/>
-          </a:stretch>
-        </p:blipFill>
-        <p:spPr>
-          <a:xfrm>
-            <a:off x="5402702" y="2758197"/>
-            <a:ext cx="4255104" cy="2626007"/>
-          </a:xfrm>
-          <a:prstGeom prst="rect">
-            <a:avLst/>
-          </a:prstGeom>
-        </p:spPr>
-      </p:pic>
-      <p:sp>
-        <p:nvSpPr>
-          <p:cNvPr id="11" name="Rectángulo 10"/>
-          <p:cNvSpPr/>
-          <p:nvPr/>
-        </p:nvSpPr>
-        <p:spPr>
-          <a:xfrm>
-            <a:off x="5953493" y="2284362"/>
-            <a:ext cx="720197" cy="369332"/>
-          </a:xfrm>
-          <a:prstGeom prst="rect">
-            <a:avLst/>
-          </a:prstGeom>
-        </p:spPr>
-        <p:txBody>
-          <a:bodyPr wrap="none">
-            <a:spAutoFit/>
-          </a:bodyPr>
-          <a:lstStyle/>
-          <a:p>
-            <a:r>
-              <a:rPr lang="es-CR" dirty="0" smtClean="0"/>
-              <a:t>Torre</a:t>
-            </a:r>
-            <a:endParaRPr lang="en-US" dirty="0"/>
-          </a:p>
-        </p:txBody>
-      </p:sp>
-    </p:spTree>
-    <p:extLst>
-      <p:ext uri="{BB962C8B-B14F-4D97-AF65-F5344CB8AC3E}">
-        <p14:creationId xmlns:p14="http://schemas.microsoft.com/office/powerpoint/2010/main" val="2241231776"/>
-      </p:ext>
-    </p:extLst>
-  </p:cSld>
-  <p:clrMapOvr>
-    <a:masterClrMapping/>
-  </p:clrMapOvr>
-  <p:timing>
-    <p:tnLst>
-      <p:par>
-        <p:cTn id="1" dur="indefinite" restart="never" nodeType="tmRoot"/>
-      </p:par>
-    </p:tnLst>
-  </p:timing>
-</p:sld>
-</file>
-
-<file path=ppt/slides/slide9.xml><?xml version="1.0" encoding="utf-8"?>
-<p:sld xmlns:a="http://schemas.openxmlformats.org/drawingml/2006/main" xmlns:r="http://schemas.openxmlformats.org/officeDocument/2006/relationships" xmlns:p="http://schemas.openxmlformats.org/presentationml/2006/main">
-  <p:cSld>
-    <p:spTree>
-      <p:nvGrpSpPr>
-        <p:cNvPr id="1" name=""/>
-        <p:cNvGrpSpPr/>
-        <p:nvPr/>
-      </p:nvGrpSpPr>
-      <p:grpSpPr>
-        <a:xfrm>
-          <a:off x="0" y="0"/>
-          <a:ext cx="0" cy="0"/>
-          <a:chOff x="0" y="0"/>
-          <a:chExt cx="0" cy="0"/>
-        </a:xfrm>
-      </p:grpSpPr>
-      <p:sp>
-        <p:nvSpPr>
-          <p:cNvPr id="4" name="Título 3"/>
-          <p:cNvSpPr>
-            <a:spLocks noGrp="1"/>
-          </p:cNvSpPr>
-          <p:nvPr>
-            <p:ph type="title"/>
-          </p:nvPr>
-        </p:nvSpPr>
-        <p:spPr>
-          <a:xfrm>
-            <a:off x="1513357" y="271418"/>
-            <a:ext cx="7778690" cy="660400"/>
-          </a:xfrm>
-        </p:spPr>
-        <p:txBody>
-          <a:bodyPr/>
-          <a:lstStyle/>
-          <a:p>
-            <a:pPr algn="r"/>
-            <a:r>
-              <a:rPr lang="es-CR" b="1" u="sng" dirty="0" smtClean="0"/>
-              <a:t>Vecinos en el espacio</a:t>
-            </a:r>
-            <a:endParaRPr lang="en-US" b="1" u="sng" dirty="0"/>
-          </a:p>
-        </p:txBody>
-      </p:sp>
-      <p:sp>
-        <p:nvSpPr>
-          <p:cNvPr id="5" name="Rectángulo 4"/>
-          <p:cNvSpPr/>
-          <p:nvPr/>
-        </p:nvSpPr>
-        <p:spPr>
-          <a:xfrm>
-            <a:off x="426720" y="931818"/>
-            <a:ext cx="6096000" cy="800219"/>
-          </a:xfrm>
-          <a:prstGeom prst="rect">
-            <a:avLst/>
-          </a:prstGeom>
-        </p:spPr>
-        <p:txBody>
-          <a:bodyPr>
-            <a:spAutoFit/>
-          </a:bodyPr>
-          <a:lstStyle/>
-          <a:p>
-            <a:endParaRPr lang="es-ES" dirty="0"/>
-          </a:p>
-          <a:p>
-            <a:r>
-              <a:rPr lang="es-ES" sz="2800" b="1" dirty="0" smtClean="0"/>
-              <a:t>2</a:t>
-            </a:r>
-            <a:r>
-              <a:rPr lang="es-ES" sz="2800" b="1" dirty="0"/>
-              <a:t>. Por Distancias</a:t>
-            </a:r>
-          </a:p>
-        </p:txBody>
-      </p:sp>
-      <p:sp>
-        <p:nvSpPr>
-          <p:cNvPr id="8" name="Rectángulo 7"/>
-          <p:cNvSpPr/>
-          <p:nvPr/>
-        </p:nvSpPr>
-        <p:spPr>
-          <a:xfrm>
-            <a:off x="1348905" y="1875785"/>
-            <a:ext cx="1138453" cy="369332"/>
-          </a:xfrm>
-          <a:prstGeom prst="rect">
-            <a:avLst/>
-          </a:prstGeom>
-        </p:spPr>
-        <p:txBody>
-          <a:bodyPr wrap="none">
-            <a:spAutoFit/>
-          </a:bodyPr>
-          <a:lstStyle/>
-          <a:p>
-            <a:r>
-              <a:rPr lang="es-CR" dirty="0"/>
-              <a:t>4</a:t>
-            </a:r>
-            <a:r>
-              <a:rPr lang="es-CR" dirty="0" smtClean="0"/>
-              <a:t> vecinos</a:t>
-            </a:r>
-            <a:endParaRPr lang="en-US" dirty="0"/>
-          </a:p>
-        </p:txBody>
-      </p:sp>
-      <p:pic>
-        <p:nvPicPr>
-          <p:cNvPr id="3" name="Imagen 2"/>
-          <p:cNvPicPr>
-            <a:picLocks noChangeAspect="1"/>
-          </p:cNvPicPr>
-          <p:nvPr/>
-        </p:nvPicPr>
-        <p:blipFill>
-          <a:blip r:embed="rId2"/>
-          <a:stretch>
-            <a:fillRect/>
-          </a:stretch>
-        </p:blipFill>
-        <p:spPr>
-          <a:xfrm>
-            <a:off x="94350" y="2185734"/>
-            <a:ext cx="4242503" cy="2618230"/>
-          </a:xfrm>
-          <a:prstGeom prst="rect">
-            <a:avLst/>
-          </a:prstGeom>
-        </p:spPr>
-      </p:pic>
-      <p:pic>
-        <p:nvPicPr>
-          <p:cNvPr id="6" name="Imagen 5"/>
-          <p:cNvPicPr>
-            <a:picLocks noChangeAspect="1"/>
-          </p:cNvPicPr>
-          <p:nvPr/>
-        </p:nvPicPr>
-        <p:blipFill>
-          <a:blip r:embed="rId3"/>
-          <a:stretch>
-            <a:fillRect/>
-          </a:stretch>
-        </p:blipFill>
-        <p:spPr>
-          <a:xfrm>
-            <a:off x="5402702" y="2177957"/>
-            <a:ext cx="4255104" cy="2626007"/>
-          </a:xfrm>
-          <a:prstGeom prst="rect">
-            <a:avLst/>
-          </a:prstGeom>
-        </p:spPr>
-      </p:pic>
-      <p:sp>
-        <p:nvSpPr>
-          <p:cNvPr id="11" name="Rectángulo 10"/>
-          <p:cNvSpPr/>
-          <p:nvPr/>
-        </p:nvSpPr>
-        <p:spPr>
-          <a:xfrm>
-            <a:off x="3301893" y="4803964"/>
-            <a:ext cx="720197" cy="369332"/>
-          </a:xfrm>
-          <a:prstGeom prst="rect">
-            <a:avLst/>
-          </a:prstGeom>
-        </p:spPr>
-        <p:txBody>
-          <a:bodyPr wrap="none">
-            <a:spAutoFit/>
-          </a:bodyPr>
-          <a:lstStyle/>
-          <a:p>
-            <a:r>
-              <a:rPr lang="es-CR" dirty="0" smtClean="0"/>
-              <a:t>Torre</a:t>
-            </a:r>
-            <a:endParaRPr lang="en-US" dirty="0"/>
-          </a:p>
-        </p:txBody>
-      </p:sp>
-      <p:pic>
-        <p:nvPicPr>
-          <p:cNvPr id="2" name="Imagen 1"/>
-          <p:cNvPicPr>
-            <a:picLocks noChangeAspect="1"/>
-          </p:cNvPicPr>
-          <p:nvPr/>
-        </p:nvPicPr>
-        <p:blipFill>
-          <a:blip r:embed="rId3"/>
-          <a:stretch>
-            <a:fillRect/>
-          </a:stretch>
-        </p:blipFill>
-        <p:spPr>
-          <a:xfrm>
-            <a:off x="4194916" y="4619298"/>
-            <a:ext cx="3281805" cy="2025342"/>
-          </a:xfrm>
-          <a:prstGeom prst="rect">
-            <a:avLst/>
-          </a:prstGeom>
-        </p:spPr>
-      </p:pic>
-      <p:sp>
-        <p:nvSpPr>
-          <p:cNvPr id="9" name="Rectángulo 8"/>
-          <p:cNvSpPr/>
-          <p:nvPr/>
-        </p:nvSpPr>
-        <p:spPr>
-          <a:xfrm>
-            <a:off x="5802523" y="1875785"/>
-            <a:ext cx="750783" cy="369332"/>
-          </a:xfrm>
-          <a:prstGeom prst="rect">
-            <a:avLst/>
-          </a:prstGeom>
-        </p:spPr>
-        <p:txBody>
-          <a:bodyPr wrap="none">
-            <a:spAutoFit/>
-          </a:bodyPr>
-          <a:lstStyle/>
-          <a:p>
-            <a:r>
-              <a:rPr lang="es-CR" dirty="0" smtClean="0"/>
-              <a:t>Reina</a:t>
-            </a:r>
-            <a:endParaRPr lang="en-US" dirty="0"/>
-          </a:p>
-        </p:txBody>
-      </p:sp>
-    </p:spTree>
-    <p:extLst>
-      <p:ext uri="{BB962C8B-B14F-4D97-AF65-F5344CB8AC3E}">
-        <p14:creationId xmlns:p14="http://schemas.microsoft.com/office/powerpoint/2010/main" val="59519899"/>
-      </p:ext>
-    </p:extLst>
-  </p:cSld>
-  <p:clrMapOvr>
-    <a:masterClrMapping/>
-  </p:clrMapOvr>
-  <p:timing>
-    <p:tnLst>
-      <p:par>
-        <p:cTn id="1" dur="indefinite" restart="never" nodeType="tmRoot"/>
-      </p:par>
-    </p:tnLst>
-  </p:timing>
 </p:sld>
 </file>
 
